--- a/ThesisPresentationV2.pptx
+++ b/ThesisPresentationV2.pptx
@@ -5,10 +5,10 @@
     <p:sldMasterId id="2147483778" r:id="rId1"/>
   </p:sldMasterIdLst>
   <p:notesMasterIdLst>
-    <p:notesMasterId r:id="rId25"/>
+    <p:notesMasterId r:id="rId26"/>
   </p:notesMasterIdLst>
   <p:handoutMasterIdLst>
-    <p:handoutMasterId r:id="rId26"/>
+    <p:handoutMasterId r:id="rId27"/>
   </p:handoutMasterIdLst>
   <p:sldIdLst>
     <p:sldId id="261" r:id="rId2"/>
@@ -24,16 +24,17 @@
     <p:sldId id="290" r:id="rId12"/>
     <p:sldId id="294" r:id="rId13"/>
     <p:sldId id="295" r:id="rId14"/>
-    <p:sldId id="296" r:id="rId15"/>
-    <p:sldId id="297" r:id="rId16"/>
-    <p:sldId id="299" r:id="rId17"/>
-    <p:sldId id="298" r:id="rId18"/>
-    <p:sldId id="300" r:id="rId19"/>
-    <p:sldId id="302" r:id="rId20"/>
-    <p:sldId id="301" r:id="rId21"/>
-    <p:sldId id="303" r:id="rId22"/>
-    <p:sldId id="304" r:id="rId23"/>
-    <p:sldId id="283" r:id="rId24"/>
+    <p:sldId id="305" r:id="rId15"/>
+    <p:sldId id="296" r:id="rId16"/>
+    <p:sldId id="297" r:id="rId17"/>
+    <p:sldId id="299" r:id="rId18"/>
+    <p:sldId id="298" r:id="rId19"/>
+    <p:sldId id="300" r:id="rId20"/>
+    <p:sldId id="302" r:id="rId21"/>
+    <p:sldId id="301" r:id="rId22"/>
+    <p:sldId id="303" r:id="rId23"/>
+    <p:sldId id="304" r:id="rId24"/>
+    <p:sldId id="283" r:id="rId25"/>
   </p:sldIdLst>
   <p:sldSz cx="9144000" cy="6858000" type="screen4x3"/>
   <p:notesSz cx="6761163" cy="9942513"/>
@@ -6557,559 +6558,6 @@
 </file>
 
 <file path=ppt/charts/chart3.xml><?xml version="1.0" encoding="utf-8"?>
-<c:chartSpace xmlns:c="http://schemas.openxmlformats.org/drawingml/2006/chart" xmlns:a="http://schemas.openxmlformats.org/drawingml/2006/main" xmlns:r="http://schemas.openxmlformats.org/officeDocument/2006/relationships" xmlns:c16r2="http://schemas.microsoft.com/office/drawing/2015/06/chart">
-  <c:date1904 val="0"/>
-  <c:lang val="en-US"/>
-  <c:roundedCorners val="0"/>
-  <mc:AlternateContent xmlns:mc="http://schemas.openxmlformats.org/markup-compatibility/2006">
-    <mc:Choice xmlns:c14="http://schemas.microsoft.com/office/drawing/2007/8/2/chart" Requires="c14">
-      <c14:style val="102"/>
-    </mc:Choice>
-    <mc:Fallback>
-      <c:style val="2"/>
-    </mc:Fallback>
-  </mc:AlternateContent>
-  <c:chart>
-    <c:title>
-      <c:tx>
-        <c:rich>
-          <a:bodyPr/>
-          <a:lstStyle/>
-          <a:p>
-            <a:pPr>
-              <a:defRPr/>
-            </a:pPr>
-            <a:r>
-              <a:rPr lang="en-CA"/>
-              <a:t>  </a:t>
-            </a:r>
-          </a:p>
-        </c:rich>
-      </c:tx>
-      <c:overlay val="0"/>
-    </c:title>
-    <c:autoTitleDeleted val="0"/>
-    <c:plotArea>
-      <c:layout/>
-      <c:lineChart>
-        <c:grouping val="standard"/>
-        <c:varyColors val="0"/>
-        <c:ser>
-          <c:idx val="0"/>
-          <c:order val="0"/>
-          <c:spPr>
-            <a:ln w="28575" cap="rnd">
-              <a:solidFill>
-                <a:schemeClr val="accent1"/>
-              </a:solidFill>
-              <a:round/>
-            </a:ln>
-            <a:effectLst/>
-          </c:spPr>
-          <c:marker>
-            <c:symbol val="none"/>
-          </c:marker>
-          <c:val>
-            <c:numRef>
-              <c:f>Sheet1!$G$3:$G$101</c:f>
-              <c:numCache>
-                <c:formatCode>General</c:formatCode>
-                <c:ptCount val="99"/>
-                <c:pt idx="0">
-                  <c:v>67.89013671875</c:v>
-                </c:pt>
-                <c:pt idx="1">
-                  <c:v>106.829833984375</c:v>
-                </c:pt>
-                <c:pt idx="2">
-                  <c:v>88.800048828125</c:v>
-                </c:pt>
-                <c:pt idx="3">
-                  <c:v>97.52001953125</c:v>
-                </c:pt>
-                <c:pt idx="4">
-                  <c:v>98.2900390625</c:v>
-                </c:pt>
-                <c:pt idx="5">
-                  <c:v>96.760009765625</c:v>
-                </c:pt>
-                <c:pt idx="6">
-                  <c:v>96.14990234375</c:v>
-                </c:pt>
-                <c:pt idx="7">
-                  <c:v>98.110107421875</c:v>
-                </c:pt>
-                <c:pt idx="8">
-                  <c:v>116.449951171875</c:v>
-                </c:pt>
-                <c:pt idx="9">
-                  <c:v>126.97998046875</c:v>
-                </c:pt>
-                <c:pt idx="10">
-                  <c:v>103.469970703125</c:v>
-                </c:pt>
-                <c:pt idx="11">
-                  <c:v>102.699951171875</c:v>
-                </c:pt>
-                <c:pt idx="12">
-                  <c:v>94.39013671875</c:v>
-                </c:pt>
-                <c:pt idx="13">
-                  <c:v>97.5</c:v>
-                </c:pt>
-                <c:pt idx="14">
-                  <c:v>99.510009765625</c:v>
-                </c:pt>
-                <c:pt idx="15">
-                  <c:v>94.81005859375</c:v>
-                </c:pt>
-                <c:pt idx="16">
-                  <c:v>88.85986328125</c:v>
-                </c:pt>
-                <c:pt idx="17">
-                  <c:v>107.89013671875</c:v>
-                </c:pt>
-                <c:pt idx="18">
-                  <c:v>102.869873046875</c:v>
-                </c:pt>
-                <c:pt idx="19">
-                  <c:v>88.820068359375</c:v>
-                </c:pt>
-                <c:pt idx="20">
-                  <c:v>93.369873046875</c:v>
-                </c:pt>
-                <c:pt idx="21">
-                  <c:v>95.510009765625</c:v>
-                </c:pt>
-                <c:pt idx="22">
-                  <c:v>105.170166015625</c:v>
-                </c:pt>
-                <c:pt idx="23">
-                  <c:v>97.60986328125</c:v>
-                </c:pt>
-                <c:pt idx="24">
-                  <c:v>95.68994140625</c:v>
-                </c:pt>
-                <c:pt idx="25">
-                  <c:v>99.75</c:v>
-                </c:pt>
-                <c:pt idx="26">
-                  <c:v>96.650146484375</c:v>
-                </c:pt>
-                <c:pt idx="27">
-                  <c:v>90.179931640625</c:v>
-                </c:pt>
-                <c:pt idx="28">
-                  <c:v>97.14013671875</c:v>
-                </c:pt>
-                <c:pt idx="29">
-                  <c:v>103.119873046875</c:v>
-                </c:pt>
-                <c:pt idx="30">
-                  <c:v>92.7099609375</c:v>
-                </c:pt>
-                <c:pt idx="31">
-                  <c:v>98.0400390625</c:v>
-                </c:pt>
-                <c:pt idx="32">
-                  <c:v>96.60009765625</c:v>
-                </c:pt>
-                <c:pt idx="33">
-                  <c:v>97.329833984375</c:v>
-                </c:pt>
-                <c:pt idx="34">
-                  <c:v>97.91015625</c:v>
-                </c:pt>
-                <c:pt idx="35">
-                  <c:v>96.77001953125</c:v>
-                </c:pt>
-                <c:pt idx="36">
-                  <c:v>97.419921875</c:v>
-                </c:pt>
-                <c:pt idx="37">
-                  <c:v>100.60009765625</c:v>
-                </c:pt>
-                <c:pt idx="38">
-                  <c:v>94.659912109375</c:v>
-                </c:pt>
-                <c:pt idx="39">
-                  <c:v>97.10009765625</c:v>
-                </c:pt>
-                <c:pt idx="40">
-                  <c:v>99.02978515625</c:v>
-                </c:pt>
-                <c:pt idx="41">
-                  <c:v>96.22021484375</c:v>
-                </c:pt>
-                <c:pt idx="42">
-                  <c:v>97.829833984375</c:v>
-                </c:pt>
-                <c:pt idx="43">
-                  <c:v>97.60009765625</c:v>
-                </c:pt>
-                <c:pt idx="44">
-                  <c:v>98.219970703125</c:v>
-                </c:pt>
-                <c:pt idx="45">
-                  <c:v>96.5400390625</c:v>
-                </c:pt>
-                <c:pt idx="46">
-                  <c:v>98.08984375</c:v>
-                </c:pt>
-                <c:pt idx="47">
-                  <c:v>96.980224609375</c:v>
-                </c:pt>
-                <c:pt idx="48">
-                  <c:v>97.919921875</c:v>
-                </c:pt>
-                <c:pt idx="49">
-                  <c:v>96.8798828125</c:v>
-                </c:pt>
-                <c:pt idx="50">
-                  <c:v>105.510009765625</c:v>
-                </c:pt>
-                <c:pt idx="51">
-                  <c:v>98.380126953125</c:v>
-                </c:pt>
-                <c:pt idx="52">
-                  <c:v>95.31005859375</c:v>
-                </c:pt>
-                <c:pt idx="53">
-                  <c:v>90.43994140625</c:v>
-                </c:pt>
-                <c:pt idx="54">
-                  <c:v>105</c:v>
-                </c:pt>
-                <c:pt idx="55">
-                  <c:v>97.35986328125</c:v>
-                </c:pt>
-                <c:pt idx="56">
-                  <c:v>98.239990234375</c:v>
-                </c:pt>
-                <c:pt idx="57">
-                  <c:v>89.77001953125</c:v>
-                </c:pt>
-                <c:pt idx="58">
-                  <c:v>104.050048828125</c:v>
-                </c:pt>
-                <c:pt idx="59">
-                  <c:v>97.949951171875</c:v>
-                </c:pt>
-                <c:pt idx="60">
-                  <c:v>95.8701171875</c:v>
-                </c:pt>
-                <c:pt idx="61">
-                  <c:v>90.889892578125</c:v>
-                </c:pt>
-                <c:pt idx="62">
-                  <c:v>106.360107421875</c:v>
-                </c:pt>
-                <c:pt idx="63">
-                  <c:v>98.14990234375</c:v>
-                </c:pt>
-                <c:pt idx="64">
-                  <c:v>89.130126953125</c:v>
-                </c:pt>
-                <c:pt idx="65">
-                  <c:v>105.559814453125</c:v>
-                </c:pt>
-                <c:pt idx="66">
-                  <c:v>96.75</c:v>
-                </c:pt>
-                <c:pt idx="67">
-                  <c:v>99.41015625</c:v>
-                </c:pt>
-                <c:pt idx="68">
-                  <c:v>97.58984375</c:v>
-                </c:pt>
-                <c:pt idx="69">
-                  <c:v>96.510009765625</c:v>
-                </c:pt>
-                <c:pt idx="70">
-                  <c:v>97.5400390625</c:v>
-                </c:pt>
-                <c:pt idx="71">
-                  <c:v>90.35009765625</c:v>
-                </c:pt>
-                <c:pt idx="72">
-                  <c:v>103.330078125</c:v>
-                </c:pt>
-                <c:pt idx="73">
-                  <c:v>97.47998046875</c:v>
-                </c:pt>
-                <c:pt idx="74">
-                  <c:v>99.469970703125</c:v>
-                </c:pt>
-                <c:pt idx="75">
-                  <c:v>91.329833984375</c:v>
-                </c:pt>
-                <c:pt idx="76">
-                  <c:v>101.960205078125</c:v>
-                </c:pt>
-                <c:pt idx="77">
-                  <c:v>99.85986328125</c:v>
-                </c:pt>
-                <c:pt idx="78">
-                  <c:v>97.97998046875</c:v>
-                </c:pt>
-                <c:pt idx="79">
-                  <c:v>94.880126953125</c:v>
-                </c:pt>
-                <c:pt idx="80">
-                  <c:v>89.83984375</c:v>
-                </c:pt>
-                <c:pt idx="81">
-                  <c:v>110.47998046875</c:v>
-                </c:pt>
-                <c:pt idx="82">
-                  <c:v>84.06005859375</c:v>
-                </c:pt>
-                <c:pt idx="83">
-                  <c:v>103.830078125</c:v>
-                </c:pt>
-                <c:pt idx="84">
-                  <c:v>91.8798828125</c:v>
-                </c:pt>
-                <c:pt idx="85">
-                  <c:v>106.080078125</c:v>
-                </c:pt>
-                <c:pt idx="86">
-                  <c:v>94.6298828125</c:v>
-                </c:pt>
-                <c:pt idx="87">
-                  <c:v>98.6201171875</c:v>
-                </c:pt>
-                <c:pt idx="88">
-                  <c:v>100.080078125</c:v>
-                </c:pt>
-                <c:pt idx="89">
-                  <c:v>104.669921875</c:v>
-                </c:pt>
-                <c:pt idx="90">
-                  <c:v>90.110107421875</c:v>
-                </c:pt>
-                <c:pt idx="91">
-                  <c:v>88.81982421875</c:v>
-                </c:pt>
-                <c:pt idx="92">
-                  <c:v>96.130126953125</c:v>
-                </c:pt>
-                <c:pt idx="93">
-                  <c:v>98.429931640625</c:v>
-                </c:pt>
-                <c:pt idx="94">
-                  <c:v>98.27001953125</c:v>
-                </c:pt>
-                <c:pt idx="95">
-                  <c:v>95.570068359375</c:v>
-                </c:pt>
-                <c:pt idx="96">
-                  <c:v>104.64990234375</c:v>
-                </c:pt>
-                <c:pt idx="97">
-                  <c:v>91.27001953125</c:v>
-                </c:pt>
-                <c:pt idx="98">
-                  <c:v>96.340087890625</c:v>
-                </c:pt>
-              </c:numCache>
-            </c:numRef>
-          </c:val>
-          <c:smooth val="0"/>
-          <c:extLst>
-            <c:ext xmlns:c16="http://schemas.microsoft.com/office/drawing/2014/chart" uri="{C3380CC4-5D6E-409C-BE32-E72D297353CC}">
-              <c16:uniqueId val="{00000000-4E63-4821-93D4-2718542591BF}"/>
-            </c:ext>
-          </c:extLst>
-        </c:ser>
-        <c:dLbls>
-          <c:showLegendKey val="0"/>
-          <c:showVal val="0"/>
-          <c:showCatName val="0"/>
-          <c:showSerName val="0"/>
-          <c:showPercent val="0"/>
-          <c:showBubbleSize val="0"/>
-        </c:dLbls>
-        <c:smooth val="0"/>
-        <c:axId val="146649088"/>
-        <c:axId val="146650624"/>
-      </c:lineChart>
-      <c:catAx>
-        <c:axId val="146649088"/>
-        <c:scaling>
-          <c:orientation val="minMax"/>
-        </c:scaling>
-        <c:delete val="0"/>
-        <c:axPos val="b"/>
-        <c:title>
-          <c:tx>
-            <c:rich>
-              <a:bodyPr/>
-              <a:lstStyle/>
-              <a:p>
-                <a:pPr>
-                  <a:defRPr/>
-                </a:pPr>
-                <a:r>
-                  <a:rPr lang="en-CA"/>
-                  <a:t>Attempt</a:t>
-                </a:r>
-                <a:r>
-                  <a:rPr lang="en-CA" baseline="0"/>
-                  <a:t> Count</a:t>
-                </a:r>
-                <a:endParaRPr lang="en-CA"/>
-              </a:p>
-            </c:rich>
-          </c:tx>
-          <c:overlay val="0"/>
-        </c:title>
-        <c:majorTickMark val="none"/>
-        <c:minorTickMark val="none"/>
-        <c:tickLblPos val="nextTo"/>
-        <c:spPr>
-          <a:noFill/>
-          <a:ln w="9525" cap="flat" cmpd="sng" algn="ctr">
-            <a:solidFill>
-              <a:schemeClr val="tx1">
-                <a:lumMod val="15000"/>
-                <a:lumOff val="85000"/>
-              </a:schemeClr>
-            </a:solidFill>
-            <a:round/>
-          </a:ln>
-          <a:effectLst/>
-        </c:spPr>
-        <c:txPr>
-          <a:bodyPr rot="-60000000" vert="horz"/>
-          <a:lstStyle/>
-          <a:p>
-            <a:pPr>
-              <a:defRPr/>
-            </a:pPr>
-            <a:endParaRPr lang="en-US"/>
-          </a:p>
-        </c:txPr>
-        <c:crossAx val="146650624"/>
-        <c:crosses val="autoZero"/>
-        <c:auto val="1"/>
-        <c:lblAlgn val="ctr"/>
-        <c:lblOffset val="100"/>
-        <c:noMultiLvlLbl val="0"/>
-      </c:catAx>
-      <c:valAx>
-        <c:axId val="146650624"/>
-        <c:scaling>
-          <c:orientation val="minMax"/>
-        </c:scaling>
-        <c:delete val="0"/>
-        <c:axPos val="l"/>
-        <c:majorGridlines>
-          <c:spPr>
-            <a:ln w="9525" cap="flat" cmpd="sng" algn="ctr">
-              <a:solidFill>
-                <a:schemeClr val="tx1">
-                  <a:lumMod val="15000"/>
-                  <a:lumOff val="85000"/>
-                </a:schemeClr>
-              </a:solidFill>
-              <a:round/>
-            </a:ln>
-            <a:effectLst/>
-          </c:spPr>
-        </c:majorGridlines>
-        <c:title>
-          <c:tx>
-            <c:rich>
-              <a:bodyPr/>
-              <a:lstStyle/>
-              <a:p>
-                <a:pPr>
-                  <a:defRPr/>
-                </a:pPr>
-                <a:r>
-                  <a:rPr lang="en-CA"/>
-                  <a:t>Time</a:t>
-                </a:r>
-                <a:r>
-                  <a:rPr lang="en-CA" baseline="0"/>
-                  <a:t> Cost</a:t>
-                </a:r>
-                <a:endParaRPr lang="en-CA"/>
-              </a:p>
-            </c:rich>
-          </c:tx>
-          <c:overlay val="0"/>
-        </c:title>
-        <c:numFmt formatCode="#0&quot;ms&quot;" sourceLinked="0"/>
-        <c:majorTickMark val="none"/>
-        <c:minorTickMark val="none"/>
-        <c:tickLblPos val="nextTo"/>
-        <c:spPr>
-          <a:noFill/>
-          <a:ln>
-            <a:noFill/>
-          </a:ln>
-          <a:effectLst/>
-        </c:spPr>
-        <c:txPr>
-          <a:bodyPr rot="-60000000" vert="horz"/>
-          <a:lstStyle/>
-          <a:p>
-            <a:pPr>
-              <a:defRPr/>
-            </a:pPr>
-            <a:endParaRPr lang="en-US"/>
-          </a:p>
-        </c:txPr>
-        <c:crossAx val="146649088"/>
-        <c:crosses val="autoZero"/>
-        <c:crossBetween val="between"/>
-      </c:valAx>
-      <c:spPr>
-        <a:noFill/>
-        <a:ln>
-          <a:noFill/>
-        </a:ln>
-        <a:effectLst/>
-      </c:spPr>
-    </c:plotArea>
-    <c:plotVisOnly val="1"/>
-    <c:dispBlanksAs val="gap"/>
-    <c:showDLblsOverMax val="0"/>
-  </c:chart>
-  <c:spPr>
-    <a:solidFill>
-      <a:schemeClr val="bg1"/>
-    </a:solidFill>
-    <a:ln w="9525" cap="flat" cmpd="sng" algn="ctr">
-      <a:solidFill>
-        <a:schemeClr val="tx1">
-          <a:lumMod val="15000"/>
-          <a:lumOff val="85000"/>
-        </a:schemeClr>
-      </a:solidFill>
-      <a:round/>
-    </a:ln>
-    <a:effectLst/>
-  </c:spPr>
-  <c:txPr>
-    <a:bodyPr/>
-    <a:lstStyle/>
-    <a:p>
-      <a:pPr>
-        <a:defRPr b="0"/>
-      </a:pPr>
-      <a:endParaRPr lang="en-US"/>
-    </a:p>
-  </c:txPr>
-  <c:externalData r:id="rId1">
-    <c:autoUpdate val="0"/>
-  </c:externalData>
-</c:chartSpace>
-</file>
-
-<file path=ppt/charts/chart4.xml><?xml version="1.0" encoding="utf-8"?>
 <c:chartSpace xmlns:c="http://schemas.openxmlformats.org/drawingml/2006/chart" xmlns:a="http://schemas.openxmlformats.org/drawingml/2006/main" xmlns:r="http://schemas.openxmlformats.org/officeDocument/2006/relationships" xmlns:c16r2="http://schemas.microsoft.com/office/drawing/2015/06/chart">
   <c:date1904 val="0"/>
   <c:lang val="en-US"/>
@@ -10202,45 +9650,72 @@
           <a:p>
             <a:pPr eaLnBrk="1" hangingPunct="1"/>
             <a:r>
-              <a:rPr lang="en-CA" dirty="0"/>
+              <a:rPr lang="en-CA"/>
               <a:t>Introduction and background, including highlights (if any) from lit review (1-2 min.) </a:t>
             </a:r>
           </a:p>
           <a:p>
             <a:pPr eaLnBrk="1" hangingPunct="1"/>
             <a:r>
-              <a:rPr lang="en-CA" dirty="0"/>
+              <a:rPr lang="en-CA"/>
               <a:t>Research question (1 min.) </a:t>
             </a:r>
           </a:p>
           <a:p>
             <a:pPr eaLnBrk="1" hangingPunct="1"/>
             <a:r>
-              <a:rPr lang="en-CA" dirty="0"/>
+              <a:rPr lang="en-CA"/>
               <a:t>Research design and methods (5 min. max) </a:t>
             </a:r>
           </a:p>
           <a:p>
             <a:pPr eaLnBrk="1" hangingPunct="1"/>
             <a:r>
-              <a:rPr lang="en-CA" dirty="0"/>
+              <a:rPr lang="en-CA"/>
               <a:t>Data sources and selection Findings (10 min.) [this should be your main focus] </a:t>
             </a:r>
           </a:p>
           <a:p>
             <a:pPr eaLnBrk="1" hangingPunct="1"/>
             <a:r>
-              <a:rPr lang="en-CA" dirty="0"/>
+              <a:rPr lang="en-CA"/>
               <a:t>Recommendations/implications (2-5 min.) </a:t>
             </a:r>
           </a:p>
           <a:p>
             <a:pPr eaLnBrk="1" hangingPunct="1"/>
             <a:r>
-              <a:rPr lang="en-CA" dirty="0"/>
+              <a:rPr lang="en-CA"/>
               <a:t>Summary and conclusion (1-2 min.) </a:t>
             </a:r>
-            <a:endParaRPr lang="en-US" dirty="0">
+          </a:p>
+          <a:p>
+            <a:pPr eaLnBrk="1" hangingPunct="1"/>
+            <a:endParaRPr lang="en-CA">
+              <a:latin typeface="Times" charset="0"/>
+              <a:ea typeface="ＭＳ Ｐゴシック" charset="0"/>
+              <a:cs typeface="ＭＳ Ｐゴシック" charset="0"/>
+            </a:endParaRPr>
+          </a:p>
+          <a:p>
+            <a:pPr eaLnBrk="1" hangingPunct="1"/>
+            <a:r>
+              <a:rPr lang="en-CA">
+                <a:latin typeface="Times" charset="0"/>
+                <a:ea typeface="ＭＳ Ｐゴシック" charset="0"/>
+                <a:cs typeface="ＭＳ Ｐゴシック" charset="0"/>
+              </a:rPr>
+              <a:t>The</a:t>
+            </a:r>
+            <a:r>
+              <a:rPr lang="en-CA" baseline="0">
+                <a:latin typeface="Times" charset="0"/>
+                <a:ea typeface="ＭＳ Ｐゴシック" charset="0"/>
+                <a:cs typeface="ＭＳ Ｐゴシック" charset="0"/>
+              </a:rPr>
+              <a:t> topic of my thesis is ********************</a:t>
+            </a:r>
+            <a:endParaRPr lang="en-US">
               <a:latin typeface="Times" charset="0"/>
               <a:ea typeface="ＭＳ Ｐゴシック" charset="0"/>
               <a:cs typeface="ＭＳ Ｐゴシック" charset="0"/>
@@ -10302,7 +9777,7 @@
           <a:p>
             <a:pPr lvl="0" fontAlgn="base"/>
             <a:r>
-              <a:rPr lang="en-CA" sz="1200" dirty="0">
+              <a:rPr lang="en-CA" sz="1200">
                 <a:latin typeface="Times New Roman" panose="02020603050405020304" pitchFamily="18" charset="0"/>
                 <a:cs typeface="Times New Roman" panose="02020603050405020304" pitchFamily="18" charset="0"/>
               </a:rPr>
@@ -10311,7 +9786,7 @@
           </a:p>
           <a:p>
             <a:pPr lvl="0" fontAlgn="base"/>
-            <a:endParaRPr lang="en-CA" sz="1200" kern="1200" dirty="0">
+            <a:endParaRPr lang="en-CA" sz="1200" kern="1200">
               <a:solidFill>
                 <a:schemeClr val="tx1"/>
               </a:solidFill>
@@ -10324,7 +9799,7 @@
           <a:p>
             <a:pPr lvl="0" fontAlgn="base"/>
             <a:r>
-              <a:rPr lang="en-CA" sz="1200" dirty="0">
+              <a:rPr lang="en-CA" sz="1200">
                 <a:latin typeface="Times New Roman" panose="02020603050405020304" pitchFamily="18" charset="0"/>
                 <a:cs typeface="Times New Roman" panose="02020603050405020304" pitchFamily="18" charset="0"/>
               </a:rPr>
@@ -10333,7 +9808,7 @@
           </a:p>
           <a:p>
             <a:pPr lvl="0" fontAlgn="base"/>
-            <a:endParaRPr lang="en-CA" sz="1200" kern="1200" dirty="0">
+            <a:endParaRPr lang="en-CA" sz="1200" kern="1200">
               <a:solidFill>
                 <a:schemeClr val="tx1"/>
               </a:solidFill>
@@ -10346,13 +9821,13 @@
           <a:p>
             <a:pPr lvl="0" fontAlgn="base"/>
             <a:r>
-              <a:rPr lang="en-CA" sz="1200" dirty="0">
+              <a:rPr lang="en-CA" sz="1200">
                 <a:latin typeface="Times New Roman" panose="02020603050405020304" pitchFamily="18" charset="0"/>
                 <a:cs typeface="Times New Roman" panose="02020603050405020304" pitchFamily="18" charset="0"/>
               </a:rPr>
               <a:t>Customized callback functions to handle responses.</a:t>
             </a:r>
-            <a:endParaRPr lang="en-CA" sz="1200" kern="1200" dirty="0">
+            <a:endParaRPr lang="en-CA" sz="1200" kern="1200">
               <a:solidFill>
                 <a:schemeClr val="tx1"/>
               </a:solidFill>
@@ -10446,7 +9921,7 @@
           <a:lstStyle/>
           <a:p>
             <a:pPr lvl="0" fontAlgn="base"/>
-            <a:endParaRPr lang="en-CA" sz="1200" kern="1200" dirty="0">
+            <a:endParaRPr lang="en-CA" sz="1200" kern="1200">
               <a:solidFill>
                 <a:schemeClr val="tx1"/>
               </a:solidFill>
@@ -10541,7 +10016,7 @@
           <a:p>
             <a:pPr lvl="0" fontAlgn="base"/>
             <a:r>
-              <a:rPr lang="en-CA" sz="1200" kern="1200" dirty="0">
+              <a:rPr lang="en-CA" sz="1200" kern="1200">
                 <a:solidFill>
                   <a:schemeClr val="tx1"/>
                 </a:solidFill>
@@ -10636,19 +10111,7 @@
           <a:bodyPr/>
           <a:lstStyle/>
           <a:p>
-            <a:r>
-              <a:rPr lang="en-CA" sz="1200" b="0" i="0" kern="1200" dirty="0">
-                <a:solidFill>
-                  <a:schemeClr val="tx1"/>
-                </a:solidFill>
-                <a:effectLst/>
-                <a:latin typeface="Times" pitchFamily="-108" charset="0"/>
-                <a:ea typeface="ＭＳ Ｐゴシック" pitchFamily="-108" charset="-128"/>
-                <a:cs typeface="ＭＳ Ｐゴシック" pitchFamily="-108" charset="-128"/>
-              </a:rPr>
-              <a:t>the connection interval is the amount of time between two connection events</a:t>
-            </a:r>
-            <a:endParaRPr lang="en-CA" dirty="0"/>
+            <a:endParaRPr lang="en-CA"/>
           </a:p>
         </p:txBody>
       </p:sp>
@@ -10670,7 +10133,7 @@
             <a:fld id="{0508EDAF-2046-0C41-8DCB-CB2CB6C57C7A}" type="slidenum">
               <a:rPr lang="en-US" smtClean="0"/>
               <a:pPr/>
-              <a:t>14</a:t>
+              <a:t>13</a:t>
             </a:fld>
             <a:endParaRPr lang="en-US"/>
           </a:p>
@@ -10679,7 +10142,7 @@
     </p:spTree>
     <p:extLst>
       <p:ext uri="{BB962C8B-B14F-4D97-AF65-F5344CB8AC3E}">
-        <p14:creationId xmlns:p14="http://schemas.microsoft.com/office/powerpoint/2010/main" val="88695976"/>
+        <p14:creationId xmlns:p14="http://schemas.microsoft.com/office/powerpoint/2010/main" val="1240900490"/>
       </p:ext>
     </p:extLst>
   </p:cSld>
@@ -10734,14 +10197,7 @@
           <a:lstStyle/>
           <a:p>
             <a:r>
-              <a:rPr lang="en-CA" sz="1200" dirty="0">
-                <a:latin typeface="Times New Roman" panose="02020603050405020304" pitchFamily="18" charset="0"/>
-                <a:cs typeface="Times New Roman" panose="02020603050405020304" pitchFamily="18" charset="0"/>
-              </a:rPr>
-              <a:t>“Connection interval” </a:t>
-            </a:r>
-            <a:r>
-              <a:rPr lang="en-CA" sz="1200" kern="1200" dirty="0">
+              <a:rPr lang="en-CA" sz="1200" b="0" i="0" kern="1200">
                 <a:solidFill>
                   <a:schemeClr val="tx1"/>
                 </a:solidFill>
@@ -10750,69 +10206,85 @@
                 <a:ea typeface="ＭＳ Ｐゴシック" pitchFamily="-108" charset="-128"/>
                 <a:cs typeface="ＭＳ Ｐゴシック" pitchFamily="-108" charset="-128"/>
               </a:rPr>
-              <a:t>can be any value between 7.5ms and 4s.</a:t>
-            </a:r>
-          </a:p>
-          <a:p>
-            <a:endParaRPr lang="en-CA" sz="1200" kern="1200" dirty="0">
+              <a:t>the connection interval is the amount of time between two connection events.</a:t>
+            </a:r>
+            <a:r>
+              <a:rPr lang="en-CA" sz="1200" b="0" i="0" kern="1200" baseline="0">
+                <a:solidFill>
+                  <a:schemeClr val="tx1"/>
+                </a:solidFill>
+                <a:effectLst/>
+                <a:latin typeface="Times" pitchFamily="-108" charset="0"/>
+                <a:ea typeface="ＭＳ Ｐゴシック" pitchFamily="-108" charset="-128"/>
+                <a:cs typeface="ＭＳ Ｐゴシック" pitchFamily="-108" charset="-128"/>
+              </a:rPr>
+              <a:t> The device has a minimum and a maximum value for it. Which Android API does not provide.</a:t>
+            </a:r>
+          </a:p>
+          <a:p>
+            <a:endParaRPr lang="en-CA" sz="1200" b="0" i="0" kern="1200">
               <a:solidFill>
                 <a:schemeClr val="tx1"/>
               </a:solidFill>
               <a:effectLst/>
               <a:latin typeface="Times" pitchFamily="-108" charset="0"/>
               <a:ea typeface="ＭＳ Ｐゴシック" pitchFamily="-108" charset="-128"/>
+              <a:cs typeface="ＭＳ Ｐゴシック" pitchFamily="-108" charset="-128"/>
             </a:endParaRPr>
           </a:p>
           <a:p>
-            <a:pPr marL="0" marR="0" lvl="0" indent="0" algn="l" defTabSz="914400" rtl="0" eaLnBrk="0" fontAlgn="base" latinLnBrk="0" hangingPunct="0">
-              <a:lnSpc>
-                <a:spcPct val="100000"/>
-              </a:lnSpc>
-              <a:spcBef>
-                <a:spcPct val="30000"/>
-              </a:spcBef>
-              <a:spcAft>
-                <a:spcPct val="0"/>
-              </a:spcAft>
-              <a:buClrTx/>
-              <a:buSzTx/>
-              <a:buFontTx/>
-              <a:buNone/>
-              <a:tabLst/>
-              <a:defRPr/>
-            </a:pPr>
-            <a:r>
-              <a:rPr lang="en-US" altLang="zh-CN" sz="1200" dirty="0">
-                <a:latin typeface="Times New Roman" panose="02020603050405020304" pitchFamily="18" charset="0"/>
-                <a:cs typeface="Times New Roman" panose="02020603050405020304" pitchFamily="18" charset="0"/>
-              </a:rPr>
-              <a:t>The </a:t>
-            </a:r>
-            <a:r>
-              <a:rPr lang="en-CA" altLang="zh-CN" sz="1200" dirty="0">
-                <a:latin typeface="Times New Roman" panose="02020603050405020304" pitchFamily="18" charset="0"/>
-                <a:cs typeface="Times New Roman" panose="02020603050405020304" pitchFamily="18" charset="0"/>
-              </a:rPr>
-              <a:t>d</a:t>
-            </a:r>
-            <a:r>
-              <a:rPr lang="en-CA" sz="1200" dirty="0">
-                <a:latin typeface="Times New Roman" panose="02020603050405020304" pitchFamily="18" charset="0"/>
-                <a:cs typeface="Times New Roman" panose="02020603050405020304" pitchFamily="18" charset="0"/>
-              </a:rPr>
-              <a:t>ata rate is 160 byte/s.</a:t>
-            </a:r>
-            <a:r>
-              <a:rPr lang="en-CA" sz="1200" baseline="0" dirty="0">
+            <a:r>
+              <a:rPr lang="en-CA" sz="1200" b="0" i="0" kern="1200">
+                <a:solidFill>
+                  <a:schemeClr val="tx1"/>
+                </a:solidFill>
+                <a:effectLst/>
                 <a:latin typeface="Times" pitchFamily="-108" charset="0"/>
-                <a:cs typeface="Times New Roman" panose="02020603050405020304" pitchFamily="18" charset="0"/>
-              </a:rPr>
-              <a:t> due to wait ACK</a:t>
-            </a:r>
-            <a:endParaRPr lang="en-CA" sz="1200" dirty="0">
-              <a:latin typeface="Times New Roman" panose="02020603050405020304" pitchFamily="18" charset="0"/>
-              <a:cs typeface="Times New Roman" panose="02020603050405020304" pitchFamily="18" charset="0"/>
-            </a:endParaRPr>
+                <a:ea typeface="ＭＳ Ｐゴシック" pitchFamily="-108" charset="-128"/>
+                <a:cs typeface="ＭＳ Ｐゴシック" pitchFamily="-108" charset="-128"/>
+              </a:rPr>
+              <a:t>//</a:t>
+            </a:r>
+            <a:r>
+              <a:rPr lang="en-CA" sz="1200" b="0" i="0" kern="1200" baseline="0">
+                <a:solidFill>
+                  <a:schemeClr val="tx1"/>
+                </a:solidFill>
+                <a:effectLst/>
+                <a:latin typeface="Times" pitchFamily="-108" charset="0"/>
+                <a:ea typeface="ＭＳ Ｐゴシック" pitchFamily="-108" charset="-128"/>
+                <a:cs typeface="ＭＳ Ｐゴシック" pitchFamily="-108" charset="-128"/>
+              </a:rPr>
+              <a:t> 1. The time cost of sending a BLE packet is around 100ms. (in android)</a:t>
+            </a:r>
+          </a:p>
+          <a:p>
+            <a:r>
+              <a:rPr lang="en-CA" sz="1200" b="0" i="0" kern="1200" baseline="0">
+                <a:solidFill>
+                  <a:schemeClr val="tx1"/>
+                </a:solidFill>
+                <a:effectLst/>
+                <a:latin typeface="Times" pitchFamily="-108" charset="0"/>
+                <a:ea typeface="ＭＳ Ｐゴシック" pitchFamily="-108" charset="-128"/>
+                <a:cs typeface="ＭＳ Ｐゴシック" pitchFamily="-108" charset="-128"/>
+              </a:rPr>
+              <a:t>// 2. With the increase of interval the heart-beat like pattern appears more frequently. (Due to BLE’s strategies for saving energy)</a:t>
+            </a:r>
+          </a:p>
+          <a:p>
+            <a:r>
+              <a:rPr lang="en-CA" sz="1200" b="0" i="0" kern="1200" baseline="0">
+                <a:solidFill>
+                  <a:schemeClr val="tx1"/>
+                </a:solidFill>
+                <a:effectLst/>
+                <a:latin typeface="Times" pitchFamily="-108" charset="0"/>
+                <a:ea typeface="ＭＳ Ｐゴシック" pitchFamily="-108" charset="-128"/>
+                <a:cs typeface="ＭＳ Ｐゴシック" pitchFamily="-108" charset="-128"/>
+              </a:rPr>
+              <a:t>// 3. There are some random fluctuation (Android’s BLE implementation)</a:t>
+            </a:r>
           </a:p>
         </p:txBody>
       </p:sp>
@@ -10834,7 +10306,7 @@
             <a:fld id="{0508EDAF-2046-0C41-8DCB-CB2CB6C57C7A}" type="slidenum">
               <a:rPr lang="en-US" smtClean="0"/>
               <a:pPr/>
-              <a:t>18</a:t>
+              <a:t>15</a:t>
             </a:fld>
             <a:endParaRPr lang="en-US"/>
           </a:p>
@@ -10843,7 +10315,7 @@
     </p:spTree>
     <p:extLst>
       <p:ext uri="{BB962C8B-B14F-4D97-AF65-F5344CB8AC3E}">
-        <p14:creationId xmlns:p14="http://schemas.microsoft.com/office/powerpoint/2010/main" val="3473160946"/>
+        <p14:creationId xmlns:p14="http://schemas.microsoft.com/office/powerpoint/2010/main" val="88695976"/>
       </p:ext>
     </p:extLst>
   </p:cSld>
@@ -10897,59 +10369,15 @@
           <a:bodyPr/>
           <a:lstStyle/>
           <a:p>
-            <a:pPr marL="342900" indent="-342900" algn="l">
-              <a:buFont typeface="Arial" panose="020B0604020202020204" pitchFamily="34" charset="0"/>
-              <a:buChar char="•"/>
-            </a:pPr>
-            <a:r>
-              <a:rPr lang="en-CA" sz="1200" dirty="0">
-                <a:latin typeface="Times New Roman" panose="02020603050405020304" pitchFamily="18" charset="0"/>
-                <a:cs typeface="Times New Roman" panose="02020603050405020304" pitchFamily="18" charset="0"/>
-              </a:rPr>
-              <a:t>A general method to identify Non-IP based devices.</a:t>
-            </a:r>
-          </a:p>
-          <a:p>
-            <a:pPr marL="342900" indent="-342900" algn="l">
-              <a:buFont typeface="Arial" panose="020B0604020202020204" pitchFamily="34" charset="0"/>
-              <a:buChar char="•"/>
-            </a:pPr>
-            <a:r>
-              <a:rPr lang="en-CA" sz="1200" dirty="0">
-                <a:latin typeface="Times New Roman" panose="02020603050405020304" pitchFamily="18" charset="0"/>
-                <a:cs typeface="Times New Roman" panose="02020603050405020304" pitchFamily="18" charset="0"/>
-              </a:rPr>
-              <a:t>An architecture to support CoAP communication in BLE.</a:t>
-            </a:r>
-          </a:p>
-          <a:p>
-            <a:pPr marL="342900" indent="-342900" algn="l">
-              <a:buFont typeface="Arial" panose="020B0604020202020204" pitchFamily="34" charset="0"/>
-              <a:buChar char="•"/>
-            </a:pPr>
-            <a:r>
-              <a:rPr lang="en-CA" sz="1200" dirty="0">
-                <a:latin typeface="Times New Roman" panose="02020603050405020304" pitchFamily="18" charset="0"/>
-                <a:cs typeface="Times New Roman" panose="02020603050405020304" pitchFamily="18" charset="0"/>
-              </a:rPr>
-              <a:t>A background service to support multiple apps.</a:t>
-            </a:r>
-          </a:p>
-          <a:p>
-            <a:pPr marL="342900" indent="-342900" algn="l">
-              <a:buFont typeface="Arial" panose="020B0604020202020204" pitchFamily="34" charset="0"/>
-              <a:buChar char="•"/>
-            </a:pPr>
-            <a:r>
-              <a:rPr lang="en-CA" sz="1200" dirty="0">
-                <a:latin typeface="Times New Roman" panose="02020603050405020304" pitchFamily="18" charset="0"/>
-                <a:cs typeface="Times New Roman" panose="02020603050405020304" pitchFamily="18" charset="0"/>
-              </a:rPr>
-              <a:t>An interface to support other WPAN technologies.</a:t>
-            </a:r>
-          </a:p>
-          <a:p>
-            <a:endParaRPr lang="en-CA" dirty="0"/>
+            <a:r>
+              <a:rPr lang="en-CA"/>
+              <a:t>The</a:t>
+            </a:r>
+            <a:r>
+              <a:rPr lang="en-CA" baseline="0"/>
+              <a:t> implementation used a synchronized way to exchange data. </a:t>
+            </a:r>
+            <a:endParaRPr lang="en-CA"/>
           </a:p>
         </p:txBody>
       </p:sp>
@@ -10971,7 +10399,7 @@
             <a:fld id="{0508EDAF-2046-0C41-8DCB-CB2CB6C57C7A}" type="slidenum">
               <a:rPr lang="en-US" smtClean="0"/>
               <a:pPr/>
-              <a:t>19</a:t>
+              <a:t>16</a:t>
             </a:fld>
             <a:endParaRPr lang="en-US"/>
           </a:p>
@@ -10980,7 +10408,7 @@
     </p:spTree>
     <p:extLst>
       <p:ext uri="{BB962C8B-B14F-4D97-AF65-F5344CB8AC3E}">
-        <p14:creationId xmlns:p14="http://schemas.microsoft.com/office/powerpoint/2010/main" val="3730017879"/>
+        <p14:creationId xmlns:p14="http://schemas.microsoft.com/office/powerpoint/2010/main" val="2961746182"/>
       </p:ext>
     </p:extLst>
   </p:cSld>
@@ -11034,7 +10462,15 @@
           <a:bodyPr/>
           <a:lstStyle/>
           <a:p>
-            <a:endParaRPr lang="en-CA" dirty="0"/>
+            <a:r>
+              <a:rPr lang="en-CA"/>
+              <a:t>The</a:t>
+            </a:r>
+            <a:r>
+              <a:rPr lang="en-CA" baseline="0"/>
+              <a:t> main limitation of communication is the time window of a data exchange event.</a:t>
+            </a:r>
+            <a:endParaRPr lang="en-CA"/>
           </a:p>
         </p:txBody>
       </p:sp>
@@ -11056,7 +10492,7 @@
             <a:fld id="{0508EDAF-2046-0C41-8DCB-CB2CB6C57C7A}" type="slidenum">
               <a:rPr lang="en-US" smtClean="0"/>
               <a:pPr/>
-              <a:t>20</a:t>
+              <a:t>17</a:t>
             </a:fld>
             <a:endParaRPr lang="en-US"/>
           </a:p>
@@ -11065,7 +10501,7 @@
     </p:spTree>
     <p:extLst>
       <p:ext uri="{BB962C8B-B14F-4D97-AF65-F5344CB8AC3E}">
-        <p14:creationId xmlns:p14="http://schemas.microsoft.com/office/powerpoint/2010/main" val="458092068"/>
+        <p14:creationId xmlns:p14="http://schemas.microsoft.com/office/powerpoint/2010/main" val="3736507294"/>
       </p:ext>
     </p:extLst>
   </p:cSld>
@@ -11119,116 +10555,86 @@
           <a:bodyPr/>
           <a:lstStyle/>
           <a:p>
-            <a:pPr algn="l"/>
-            <a:r>
-              <a:rPr lang="en-US" dirty="0"/>
-              <a:t>[5] </a:t>
-            </a:r>
-            <a:r>
-              <a:rPr lang="de-DE" dirty="0">
+            <a:r>
+              <a:rPr lang="en-CA" sz="1200" dirty="0">
                 <a:latin typeface="Times New Roman" panose="02020603050405020304" pitchFamily="18" charset="0"/>
                 <a:cs typeface="Times New Roman" panose="02020603050405020304" pitchFamily="18" charset="0"/>
               </a:rPr>
-              <a:t>Bergmann, O., Hillmann, K. T., &amp; Gerdes, S. , 2012</a:t>
-            </a:r>
-            <a:endParaRPr lang="en-CA" dirty="0">
+              <a:t>“Connection interval” </a:t>
+            </a:r>
+            <a:r>
+              <a:rPr lang="en-CA" sz="1200" kern="1200" dirty="0">
+                <a:solidFill>
+                  <a:schemeClr val="tx1"/>
+                </a:solidFill>
+                <a:effectLst/>
+                <a:latin typeface="Times" pitchFamily="-108" charset="0"/>
+                <a:ea typeface="ＭＳ Ｐゴシック" pitchFamily="-108" charset="-128"/>
+                <a:cs typeface="ＭＳ Ｐゴシック" pitchFamily="-108" charset="-128"/>
+              </a:rPr>
+              <a:t>can be any value between 7.5ms and 4s.</a:t>
+            </a:r>
+          </a:p>
+          <a:p>
+            <a:endParaRPr lang="en-CA" sz="1200" kern="1200" dirty="0">
+              <a:solidFill>
+                <a:schemeClr val="tx1"/>
+              </a:solidFill>
+              <a:effectLst/>
+              <a:latin typeface="Times" pitchFamily="-108" charset="0"/>
+              <a:ea typeface="ＭＳ Ｐゴシック" pitchFamily="-108" charset="-128"/>
+            </a:endParaRPr>
+          </a:p>
+          <a:p>
+            <a:pPr marL="0" marR="0" lvl="0" indent="0" algn="l" defTabSz="914400" rtl="0" eaLnBrk="0" fontAlgn="base" latinLnBrk="0" hangingPunct="0">
+              <a:lnSpc>
+                <a:spcPct val="100000"/>
+              </a:lnSpc>
+              <a:spcBef>
+                <a:spcPct val="30000"/>
+              </a:spcBef>
+              <a:spcAft>
+                <a:spcPct val="0"/>
+              </a:spcAft>
+              <a:buClrTx/>
+              <a:buSzTx/>
+              <a:buFontTx/>
+              <a:buNone/>
+              <a:tabLst/>
+              <a:defRPr/>
+            </a:pPr>
+            <a:r>
+              <a:rPr lang="en-US" altLang="zh-CN" sz="1200" dirty="0">
+                <a:latin typeface="Times New Roman" panose="02020603050405020304" pitchFamily="18" charset="0"/>
+                <a:cs typeface="Times New Roman" panose="02020603050405020304" pitchFamily="18" charset="0"/>
+              </a:rPr>
+              <a:t>The </a:t>
+            </a:r>
+            <a:r>
+              <a:rPr lang="en-CA" altLang="zh-CN" sz="1200" dirty="0">
+                <a:latin typeface="Times New Roman" panose="02020603050405020304" pitchFamily="18" charset="0"/>
+                <a:cs typeface="Times New Roman" panose="02020603050405020304" pitchFamily="18" charset="0"/>
+              </a:rPr>
+              <a:t>d</a:t>
+            </a:r>
+            <a:r>
+              <a:rPr lang="en-CA" sz="1200" dirty="0">
+                <a:latin typeface="Times New Roman" panose="02020603050405020304" pitchFamily="18" charset="0"/>
+                <a:cs typeface="Times New Roman" panose="02020603050405020304" pitchFamily="18" charset="0"/>
+              </a:rPr>
+              <a:t>ata rate is 160 byte/s.</a:t>
+            </a:r>
+            <a:r>
+              <a:rPr lang="en-CA" sz="1200" baseline="0" dirty="0">
+                <a:latin typeface="Times" pitchFamily="-108" charset="0"/>
+                <a:cs typeface="Times New Roman" panose="02020603050405020304" pitchFamily="18" charset="0"/>
+              </a:rPr>
+              <a:t> due to wait ACK</a:t>
+            </a:r>
+            <a:endParaRPr lang="en-CA" sz="1200" dirty="0">
               <a:latin typeface="Times New Roman" panose="02020603050405020304" pitchFamily="18" charset="0"/>
               <a:cs typeface="Times New Roman" panose="02020603050405020304" pitchFamily="18" charset="0"/>
             </a:endParaRPr>
-          </a:p>
-          <a:p>
-            <a:pPr algn="l"/>
-            <a:r>
-              <a:rPr lang="en-CA" dirty="0">
-                <a:latin typeface="Times New Roman" panose="02020603050405020304" pitchFamily="18" charset="0"/>
-                <a:cs typeface="Times New Roman" panose="02020603050405020304" pitchFamily="18" charset="0"/>
-              </a:rPr>
-              <a:t>[6] Shin, I. J., </a:t>
-            </a:r>
-            <a:r>
-              <a:rPr lang="en-CA" dirty="0" err="1">
-                <a:latin typeface="Times New Roman" panose="02020603050405020304" pitchFamily="18" charset="0"/>
-                <a:cs typeface="Times New Roman" panose="02020603050405020304" pitchFamily="18" charset="0"/>
-              </a:rPr>
-              <a:t>Eom</a:t>
-            </a:r>
-            <a:r>
-              <a:rPr lang="en-CA" dirty="0">
-                <a:latin typeface="Times New Roman" panose="02020603050405020304" pitchFamily="18" charset="0"/>
-                <a:cs typeface="Times New Roman" panose="02020603050405020304" pitchFamily="18" charset="0"/>
-              </a:rPr>
-              <a:t>, D. S., &amp; Song, B. K., 2015</a:t>
-            </a:r>
-          </a:p>
-          <a:p>
-            <a:pPr algn="l"/>
-            <a:r>
-              <a:rPr lang="en-CA" dirty="0">
-                <a:latin typeface="Times New Roman" panose="02020603050405020304" pitchFamily="18" charset="0"/>
-                <a:cs typeface="Times New Roman" panose="02020603050405020304" pitchFamily="18" charset="0"/>
-              </a:rPr>
-              <a:t>[7] </a:t>
-            </a:r>
-            <a:r>
-              <a:rPr lang="en-CA" dirty="0" err="1">
-                <a:latin typeface="Times New Roman" panose="02020603050405020304" pitchFamily="18" charset="0"/>
-                <a:cs typeface="Times New Roman" panose="02020603050405020304" pitchFamily="18" charset="0"/>
-              </a:rPr>
-              <a:t>Mitsugi</a:t>
-            </a:r>
-            <a:r>
-              <a:rPr lang="en-CA" dirty="0">
-                <a:latin typeface="Times New Roman" panose="02020603050405020304" pitchFamily="18" charset="0"/>
-                <a:cs typeface="Times New Roman" panose="02020603050405020304" pitchFamily="18" charset="0"/>
-              </a:rPr>
-              <a:t>, J., </a:t>
-            </a:r>
-            <a:r>
-              <a:rPr lang="en-CA" dirty="0" err="1">
-                <a:latin typeface="Times New Roman" panose="02020603050405020304" pitchFamily="18" charset="0"/>
-                <a:cs typeface="Times New Roman" panose="02020603050405020304" pitchFamily="18" charset="0"/>
-              </a:rPr>
-              <a:t>Yonemura</a:t>
-            </a:r>
-            <a:r>
-              <a:rPr lang="en-CA" dirty="0">
-                <a:latin typeface="Times New Roman" panose="02020603050405020304" pitchFamily="18" charset="0"/>
-                <a:cs typeface="Times New Roman" panose="02020603050405020304" pitchFamily="18" charset="0"/>
-              </a:rPr>
-              <a:t>, S., </a:t>
-            </a:r>
-            <a:r>
-              <a:rPr lang="en-CA" dirty="0" err="1">
-                <a:latin typeface="Times New Roman" panose="02020603050405020304" pitchFamily="18" charset="0"/>
-                <a:cs typeface="Times New Roman" panose="02020603050405020304" pitchFamily="18" charset="0"/>
-              </a:rPr>
-              <a:t>Hada</a:t>
-            </a:r>
-            <a:r>
-              <a:rPr lang="en-CA" dirty="0">
-                <a:latin typeface="Times New Roman" panose="02020603050405020304" pitchFamily="18" charset="0"/>
-                <a:cs typeface="Times New Roman" panose="02020603050405020304" pitchFamily="18" charset="0"/>
-              </a:rPr>
-              <a:t>, H., &amp; </a:t>
-            </a:r>
-            <a:r>
-              <a:rPr lang="en-CA" dirty="0" err="1">
-                <a:latin typeface="Times New Roman" panose="02020603050405020304" pitchFamily="18" charset="0"/>
-                <a:cs typeface="Times New Roman" panose="02020603050405020304" pitchFamily="18" charset="0"/>
-              </a:rPr>
-              <a:t>Inaba</a:t>
-            </a:r>
-            <a:r>
-              <a:rPr lang="en-CA" dirty="0">
-                <a:latin typeface="Times New Roman" panose="02020603050405020304" pitchFamily="18" charset="0"/>
-                <a:cs typeface="Times New Roman" panose="02020603050405020304" pitchFamily="18" charset="0"/>
-              </a:rPr>
-              <a:t>, T., 2011</a:t>
-            </a:r>
-            <a:endParaRPr lang="en-US" dirty="0"/>
-          </a:p>
-          <a:p>
-            <a:endParaRPr lang="en-CA" dirty="0"/>
           </a:p>
         </p:txBody>
       </p:sp>
@@ -11250,7 +10656,7 @@
             <a:fld id="{0508EDAF-2046-0C41-8DCB-CB2CB6C57C7A}" type="slidenum">
               <a:rPr lang="en-US" smtClean="0"/>
               <a:pPr/>
-              <a:t>21</a:t>
+              <a:t>19</a:t>
             </a:fld>
             <a:endParaRPr lang="en-US"/>
           </a:p>
@@ -11259,7 +10665,7 @@
     </p:spTree>
     <p:extLst>
       <p:ext uri="{BB962C8B-B14F-4D97-AF65-F5344CB8AC3E}">
-        <p14:creationId xmlns:p14="http://schemas.microsoft.com/office/powerpoint/2010/main" val="944287664"/>
+        <p14:creationId xmlns:p14="http://schemas.microsoft.com/office/powerpoint/2010/main" val="3473160946"/>
       </p:ext>
     </p:extLst>
   </p:cSld>
@@ -11313,116 +10719,59 @@
           <a:bodyPr/>
           <a:lstStyle/>
           <a:p>
-            <a:pPr algn="l"/>
-            <a:r>
-              <a:rPr lang="en-US" dirty="0"/>
-              <a:t>[5] </a:t>
-            </a:r>
-            <a:r>
-              <a:rPr lang="de-DE" dirty="0">
+            <a:pPr marL="342900" indent="-342900" algn="l">
+              <a:buFont typeface="Arial" panose="020B0604020202020204" pitchFamily="34" charset="0"/>
+              <a:buChar char="•"/>
+            </a:pPr>
+            <a:r>
+              <a:rPr lang="en-CA" sz="1200">
                 <a:latin typeface="Times New Roman" panose="02020603050405020304" pitchFamily="18" charset="0"/>
                 <a:cs typeface="Times New Roman" panose="02020603050405020304" pitchFamily="18" charset="0"/>
               </a:rPr>
-              <a:t>Bergmann, O., Hillmann, K. T., &amp; Gerdes, S. , 2012</a:t>
-            </a:r>
-            <a:endParaRPr lang="en-CA" dirty="0">
-              <a:latin typeface="Times New Roman" panose="02020603050405020304" pitchFamily="18" charset="0"/>
-              <a:cs typeface="Times New Roman" panose="02020603050405020304" pitchFamily="18" charset="0"/>
-            </a:endParaRPr>
-          </a:p>
-          <a:p>
-            <a:pPr algn="l"/>
-            <a:r>
-              <a:rPr lang="en-CA" dirty="0">
+              <a:t>A general method to identify Non-IP based devices.</a:t>
+            </a:r>
+          </a:p>
+          <a:p>
+            <a:pPr marL="342900" indent="-342900" algn="l">
+              <a:buFont typeface="Arial" panose="020B0604020202020204" pitchFamily="34" charset="0"/>
+              <a:buChar char="•"/>
+            </a:pPr>
+            <a:r>
+              <a:rPr lang="en-CA" sz="1200">
                 <a:latin typeface="Times New Roman" panose="02020603050405020304" pitchFamily="18" charset="0"/>
                 <a:cs typeface="Times New Roman" panose="02020603050405020304" pitchFamily="18" charset="0"/>
               </a:rPr>
-              <a:t>[6] Shin, I. J., </a:t>
-            </a:r>
-            <a:r>
-              <a:rPr lang="en-CA" dirty="0" err="1">
+              <a:t>An architecture to support CoAP communication in BLE.</a:t>
+            </a:r>
+          </a:p>
+          <a:p>
+            <a:pPr marL="342900" indent="-342900" algn="l">
+              <a:buFont typeface="Arial" panose="020B0604020202020204" pitchFamily="34" charset="0"/>
+              <a:buChar char="•"/>
+            </a:pPr>
+            <a:r>
+              <a:rPr lang="en-CA" sz="1200">
                 <a:latin typeface="Times New Roman" panose="02020603050405020304" pitchFamily="18" charset="0"/>
                 <a:cs typeface="Times New Roman" panose="02020603050405020304" pitchFamily="18" charset="0"/>
               </a:rPr>
-              <a:t>Eom</a:t>
-            </a:r>
-            <a:r>
-              <a:rPr lang="en-CA" dirty="0">
+              <a:t>A background service to support multiple apps.</a:t>
+            </a:r>
+          </a:p>
+          <a:p>
+            <a:pPr marL="342900" indent="-342900" algn="l">
+              <a:buFont typeface="Arial" panose="020B0604020202020204" pitchFamily="34" charset="0"/>
+              <a:buChar char="•"/>
+            </a:pPr>
+            <a:r>
+              <a:rPr lang="en-CA" sz="1200">
                 <a:latin typeface="Times New Roman" panose="02020603050405020304" pitchFamily="18" charset="0"/>
                 <a:cs typeface="Times New Roman" panose="02020603050405020304" pitchFamily="18" charset="0"/>
               </a:rPr>
-              <a:t>, D. S., &amp; Song, B. K., 2015</a:t>
-            </a:r>
-          </a:p>
-          <a:p>
-            <a:pPr algn="l"/>
-            <a:r>
-              <a:rPr lang="en-CA" dirty="0">
-                <a:latin typeface="Times New Roman" panose="02020603050405020304" pitchFamily="18" charset="0"/>
-                <a:cs typeface="Times New Roman" panose="02020603050405020304" pitchFamily="18" charset="0"/>
-              </a:rPr>
-              <a:t>[7] </a:t>
-            </a:r>
-            <a:r>
-              <a:rPr lang="en-CA" dirty="0" err="1">
-                <a:latin typeface="Times New Roman" panose="02020603050405020304" pitchFamily="18" charset="0"/>
-                <a:cs typeface="Times New Roman" panose="02020603050405020304" pitchFamily="18" charset="0"/>
-              </a:rPr>
-              <a:t>Mitsugi</a:t>
-            </a:r>
-            <a:r>
-              <a:rPr lang="en-CA" dirty="0">
-                <a:latin typeface="Times New Roman" panose="02020603050405020304" pitchFamily="18" charset="0"/>
-                <a:cs typeface="Times New Roman" panose="02020603050405020304" pitchFamily="18" charset="0"/>
-              </a:rPr>
-              <a:t>, J., </a:t>
-            </a:r>
-            <a:r>
-              <a:rPr lang="en-CA" dirty="0" err="1">
-                <a:latin typeface="Times New Roman" panose="02020603050405020304" pitchFamily="18" charset="0"/>
-                <a:cs typeface="Times New Roman" panose="02020603050405020304" pitchFamily="18" charset="0"/>
-              </a:rPr>
-              <a:t>Yonemura</a:t>
-            </a:r>
-            <a:r>
-              <a:rPr lang="en-CA" dirty="0">
-                <a:latin typeface="Times New Roman" panose="02020603050405020304" pitchFamily="18" charset="0"/>
-                <a:cs typeface="Times New Roman" panose="02020603050405020304" pitchFamily="18" charset="0"/>
-              </a:rPr>
-              <a:t>, S., </a:t>
-            </a:r>
-            <a:r>
-              <a:rPr lang="en-CA" dirty="0" err="1">
-                <a:latin typeface="Times New Roman" panose="02020603050405020304" pitchFamily="18" charset="0"/>
-                <a:cs typeface="Times New Roman" panose="02020603050405020304" pitchFamily="18" charset="0"/>
-              </a:rPr>
-              <a:t>Hada</a:t>
-            </a:r>
-            <a:r>
-              <a:rPr lang="en-CA" dirty="0">
-                <a:latin typeface="Times New Roman" panose="02020603050405020304" pitchFamily="18" charset="0"/>
-                <a:cs typeface="Times New Roman" panose="02020603050405020304" pitchFamily="18" charset="0"/>
-              </a:rPr>
-              <a:t>, H., &amp; </a:t>
-            </a:r>
-            <a:r>
-              <a:rPr lang="en-CA" dirty="0" err="1">
-                <a:latin typeface="Times New Roman" panose="02020603050405020304" pitchFamily="18" charset="0"/>
-                <a:cs typeface="Times New Roman" panose="02020603050405020304" pitchFamily="18" charset="0"/>
-              </a:rPr>
-              <a:t>Inaba</a:t>
-            </a:r>
-            <a:r>
-              <a:rPr lang="en-CA" dirty="0">
-                <a:latin typeface="Times New Roman" panose="02020603050405020304" pitchFamily="18" charset="0"/>
-                <a:cs typeface="Times New Roman" panose="02020603050405020304" pitchFamily="18" charset="0"/>
-              </a:rPr>
-              <a:t>, T., 2011</a:t>
-            </a:r>
-            <a:endParaRPr lang="en-US" dirty="0"/>
-          </a:p>
-          <a:p>
-            <a:endParaRPr lang="en-CA" dirty="0"/>
+              <a:t>An interface to support other WPAN technologies.</a:t>
+            </a:r>
+          </a:p>
+          <a:p>
+            <a:endParaRPr lang="en-CA"/>
           </a:p>
         </p:txBody>
       </p:sp>
@@ -11444,7 +10793,7 @@
             <a:fld id="{0508EDAF-2046-0C41-8DCB-CB2CB6C57C7A}" type="slidenum">
               <a:rPr lang="en-US" smtClean="0"/>
               <a:pPr/>
-              <a:t>22</a:t>
+              <a:t>20</a:t>
             </a:fld>
             <a:endParaRPr lang="en-US"/>
           </a:p>
@@ -11453,7 +10802,92 @@
     </p:spTree>
     <p:extLst>
       <p:ext uri="{BB962C8B-B14F-4D97-AF65-F5344CB8AC3E}">
-        <p14:creationId xmlns:p14="http://schemas.microsoft.com/office/powerpoint/2010/main" val="1904903009"/>
+        <p14:creationId xmlns:p14="http://schemas.microsoft.com/office/powerpoint/2010/main" val="3730017879"/>
+      </p:ext>
+    </p:extLst>
+  </p:cSld>
+  <p:clrMapOvr>
+    <a:masterClrMapping/>
+  </p:clrMapOvr>
+</p:notes>
+</file>
+
+<file path=ppt/notesSlides/notesSlide19.xml><?xml version="1.0" encoding="utf-8"?>
+<p:notes xmlns:a="http://schemas.openxmlformats.org/drawingml/2006/main" xmlns:r="http://schemas.openxmlformats.org/officeDocument/2006/relationships" xmlns:p="http://schemas.openxmlformats.org/presentationml/2006/main">
+  <p:cSld>
+    <p:spTree>
+      <p:nvGrpSpPr>
+        <p:cNvPr id="1" name=""/>
+        <p:cNvGrpSpPr/>
+        <p:nvPr/>
+      </p:nvGrpSpPr>
+      <p:grpSpPr>
+        <a:xfrm>
+          <a:off x="0" y="0"/>
+          <a:ext cx="0" cy="0"/>
+          <a:chOff x="0" y="0"/>
+          <a:chExt cx="0" cy="0"/>
+        </a:xfrm>
+      </p:grpSpPr>
+      <p:sp>
+        <p:nvSpPr>
+          <p:cNvPr id="2" name="Slide Image Placeholder 1"/>
+          <p:cNvSpPr>
+            <a:spLocks noGrp="1" noRot="1" noChangeAspect="1"/>
+          </p:cNvSpPr>
+          <p:nvPr>
+            <p:ph type="sldImg"/>
+          </p:nvPr>
+        </p:nvSpPr>
+        <p:spPr/>
+      </p:sp>
+      <p:sp>
+        <p:nvSpPr>
+          <p:cNvPr id="3" name="Notes Placeholder 2"/>
+          <p:cNvSpPr>
+            <a:spLocks noGrp="1"/>
+          </p:cNvSpPr>
+          <p:nvPr>
+            <p:ph type="body" idx="1"/>
+          </p:nvPr>
+        </p:nvSpPr>
+        <p:spPr/>
+        <p:txBody>
+          <a:bodyPr/>
+          <a:lstStyle/>
+          <a:p>
+            <a:endParaRPr lang="en-CA"/>
+          </a:p>
+        </p:txBody>
+      </p:sp>
+      <p:sp>
+        <p:nvSpPr>
+          <p:cNvPr id="4" name="Slide Number Placeholder 3"/>
+          <p:cNvSpPr>
+            <a:spLocks noGrp="1"/>
+          </p:cNvSpPr>
+          <p:nvPr>
+            <p:ph type="sldNum" sz="quarter" idx="10"/>
+          </p:nvPr>
+        </p:nvSpPr>
+        <p:spPr/>
+        <p:txBody>
+          <a:bodyPr/>
+          <a:lstStyle/>
+          <a:p>
+            <a:fld id="{0508EDAF-2046-0C41-8DCB-CB2CB6C57C7A}" type="slidenum">
+              <a:rPr lang="en-US" smtClean="0"/>
+              <a:pPr/>
+              <a:t>21</a:t>
+            </a:fld>
+            <a:endParaRPr lang="en-US"/>
+          </a:p>
+        </p:txBody>
+      </p:sp>
+    </p:spTree>
+    <p:extLst>
+      <p:ext uri="{BB962C8B-B14F-4D97-AF65-F5344CB8AC3E}">
+        <p14:creationId xmlns:p14="http://schemas.microsoft.com/office/powerpoint/2010/main" val="458092068"/>
       </p:ext>
     </p:extLst>
   </p:cSld>
@@ -11507,7 +10941,15 @@
           <a:bodyPr/>
           <a:lstStyle/>
           <a:p>
-            <a:endParaRPr lang="en-CA" dirty="0"/>
+            <a:r>
+              <a:rPr lang="en-CA"/>
+              <a:t>In</a:t>
+            </a:r>
+            <a:r>
+              <a:rPr lang="en-CA" baseline="0"/>
+              <a:t> term of content,  I will introduce the trend of IoT and the importance of CoAP. Then, I will go through some related works and define the problems. After that. I will dive deep in the architecture and experiments. Finally I will make conclusion and introduce the plan for future.</a:t>
+            </a:r>
+            <a:endParaRPr lang="en-CA"/>
           </a:p>
         </p:txBody>
       </p:sp>
@@ -11539,6 +10981,479 @@
     <p:extLst>
       <p:ext uri="{BB962C8B-B14F-4D97-AF65-F5344CB8AC3E}">
         <p14:creationId xmlns:p14="http://schemas.microsoft.com/office/powerpoint/2010/main" val="1941642491"/>
+      </p:ext>
+    </p:extLst>
+  </p:cSld>
+  <p:clrMapOvr>
+    <a:masterClrMapping/>
+  </p:clrMapOvr>
+</p:notes>
+</file>
+
+<file path=ppt/notesSlides/notesSlide20.xml><?xml version="1.0" encoding="utf-8"?>
+<p:notes xmlns:a="http://schemas.openxmlformats.org/drawingml/2006/main" xmlns:r="http://schemas.openxmlformats.org/officeDocument/2006/relationships" xmlns:p="http://schemas.openxmlformats.org/presentationml/2006/main">
+  <p:cSld>
+    <p:spTree>
+      <p:nvGrpSpPr>
+        <p:cNvPr id="1" name=""/>
+        <p:cNvGrpSpPr/>
+        <p:nvPr/>
+      </p:nvGrpSpPr>
+      <p:grpSpPr>
+        <a:xfrm>
+          <a:off x="0" y="0"/>
+          <a:ext cx="0" cy="0"/>
+          <a:chOff x="0" y="0"/>
+          <a:chExt cx="0" cy="0"/>
+        </a:xfrm>
+      </p:grpSpPr>
+      <p:sp>
+        <p:nvSpPr>
+          <p:cNvPr id="2" name="Slide Image Placeholder 1"/>
+          <p:cNvSpPr>
+            <a:spLocks noGrp="1" noRot="1" noChangeAspect="1"/>
+          </p:cNvSpPr>
+          <p:nvPr>
+            <p:ph type="sldImg"/>
+          </p:nvPr>
+        </p:nvSpPr>
+        <p:spPr/>
+      </p:sp>
+      <p:sp>
+        <p:nvSpPr>
+          <p:cNvPr id="3" name="Notes Placeholder 2"/>
+          <p:cNvSpPr>
+            <a:spLocks noGrp="1"/>
+          </p:cNvSpPr>
+          <p:nvPr>
+            <p:ph type="body" idx="1"/>
+          </p:nvPr>
+        </p:nvSpPr>
+        <p:spPr/>
+        <p:txBody>
+          <a:bodyPr/>
+          <a:lstStyle/>
+          <a:p>
+            <a:pPr algn="l"/>
+            <a:r>
+              <a:rPr lang="en-US"/>
+              <a:t>[5] </a:t>
+            </a:r>
+            <a:r>
+              <a:rPr lang="de-DE">
+                <a:latin typeface="Times New Roman" panose="02020603050405020304" pitchFamily="18" charset="0"/>
+                <a:cs typeface="Times New Roman" panose="02020603050405020304" pitchFamily="18" charset="0"/>
+              </a:rPr>
+              <a:t>Bergmann, O., Hillmann, K. T., &amp; Gerdes, S. , 2012</a:t>
+            </a:r>
+            <a:endParaRPr lang="en-CA">
+              <a:latin typeface="Times New Roman" panose="02020603050405020304" pitchFamily="18" charset="0"/>
+              <a:cs typeface="Times New Roman" panose="02020603050405020304" pitchFamily="18" charset="0"/>
+            </a:endParaRPr>
+          </a:p>
+          <a:p>
+            <a:pPr algn="l"/>
+            <a:r>
+              <a:rPr lang="en-CA">
+                <a:latin typeface="Times New Roman" panose="02020603050405020304" pitchFamily="18" charset="0"/>
+                <a:cs typeface="Times New Roman" panose="02020603050405020304" pitchFamily="18" charset="0"/>
+              </a:rPr>
+              <a:t>[6] Shin, I. J., </a:t>
+            </a:r>
+            <a:r>
+              <a:rPr lang="en-CA" err="1">
+                <a:latin typeface="Times New Roman" panose="02020603050405020304" pitchFamily="18" charset="0"/>
+                <a:cs typeface="Times New Roman" panose="02020603050405020304" pitchFamily="18" charset="0"/>
+              </a:rPr>
+              <a:t>Eom</a:t>
+            </a:r>
+            <a:r>
+              <a:rPr lang="en-CA">
+                <a:latin typeface="Times New Roman" panose="02020603050405020304" pitchFamily="18" charset="0"/>
+                <a:cs typeface="Times New Roman" panose="02020603050405020304" pitchFamily="18" charset="0"/>
+              </a:rPr>
+              <a:t>, D. S., &amp; Song, B. K., 2015</a:t>
+            </a:r>
+          </a:p>
+          <a:p>
+            <a:pPr algn="l"/>
+            <a:r>
+              <a:rPr lang="en-CA">
+                <a:latin typeface="Times New Roman" panose="02020603050405020304" pitchFamily="18" charset="0"/>
+                <a:cs typeface="Times New Roman" panose="02020603050405020304" pitchFamily="18" charset="0"/>
+              </a:rPr>
+              <a:t>[7] </a:t>
+            </a:r>
+            <a:r>
+              <a:rPr lang="en-CA" err="1">
+                <a:latin typeface="Times New Roman" panose="02020603050405020304" pitchFamily="18" charset="0"/>
+                <a:cs typeface="Times New Roman" panose="02020603050405020304" pitchFamily="18" charset="0"/>
+              </a:rPr>
+              <a:t>Mitsugi</a:t>
+            </a:r>
+            <a:r>
+              <a:rPr lang="en-CA">
+                <a:latin typeface="Times New Roman" panose="02020603050405020304" pitchFamily="18" charset="0"/>
+                <a:cs typeface="Times New Roman" panose="02020603050405020304" pitchFamily="18" charset="0"/>
+              </a:rPr>
+              <a:t>, J., </a:t>
+            </a:r>
+            <a:r>
+              <a:rPr lang="en-CA" err="1">
+                <a:latin typeface="Times New Roman" panose="02020603050405020304" pitchFamily="18" charset="0"/>
+                <a:cs typeface="Times New Roman" panose="02020603050405020304" pitchFamily="18" charset="0"/>
+              </a:rPr>
+              <a:t>Yonemura</a:t>
+            </a:r>
+            <a:r>
+              <a:rPr lang="en-CA">
+                <a:latin typeface="Times New Roman" panose="02020603050405020304" pitchFamily="18" charset="0"/>
+                <a:cs typeface="Times New Roman" panose="02020603050405020304" pitchFamily="18" charset="0"/>
+              </a:rPr>
+              <a:t>, S., </a:t>
+            </a:r>
+            <a:r>
+              <a:rPr lang="en-CA" err="1">
+                <a:latin typeface="Times New Roman" panose="02020603050405020304" pitchFamily="18" charset="0"/>
+                <a:cs typeface="Times New Roman" panose="02020603050405020304" pitchFamily="18" charset="0"/>
+              </a:rPr>
+              <a:t>Hada</a:t>
+            </a:r>
+            <a:r>
+              <a:rPr lang="en-CA">
+                <a:latin typeface="Times New Roman" panose="02020603050405020304" pitchFamily="18" charset="0"/>
+                <a:cs typeface="Times New Roman" panose="02020603050405020304" pitchFamily="18" charset="0"/>
+              </a:rPr>
+              <a:t>, H., &amp; </a:t>
+            </a:r>
+            <a:r>
+              <a:rPr lang="en-CA" err="1">
+                <a:latin typeface="Times New Roman" panose="02020603050405020304" pitchFamily="18" charset="0"/>
+                <a:cs typeface="Times New Roman" panose="02020603050405020304" pitchFamily="18" charset="0"/>
+              </a:rPr>
+              <a:t>Inaba</a:t>
+            </a:r>
+            <a:r>
+              <a:rPr lang="en-CA">
+                <a:latin typeface="Times New Roman" panose="02020603050405020304" pitchFamily="18" charset="0"/>
+                <a:cs typeface="Times New Roman" panose="02020603050405020304" pitchFamily="18" charset="0"/>
+              </a:rPr>
+              <a:t>, T., 2011</a:t>
+            </a:r>
+            <a:endParaRPr lang="en-US"/>
+          </a:p>
+          <a:p>
+            <a:endParaRPr lang="en-CA"/>
+          </a:p>
+        </p:txBody>
+      </p:sp>
+      <p:sp>
+        <p:nvSpPr>
+          <p:cNvPr id="4" name="Slide Number Placeholder 3"/>
+          <p:cNvSpPr>
+            <a:spLocks noGrp="1"/>
+          </p:cNvSpPr>
+          <p:nvPr>
+            <p:ph type="sldNum" sz="quarter" idx="10"/>
+          </p:nvPr>
+        </p:nvSpPr>
+        <p:spPr/>
+        <p:txBody>
+          <a:bodyPr/>
+          <a:lstStyle/>
+          <a:p>
+            <a:fld id="{0508EDAF-2046-0C41-8DCB-CB2CB6C57C7A}" type="slidenum">
+              <a:rPr lang="en-US" smtClean="0"/>
+              <a:pPr/>
+              <a:t>22</a:t>
+            </a:fld>
+            <a:endParaRPr lang="en-US"/>
+          </a:p>
+        </p:txBody>
+      </p:sp>
+    </p:spTree>
+    <p:extLst>
+      <p:ext uri="{BB962C8B-B14F-4D97-AF65-F5344CB8AC3E}">
+        <p14:creationId xmlns:p14="http://schemas.microsoft.com/office/powerpoint/2010/main" val="944287664"/>
+      </p:ext>
+    </p:extLst>
+  </p:cSld>
+  <p:clrMapOvr>
+    <a:masterClrMapping/>
+  </p:clrMapOvr>
+</p:notes>
+</file>
+
+<file path=ppt/notesSlides/notesSlide21.xml><?xml version="1.0" encoding="utf-8"?>
+<p:notes xmlns:a="http://schemas.openxmlformats.org/drawingml/2006/main" xmlns:r="http://schemas.openxmlformats.org/officeDocument/2006/relationships" xmlns:p="http://schemas.openxmlformats.org/presentationml/2006/main">
+  <p:cSld>
+    <p:spTree>
+      <p:nvGrpSpPr>
+        <p:cNvPr id="1" name=""/>
+        <p:cNvGrpSpPr/>
+        <p:nvPr/>
+      </p:nvGrpSpPr>
+      <p:grpSpPr>
+        <a:xfrm>
+          <a:off x="0" y="0"/>
+          <a:ext cx="0" cy="0"/>
+          <a:chOff x="0" y="0"/>
+          <a:chExt cx="0" cy="0"/>
+        </a:xfrm>
+      </p:grpSpPr>
+      <p:sp>
+        <p:nvSpPr>
+          <p:cNvPr id="2" name="Slide Image Placeholder 1"/>
+          <p:cNvSpPr>
+            <a:spLocks noGrp="1" noRot="1" noChangeAspect="1"/>
+          </p:cNvSpPr>
+          <p:nvPr>
+            <p:ph type="sldImg"/>
+          </p:nvPr>
+        </p:nvSpPr>
+        <p:spPr/>
+      </p:sp>
+      <p:sp>
+        <p:nvSpPr>
+          <p:cNvPr id="3" name="Notes Placeholder 2"/>
+          <p:cNvSpPr>
+            <a:spLocks noGrp="1"/>
+          </p:cNvSpPr>
+          <p:nvPr>
+            <p:ph type="body" idx="1"/>
+          </p:nvPr>
+        </p:nvSpPr>
+        <p:spPr/>
+        <p:txBody>
+          <a:bodyPr/>
+          <a:lstStyle/>
+          <a:p>
+            <a:pPr algn="l"/>
+            <a:r>
+              <a:rPr lang="en-US"/>
+              <a:t>[5] </a:t>
+            </a:r>
+            <a:r>
+              <a:rPr lang="de-DE">
+                <a:latin typeface="Times New Roman" panose="02020603050405020304" pitchFamily="18" charset="0"/>
+                <a:cs typeface="Times New Roman" panose="02020603050405020304" pitchFamily="18" charset="0"/>
+              </a:rPr>
+              <a:t>Bergmann, O., Hillmann, K. T., &amp; Gerdes, S. , 2012</a:t>
+            </a:r>
+            <a:endParaRPr lang="en-CA">
+              <a:latin typeface="Times New Roman" panose="02020603050405020304" pitchFamily="18" charset="0"/>
+              <a:cs typeface="Times New Roman" panose="02020603050405020304" pitchFamily="18" charset="0"/>
+            </a:endParaRPr>
+          </a:p>
+          <a:p>
+            <a:pPr algn="l"/>
+            <a:r>
+              <a:rPr lang="en-CA">
+                <a:latin typeface="Times New Roman" panose="02020603050405020304" pitchFamily="18" charset="0"/>
+                <a:cs typeface="Times New Roman" panose="02020603050405020304" pitchFamily="18" charset="0"/>
+              </a:rPr>
+              <a:t>[6] Shin, I. J., </a:t>
+            </a:r>
+            <a:r>
+              <a:rPr lang="en-CA" err="1">
+                <a:latin typeface="Times New Roman" panose="02020603050405020304" pitchFamily="18" charset="0"/>
+                <a:cs typeface="Times New Roman" panose="02020603050405020304" pitchFamily="18" charset="0"/>
+              </a:rPr>
+              <a:t>Eom</a:t>
+            </a:r>
+            <a:r>
+              <a:rPr lang="en-CA">
+                <a:latin typeface="Times New Roman" panose="02020603050405020304" pitchFamily="18" charset="0"/>
+                <a:cs typeface="Times New Roman" panose="02020603050405020304" pitchFamily="18" charset="0"/>
+              </a:rPr>
+              <a:t>, D. S., &amp; Song, B. K., 2015</a:t>
+            </a:r>
+          </a:p>
+          <a:p>
+            <a:pPr algn="l"/>
+            <a:r>
+              <a:rPr lang="en-CA">
+                <a:latin typeface="Times New Roman" panose="02020603050405020304" pitchFamily="18" charset="0"/>
+                <a:cs typeface="Times New Roman" panose="02020603050405020304" pitchFamily="18" charset="0"/>
+              </a:rPr>
+              <a:t>[7] </a:t>
+            </a:r>
+            <a:r>
+              <a:rPr lang="en-CA" err="1">
+                <a:latin typeface="Times New Roman" panose="02020603050405020304" pitchFamily="18" charset="0"/>
+                <a:cs typeface="Times New Roman" panose="02020603050405020304" pitchFamily="18" charset="0"/>
+              </a:rPr>
+              <a:t>Mitsugi</a:t>
+            </a:r>
+            <a:r>
+              <a:rPr lang="en-CA">
+                <a:latin typeface="Times New Roman" panose="02020603050405020304" pitchFamily="18" charset="0"/>
+                <a:cs typeface="Times New Roman" panose="02020603050405020304" pitchFamily="18" charset="0"/>
+              </a:rPr>
+              <a:t>, J., </a:t>
+            </a:r>
+            <a:r>
+              <a:rPr lang="en-CA" err="1">
+                <a:latin typeface="Times New Roman" panose="02020603050405020304" pitchFamily="18" charset="0"/>
+                <a:cs typeface="Times New Roman" panose="02020603050405020304" pitchFamily="18" charset="0"/>
+              </a:rPr>
+              <a:t>Yonemura</a:t>
+            </a:r>
+            <a:r>
+              <a:rPr lang="en-CA">
+                <a:latin typeface="Times New Roman" panose="02020603050405020304" pitchFamily="18" charset="0"/>
+                <a:cs typeface="Times New Roman" panose="02020603050405020304" pitchFamily="18" charset="0"/>
+              </a:rPr>
+              <a:t>, S., </a:t>
+            </a:r>
+            <a:r>
+              <a:rPr lang="en-CA" err="1">
+                <a:latin typeface="Times New Roman" panose="02020603050405020304" pitchFamily="18" charset="0"/>
+                <a:cs typeface="Times New Roman" panose="02020603050405020304" pitchFamily="18" charset="0"/>
+              </a:rPr>
+              <a:t>Hada</a:t>
+            </a:r>
+            <a:r>
+              <a:rPr lang="en-CA">
+                <a:latin typeface="Times New Roman" panose="02020603050405020304" pitchFamily="18" charset="0"/>
+                <a:cs typeface="Times New Roman" panose="02020603050405020304" pitchFamily="18" charset="0"/>
+              </a:rPr>
+              <a:t>, H., &amp; </a:t>
+            </a:r>
+            <a:r>
+              <a:rPr lang="en-CA" err="1">
+                <a:latin typeface="Times New Roman" panose="02020603050405020304" pitchFamily="18" charset="0"/>
+                <a:cs typeface="Times New Roman" panose="02020603050405020304" pitchFamily="18" charset="0"/>
+              </a:rPr>
+              <a:t>Inaba</a:t>
+            </a:r>
+            <a:r>
+              <a:rPr lang="en-CA">
+                <a:latin typeface="Times New Roman" panose="02020603050405020304" pitchFamily="18" charset="0"/>
+                <a:cs typeface="Times New Roman" panose="02020603050405020304" pitchFamily="18" charset="0"/>
+              </a:rPr>
+              <a:t>, T., 2011</a:t>
+            </a:r>
+            <a:endParaRPr lang="en-US"/>
+          </a:p>
+          <a:p>
+            <a:endParaRPr lang="en-CA"/>
+          </a:p>
+        </p:txBody>
+      </p:sp>
+      <p:sp>
+        <p:nvSpPr>
+          <p:cNvPr id="4" name="Slide Number Placeholder 3"/>
+          <p:cNvSpPr>
+            <a:spLocks noGrp="1"/>
+          </p:cNvSpPr>
+          <p:nvPr>
+            <p:ph type="sldNum" sz="quarter" idx="10"/>
+          </p:nvPr>
+        </p:nvSpPr>
+        <p:spPr/>
+        <p:txBody>
+          <a:bodyPr/>
+          <a:lstStyle/>
+          <a:p>
+            <a:fld id="{0508EDAF-2046-0C41-8DCB-CB2CB6C57C7A}" type="slidenum">
+              <a:rPr lang="en-US" smtClean="0"/>
+              <a:pPr/>
+              <a:t>23</a:t>
+            </a:fld>
+            <a:endParaRPr lang="en-US"/>
+          </a:p>
+        </p:txBody>
+      </p:sp>
+    </p:spTree>
+    <p:extLst>
+      <p:ext uri="{BB962C8B-B14F-4D97-AF65-F5344CB8AC3E}">
+        <p14:creationId xmlns:p14="http://schemas.microsoft.com/office/powerpoint/2010/main" val="1904903009"/>
+      </p:ext>
+    </p:extLst>
+  </p:cSld>
+  <p:clrMapOvr>
+    <a:masterClrMapping/>
+  </p:clrMapOvr>
+</p:notes>
+</file>
+
+<file path=ppt/notesSlides/notesSlide22.xml><?xml version="1.0" encoding="utf-8"?>
+<p:notes xmlns:a="http://schemas.openxmlformats.org/drawingml/2006/main" xmlns:r="http://schemas.openxmlformats.org/officeDocument/2006/relationships" xmlns:p="http://schemas.openxmlformats.org/presentationml/2006/main">
+  <p:cSld>
+    <p:spTree>
+      <p:nvGrpSpPr>
+        <p:cNvPr id="1" name=""/>
+        <p:cNvGrpSpPr/>
+        <p:nvPr/>
+      </p:nvGrpSpPr>
+      <p:grpSpPr>
+        <a:xfrm>
+          <a:off x="0" y="0"/>
+          <a:ext cx="0" cy="0"/>
+          <a:chOff x="0" y="0"/>
+          <a:chExt cx="0" cy="0"/>
+        </a:xfrm>
+      </p:grpSpPr>
+      <p:sp>
+        <p:nvSpPr>
+          <p:cNvPr id="2" name="Slide Image Placeholder 1"/>
+          <p:cNvSpPr>
+            <a:spLocks noGrp="1" noRot="1" noChangeAspect="1"/>
+          </p:cNvSpPr>
+          <p:nvPr>
+            <p:ph type="sldImg"/>
+          </p:nvPr>
+        </p:nvSpPr>
+        <p:spPr/>
+      </p:sp>
+      <p:sp>
+        <p:nvSpPr>
+          <p:cNvPr id="3" name="Notes Placeholder 2"/>
+          <p:cNvSpPr>
+            <a:spLocks noGrp="1"/>
+          </p:cNvSpPr>
+          <p:nvPr>
+            <p:ph type="body" idx="1"/>
+          </p:nvPr>
+        </p:nvSpPr>
+        <p:spPr/>
+        <p:txBody>
+          <a:bodyPr/>
+          <a:lstStyle/>
+          <a:p>
+            <a:endParaRPr lang="en-CA" dirty="0"/>
+          </a:p>
+        </p:txBody>
+      </p:sp>
+      <p:sp>
+        <p:nvSpPr>
+          <p:cNvPr id="4" name="Slide Number Placeholder 3"/>
+          <p:cNvSpPr>
+            <a:spLocks noGrp="1"/>
+          </p:cNvSpPr>
+          <p:nvPr>
+            <p:ph type="sldNum" sz="quarter" idx="10"/>
+          </p:nvPr>
+        </p:nvSpPr>
+        <p:spPr/>
+        <p:txBody>
+          <a:bodyPr/>
+          <a:lstStyle/>
+          <a:p>
+            <a:fld id="{0508EDAF-2046-0C41-8DCB-CB2CB6C57C7A}" type="slidenum">
+              <a:rPr lang="en-US" smtClean="0"/>
+              <a:pPr/>
+              <a:t>24</a:t>
+            </a:fld>
+            <a:endParaRPr lang="en-US"/>
+          </a:p>
+        </p:txBody>
+      </p:sp>
+    </p:spTree>
+    <p:extLst>
+      <p:ext uri="{BB962C8B-B14F-4D97-AF65-F5344CB8AC3E}">
+        <p14:creationId xmlns:p14="http://schemas.microsoft.com/office/powerpoint/2010/main" val="1300629384"/>
       </p:ext>
     </p:extLst>
   </p:cSld>
@@ -11592,7 +11507,15 @@
           <a:bodyPr/>
           <a:lstStyle/>
           <a:p>
-            <a:endParaRPr lang="en-CA" dirty="0"/>
+            <a:r>
+              <a:rPr lang="en-CA"/>
+              <a:t>In recent years</a:t>
+            </a:r>
+            <a:r>
+              <a:rPr lang="en-CA" baseline="0"/>
+              <a:t> with the development of smart devices, the size of IoT has increased a lot. As shown in the chart, in 2015 the number of devices in IoT has exceed the population of human being. And most predictions believe the exponential growth will keep in the next 2 decades</a:t>
+            </a:r>
+            <a:endParaRPr lang="en-CA"/>
           </a:p>
         </p:txBody>
       </p:sp>
@@ -11695,8 +11618,72 @@
               <a:defRPr/>
             </a:pPr>
             <a:r>
-              <a:rPr lang="en-CA" dirty="0"/>
-              <a:t>CoAP is designed to easily interface with HTTP for integration with the Web while meeting specialized requirements such as </a:t>
+              <a:rPr lang="en-CA" sz="1200" b="0" i="0" kern="1200">
+                <a:solidFill>
+                  <a:schemeClr val="tx1"/>
+                </a:solidFill>
+                <a:effectLst/>
+                <a:latin typeface="Times" pitchFamily="-108" charset="0"/>
+                <a:ea typeface="ＭＳ Ｐゴシック" pitchFamily="-108" charset="-128"/>
+                <a:cs typeface="ＭＳ Ｐゴシック" pitchFamily="-108" charset="-128"/>
+              </a:rPr>
+              <a:t>It</a:t>
+            </a:r>
+            <a:r>
+              <a:rPr lang="en-CA" sz="1200" b="0" i="0" kern="1200" baseline="0">
+                <a:solidFill>
+                  <a:schemeClr val="tx1"/>
+                </a:solidFill>
+                <a:effectLst/>
+                <a:latin typeface="Times" pitchFamily="-108" charset="0"/>
+                <a:ea typeface="ＭＳ Ｐゴシック" pitchFamily="-108" charset="-128"/>
+                <a:cs typeface="ＭＳ Ｐゴシック" pitchFamily="-108" charset="-128"/>
+              </a:rPr>
+              <a:t> has inherent many </a:t>
+            </a:r>
+            <a:r>
+              <a:rPr lang="en-CA"/>
+              <a:t>characteristic</a:t>
+            </a:r>
+            <a:r>
+              <a:rPr lang="en-US" altLang="zh-CN"/>
+              <a:t>s</a:t>
+            </a:r>
+            <a:r>
+              <a:rPr lang="en-CA" sz="1200" b="0" i="0" kern="1200" baseline="0">
+                <a:solidFill>
+                  <a:schemeClr val="tx1"/>
+                </a:solidFill>
+                <a:effectLst/>
+                <a:latin typeface="Times" pitchFamily="-108" charset="0"/>
+                <a:ea typeface="ＭＳ Ｐゴシック" pitchFamily="-108" charset="-128"/>
+                <a:cs typeface="ＭＳ Ｐゴシック" pitchFamily="-108" charset="-128"/>
+              </a:rPr>
+              <a:t> from </a:t>
+            </a:r>
+            <a:r>
+              <a:rPr lang="en-US" altLang="zh-CN" sz="1200" b="0" i="0" kern="1200" baseline="0">
+                <a:solidFill>
+                  <a:schemeClr val="tx1"/>
+                </a:solidFill>
+                <a:effectLst/>
+                <a:latin typeface="Times" pitchFamily="-108" charset="0"/>
+                <a:ea typeface="ＭＳ Ｐゴシック" pitchFamily="-108" charset="-128"/>
+                <a:cs typeface="ＭＳ Ｐゴシック" pitchFamily="-108" charset="-128"/>
+              </a:rPr>
+              <a:t>HTTP</a:t>
+            </a:r>
+            <a:r>
+              <a:rPr lang="en-CA" altLang="zh-CN" sz="1200" b="0" i="0" kern="1200" baseline="0">
+                <a:solidFill>
+                  <a:schemeClr val="tx1"/>
+                </a:solidFill>
+                <a:effectLst/>
+                <a:latin typeface="Times" pitchFamily="-108" charset="0"/>
+                <a:ea typeface="ＭＳ Ｐゴシック" pitchFamily="-108" charset="-128"/>
+                <a:cs typeface="ＭＳ Ｐゴシック" pitchFamily="-108" charset="-128"/>
+              </a:rPr>
+              <a:t>. Like http verbs and attributes of HTTP header.</a:t>
             </a:r>
           </a:p>
           <a:p>
@@ -11717,19 +11704,15 @@
               <a:tabLst/>
               <a:defRPr/>
             </a:pPr>
-            <a:r>
-              <a:rPr lang="en-CA" sz="1200" b="0" i="0" kern="1200" dirty="0">
-                <a:solidFill>
-                  <a:schemeClr val="tx1"/>
-                </a:solidFill>
-                <a:effectLst/>
-                <a:latin typeface="Times" pitchFamily="-108" charset="0"/>
-                <a:ea typeface="ＭＳ Ｐゴシック" pitchFamily="-108" charset="-128"/>
-                <a:cs typeface="ＭＳ Ｐゴシック" pitchFamily="-108" charset="-128"/>
-              </a:rPr>
-              <a:t>Constrained Application Protocol </a:t>
-            </a:r>
-            <a:endParaRPr lang="en-CA" dirty="0"/>
+            <a:endParaRPr lang="en-CA" sz="1200" b="0" i="0" kern="1200" baseline="0">
+              <a:solidFill>
+                <a:schemeClr val="tx1"/>
+              </a:solidFill>
+              <a:effectLst/>
+              <a:latin typeface="Times" pitchFamily="-108" charset="0"/>
+              <a:ea typeface="ＭＳ Ｐゴシック" pitchFamily="-108" charset="-128"/>
+              <a:cs typeface="ＭＳ Ｐゴシック" pitchFamily="-108" charset="-128"/>
+            </a:endParaRPr>
           </a:p>
           <a:p>
             <a:pPr marL="0" marR="0" indent="0" algn="l" defTabSz="914400" rtl="0" eaLnBrk="0" fontAlgn="base" latinLnBrk="0" hangingPunct="0">
@@ -11749,12 +11732,8 @@
               <a:tabLst/>
               <a:defRPr/>
             </a:pPr>
-            <a:endParaRPr lang="en-CA" dirty="0"/>
-          </a:p>
-          <a:p>
-            <a:pPr fontAlgn="base"/>
-            <a:r>
-              <a:rPr lang="en-CA" sz="1200" b="1" i="0" kern="1200" dirty="0">
+            <a:r>
+              <a:rPr lang="en-CA" sz="1200" b="0" i="0" kern="1200" baseline="0">
                 <a:solidFill>
                   <a:schemeClr val="tx1"/>
                 </a:solidFill>
@@ -11763,73 +11742,7 @@
                 <a:ea typeface="ＭＳ Ｐゴシック" pitchFamily="-108" charset="-128"/>
                 <a:cs typeface="ＭＳ Ｐゴシック" pitchFamily="-108" charset="-128"/>
               </a:rPr>
-              <a:t>Header compression</a:t>
-            </a:r>
-            <a:r>
-              <a:rPr lang="en-CA" sz="1200" b="0" i="0" kern="1200" dirty="0">
-                <a:solidFill>
-                  <a:schemeClr val="tx1"/>
-                </a:solidFill>
-                <a:effectLst/>
-                <a:latin typeface="Times" pitchFamily="-108" charset="0"/>
-                <a:ea typeface="ＭＳ Ｐゴシック" pitchFamily="-108" charset="-128"/>
-                <a:cs typeface="ＭＳ Ｐゴシック" pitchFamily="-108" charset="-128"/>
-              </a:rPr>
-              <a:t>, which compresses the 40-byte IPv6 and 8-byte UDP headers by assuming the usage of common fields.</a:t>
-            </a:r>
-          </a:p>
-          <a:p>
-            <a:pPr fontAlgn="base"/>
-            <a:r>
-              <a:rPr lang="en-CA" sz="1200" b="1" i="0" kern="1200" dirty="0">
-                <a:solidFill>
-                  <a:schemeClr val="tx1"/>
-                </a:solidFill>
-                <a:effectLst/>
-                <a:latin typeface="Times" pitchFamily="-108" charset="0"/>
-                <a:ea typeface="ＭＳ Ｐゴシック" pitchFamily="-108" charset="-128"/>
-                <a:cs typeface="ＭＳ Ｐゴシック" pitchFamily="-108" charset="-128"/>
-              </a:rPr>
-              <a:t>Fragmentation and reassembly</a:t>
-            </a:r>
-            <a:r>
-              <a:rPr lang="en-CA" sz="1200" b="0" i="0" kern="1200" dirty="0">
-                <a:solidFill>
-                  <a:schemeClr val="tx1"/>
-                </a:solidFill>
-                <a:effectLst/>
-                <a:latin typeface="Times" pitchFamily="-108" charset="0"/>
-                <a:ea typeface="ＭＳ Ｐゴシック" pitchFamily="-108" charset="-128"/>
-                <a:cs typeface="ＭＳ Ｐゴシック" pitchFamily="-108" charset="-128"/>
-              </a:rPr>
-              <a:t>, as the data link of IEEE 802.15.4 with a frame length of max 127 bytes does not match the MTU of IPv6, which is 1280 bytes.</a:t>
-            </a:r>
-          </a:p>
-          <a:p>
-            <a:pPr fontAlgn="base"/>
-            <a:r>
-              <a:rPr lang="en-CA" sz="1200" b="1" i="0" kern="1200" dirty="0">
-                <a:solidFill>
-                  <a:schemeClr val="tx1"/>
-                </a:solidFill>
-                <a:effectLst/>
-                <a:latin typeface="Times" pitchFamily="-108" charset="0"/>
-                <a:ea typeface="ＭＳ Ｐゴシック" pitchFamily="-108" charset="-128"/>
-                <a:cs typeface="ＭＳ Ｐゴシック" pitchFamily="-108" charset="-128"/>
-              </a:rPr>
-              <a:t>Stateless auto configuration</a:t>
-            </a:r>
-            <a:r>
-              <a:rPr lang="en-CA" sz="1200" b="0" i="0" kern="1200" dirty="0">
-                <a:solidFill>
-                  <a:schemeClr val="tx1"/>
-                </a:solidFill>
-                <a:effectLst/>
-                <a:latin typeface="Times" pitchFamily="-108" charset="0"/>
-                <a:ea typeface="ＭＳ Ｐゴシック" pitchFamily="-108" charset="-128"/>
-                <a:cs typeface="ＭＳ Ｐゴシック" pitchFamily="-108" charset="-128"/>
-              </a:rPr>
-              <a:t>, the process where devices inside the 6LoWPAN network automatically generate their own IPv6 address.</a:t>
+              <a:t>As shown above the CoAP is build up on UDP and the 6lowpan is always adopted as network layer protocol.  It’s a lite version for IPv6</a:t>
             </a:r>
           </a:p>
           <a:p>
@@ -11850,7 +11763,15 @@
               <a:tabLst/>
               <a:defRPr/>
             </a:pPr>
-            <a:endParaRPr lang="en-CA" dirty="0"/>
+            <a:endParaRPr lang="en-CA" sz="1200" b="0" i="0" kern="1200" baseline="0">
+              <a:solidFill>
+                <a:schemeClr val="tx1"/>
+              </a:solidFill>
+              <a:effectLst/>
+              <a:latin typeface="Times" pitchFamily="-108" charset="0"/>
+              <a:ea typeface="ＭＳ Ｐゴシック" pitchFamily="-108" charset="-128"/>
+              <a:cs typeface="ＭＳ Ｐゴシック" pitchFamily="-108" charset="-128"/>
+            </a:endParaRPr>
           </a:p>
           <a:p>
             <a:pPr marL="0" marR="0" indent="0" algn="l" defTabSz="914400" rtl="0" eaLnBrk="0" fontAlgn="base" latinLnBrk="0" hangingPunct="0">
@@ -11870,7 +11791,18 @@
               <a:tabLst/>
               <a:defRPr/>
             </a:pPr>
-            <a:endParaRPr lang="en-CA" dirty="0"/>
+            <a:r>
+              <a:rPr lang="en-CA" sz="1200" b="0" i="0" kern="1200" baseline="0">
+                <a:solidFill>
+                  <a:schemeClr val="tx1"/>
+                </a:solidFill>
+                <a:effectLst/>
+                <a:latin typeface="Times" pitchFamily="-108" charset="0"/>
+                <a:ea typeface="ＭＳ Ｐゴシック" pitchFamily="-108" charset="-128"/>
+                <a:cs typeface="ＭＳ Ｐゴシック" pitchFamily="-108" charset="-128"/>
+              </a:rPr>
+              <a:t>IPv6 in low power wireless personal area networks.</a:t>
+            </a:r>
           </a:p>
           <a:p>
             <a:pPr marL="0" marR="0" indent="0" algn="l" defTabSz="914400" rtl="0" eaLnBrk="0" fontAlgn="base" latinLnBrk="0" hangingPunct="0">
@@ -11890,11 +11822,15 @@
               <a:tabLst/>
               <a:defRPr/>
             </a:pPr>
-            <a:r>
-              <a:rPr lang="en-CA" dirty="0"/>
-              <a:t> </a:t>
-            </a:r>
-            <a:endParaRPr lang="en-CA" baseline="0" dirty="0"/>
+            <a:endParaRPr lang="en-CA" sz="1200" b="0" i="0" kern="1200" baseline="0">
+              <a:solidFill>
+                <a:schemeClr val="tx1"/>
+              </a:solidFill>
+              <a:effectLst/>
+              <a:latin typeface="Times" pitchFamily="-108" charset="0"/>
+              <a:ea typeface="ＭＳ Ｐゴシック" pitchFamily="-108" charset="-128"/>
+              <a:cs typeface="ＭＳ Ｐゴシック" pitchFamily="-108" charset="-128"/>
+            </a:endParaRPr>
           </a:p>
           <a:p>
             <a:pPr marL="0" marR="0" indent="0" algn="l" defTabSz="914400" rtl="0" eaLnBrk="0" fontAlgn="base" latinLnBrk="0" hangingPunct="0">
@@ -11914,7 +11850,15 @@
               <a:tabLst/>
               <a:defRPr/>
             </a:pPr>
-            <a:endParaRPr lang="en-CA" baseline="0" dirty="0"/>
+            <a:endParaRPr lang="en-CA" sz="1200" b="0" i="0" kern="1200">
+              <a:solidFill>
+                <a:schemeClr val="tx1"/>
+              </a:solidFill>
+              <a:effectLst/>
+              <a:latin typeface="Times" pitchFamily="-108" charset="0"/>
+              <a:ea typeface="ＭＳ Ｐゴシック" pitchFamily="-108" charset="-128"/>
+              <a:cs typeface="ＭＳ Ｐゴシック" pitchFamily="-108" charset="-128"/>
+            </a:endParaRPr>
           </a:p>
           <a:p>
             <a:pPr marL="0" marR="0" indent="0" algn="l" defTabSz="914400" rtl="0" eaLnBrk="0" fontAlgn="base" latinLnBrk="0" hangingPunct="0">
@@ -11935,11 +11879,7 @@
               <a:defRPr/>
             </a:pPr>
             <a:r>
-              <a:rPr lang="en-CA" baseline="0" dirty="0"/>
-              <a:t>ARM(</a:t>
-            </a:r>
-            <a:r>
-              <a:rPr lang="en-CA" sz="1200" b="0" i="0" kern="1200" dirty="0">
+              <a:rPr lang="en-CA" sz="1200" b="0" i="0" kern="1200">
                 <a:solidFill>
                   <a:schemeClr val="tx1"/>
                 </a:solidFill>
@@ -11948,13 +11888,9 @@
                 <a:ea typeface="ＭＳ Ｐゴシック" pitchFamily="-108" charset="-128"/>
                 <a:cs typeface="ＭＳ Ｐゴシック" pitchFamily="-108" charset="-128"/>
               </a:rPr>
-              <a:t>British multinational semiconductor and software design company </a:t>
-            </a:r>
-            <a:r>
-              <a:rPr lang="en-CA" baseline="0" dirty="0"/>
-              <a:t>)</a:t>
-            </a:r>
-            <a:endParaRPr lang="en-CA" dirty="0"/>
+              <a:t>Constrained Application Protocol </a:t>
+            </a:r>
+            <a:endParaRPr lang="en-CA"/>
           </a:p>
           <a:p>
             <a:pPr marL="0" marR="0" indent="0" algn="l" defTabSz="914400" rtl="0" eaLnBrk="0" fontAlgn="base" latinLnBrk="0" hangingPunct="0">
@@ -11974,7 +11910,88 @@
               <a:tabLst/>
               <a:defRPr/>
             </a:pPr>
-            <a:endParaRPr lang="en-CA" dirty="0"/>
+            <a:endParaRPr lang="en-CA"/>
+          </a:p>
+          <a:p>
+            <a:pPr fontAlgn="base"/>
+            <a:r>
+              <a:rPr lang="en-CA" sz="1200" b="1" i="0" kern="1200">
+                <a:solidFill>
+                  <a:schemeClr val="tx1"/>
+                </a:solidFill>
+                <a:effectLst/>
+                <a:latin typeface="Times" pitchFamily="-108" charset="0"/>
+                <a:ea typeface="ＭＳ Ｐゴシック" pitchFamily="-108" charset="-128"/>
+                <a:cs typeface="ＭＳ Ｐゴシック" pitchFamily="-108" charset="-128"/>
+              </a:rPr>
+              <a:t>Header compression</a:t>
+            </a:r>
+            <a:r>
+              <a:rPr lang="en-CA" sz="1200" b="0" i="0" kern="1200">
+                <a:solidFill>
+                  <a:schemeClr val="tx1"/>
+                </a:solidFill>
+                <a:effectLst/>
+                <a:latin typeface="Times" pitchFamily="-108" charset="0"/>
+                <a:ea typeface="ＭＳ Ｐゴシック" pitchFamily="-108" charset="-128"/>
+                <a:cs typeface="ＭＳ Ｐゴシック" pitchFamily="-108" charset="-128"/>
+              </a:rPr>
+              <a:t>, which compresses the 40-byte IPv6 and 8-byte UDP headers by assuming the usage of common fields.</a:t>
+            </a:r>
+          </a:p>
+          <a:p>
+            <a:pPr fontAlgn="base"/>
+            <a:r>
+              <a:rPr lang="en-CA" sz="1200" b="1" i="0" kern="1200">
+                <a:solidFill>
+                  <a:schemeClr val="tx1"/>
+                </a:solidFill>
+                <a:effectLst/>
+                <a:latin typeface="Times" pitchFamily="-108" charset="0"/>
+                <a:ea typeface="ＭＳ Ｐゴシック" pitchFamily="-108" charset="-128"/>
+                <a:cs typeface="ＭＳ Ｐゴシック" pitchFamily="-108" charset="-128"/>
+              </a:rPr>
+              <a:t>Fragmentation and reassembly</a:t>
+            </a:r>
+            <a:r>
+              <a:rPr lang="en-CA" sz="1200" b="0" i="0" kern="1200">
+                <a:solidFill>
+                  <a:schemeClr val="tx1"/>
+                </a:solidFill>
+                <a:effectLst/>
+                <a:latin typeface="Times" pitchFamily="-108" charset="0"/>
+                <a:ea typeface="ＭＳ Ｐゴシック" pitchFamily="-108" charset="-128"/>
+                <a:cs typeface="ＭＳ Ｐゴシック" pitchFamily="-108" charset="-128"/>
+              </a:rPr>
+              <a:t>, as the data link of IEEE 802.15.4 with a frame length of max 127 bytes does not match the MTU of IPv6, which is 1280 bytes.</a:t>
+            </a:r>
+          </a:p>
+          <a:p>
+            <a:pPr fontAlgn="base"/>
+            <a:r>
+              <a:rPr lang="en-CA" sz="1200" b="1" i="0" kern="1200">
+                <a:solidFill>
+                  <a:schemeClr val="tx1"/>
+                </a:solidFill>
+                <a:effectLst/>
+                <a:latin typeface="Times" pitchFamily="-108" charset="0"/>
+                <a:ea typeface="ＭＳ Ｐゴシック" pitchFamily="-108" charset="-128"/>
+                <a:cs typeface="ＭＳ Ｐゴシック" pitchFamily="-108" charset="-128"/>
+              </a:rPr>
+              <a:t>Stateless auto configuration</a:t>
+            </a:r>
+            <a:r>
+              <a:rPr lang="en-CA" sz="1200" b="0" i="0" kern="1200">
+                <a:solidFill>
+                  <a:schemeClr val="tx1"/>
+                </a:solidFill>
+                <a:effectLst/>
+                <a:latin typeface="Times" pitchFamily="-108" charset="0"/>
+                <a:ea typeface="ＭＳ Ｐゴシック" pitchFamily="-108" charset="-128"/>
+                <a:cs typeface="ＭＳ Ｐゴシック" pitchFamily="-108" charset="-128"/>
+              </a:rPr>
+              <a:t>, the process where devices inside the 6LoWPAN network automatically generate their own IPv6 address.</a:t>
+            </a:r>
           </a:p>
           <a:p>
             <a:pPr marL="0" marR="0" indent="0" algn="l" defTabSz="914400" rtl="0" eaLnBrk="0" fontAlgn="base" latinLnBrk="0" hangingPunct="0">
@@ -11994,10 +12011,7 @@
               <a:tabLst/>
               <a:defRPr/>
             </a:pPr>
-            <a:r>
-              <a:rPr lang="en-CA" dirty="0"/>
-              <a:t>//multicast support, </a:t>
-            </a:r>
+            <a:endParaRPr lang="en-CA"/>
           </a:p>
           <a:p>
             <a:pPr marL="0" marR="0" indent="0" algn="l" defTabSz="914400" rtl="0" eaLnBrk="0" fontAlgn="base" latinLnBrk="0" hangingPunct="0">
@@ -12017,10 +12031,7 @@
               <a:tabLst/>
               <a:defRPr/>
             </a:pPr>
-            <a:r>
-              <a:rPr lang="en-CA" dirty="0"/>
-              <a:t>//very low overhead, </a:t>
-            </a:r>
+            <a:endParaRPr lang="en-CA"/>
           </a:p>
           <a:p>
             <a:pPr marL="0" marR="0" indent="0" algn="l" defTabSz="914400" rtl="0" eaLnBrk="0" fontAlgn="base" latinLnBrk="0" hangingPunct="0">
@@ -12041,9 +12052,10 @@
               <a:defRPr/>
             </a:pPr>
             <a:r>
-              <a:rPr lang="en-CA" dirty="0"/>
-              <a:t>//simplicity for constrained environments. </a:t>
-            </a:r>
+              <a:rPr lang="en-CA"/>
+              <a:t> </a:t>
+            </a:r>
+            <a:endParaRPr lang="en-CA" baseline="0"/>
           </a:p>
           <a:p>
             <a:pPr marL="0" marR="0" indent="0" algn="l" defTabSz="914400" rtl="0" eaLnBrk="0" fontAlgn="base" latinLnBrk="0" hangingPunct="0">
@@ -12063,22 +12075,171 @@
               <a:tabLst/>
               <a:defRPr/>
             </a:pPr>
-            <a:r>
-              <a:rPr lang="en-CA" dirty="0"/>
+            <a:endParaRPr lang="en-CA" baseline="0"/>
+          </a:p>
+          <a:p>
+            <a:pPr marL="0" marR="0" indent="0" algn="l" defTabSz="914400" rtl="0" eaLnBrk="0" fontAlgn="base" latinLnBrk="0" hangingPunct="0">
+              <a:lnSpc>
+                <a:spcPct val="100000"/>
+              </a:lnSpc>
+              <a:spcBef>
+                <a:spcPct val="30000"/>
+              </a:spcBef>
+              <a:spcAft>
+                <a:spcPct val="0"/>
+              </a:spcAft>
+              <a:buClrTx/>
+              <a:buSzTx/>
+              <a:buFontTx/>
+              <a:buNone/>
+              <a:tabLst/>
+              <a:defRPr/>
+            </a:pPr>
+            <a:r>
+              <a:rPr lang="en-CA" baseline="0"/>
+              <a:t>ARM(</a:t>
+            </a:r>
+            <a:r>
+              <a:rPr lang="en-CA" sz="1200" b="0" i="0" kern="1200">
+                <a:solidFill>
+                  <a:schemeClr val="tx1"/>
+                </a:solidFill>
+                <a:effectLst/>
+                <a:latin typeface="Times" pitchFamily="-108" charset="0"/>
+                <a:ea typeface="ＭＳ Ｐゴシック" pitchFamily="-108" charset="-128"/>
+                <a:cs typeface="ＭＳ Ｐゴシック" pitchFamily="-108" charset="-128"/>
+              </a:rPr>
+              <a:t>British multinational semiconductor and software design company </a:t>
+            </a:r>
+            <a:r>
+              <a:rPr lang="en-CA" baseline="0"/>
+              <a:t>)</a:t>
+            </a:r>
+            <a:endParaRPr lang="en-CA"/>
+          </a:p>
+          <a:p>
+            <a:pPr marL="0" marR="0" indent="0" algn="l" defTabSz="914400" rtl="0" eaLnBrk="0" fontAlgn="base" latinLnBrk="0" hangingPunct="0">
+              <a:lnSpc>
+                <a:spcPct val="100000"/>
+              </a:lnSpc>
+              <a:spcBef>
+                <a:spcPct val="30000"/>
+              </a:spcBef>
+              <a:spcAft>
+                <a:spcPct val="0"/>
+              </a:spcAft>
+              <a:buClrTx/>
+              <a:buSzTx/>
+              <a:buFontTx/>
+              <a:buNone/>
+              <a:tabLst/>
+              <a:defRPr/>
+            </a:pPr>
+            <a:endParaRPr lang="en-CA"/>
+          </a:p>
+          <a:p>
+            <a:pPr marL="0" marR="0" indent="0" algn="l" defTabSz="914400" rtl="0" eaLnBrk="0" fontAlgn="base" latinLnBrk="0" hangingPunct="0">
+              <a:lnSpc>
+                <a:spcPct val="100000"/>
+              </a:lnSpc>
+              <a:spcBef>
+                <a:spcPct val="30000"/>
+              </a:spcBef>
+              <a:spcAft>
+                <a:spcPct val="0"/>
+              </a:spcAft>
+              <a:buClrTx/>
+              <a:buSzTx/>
+              <a:buFontTx/>
+              <a:buNone/>
+              <a:tabLst/>
+              <a:defRPr/>
+            </a:pPr>
+            <a:r>
+              <a:rPr lang="en-CA"/>
+              <a:t>//multicast support, </a:t>
+            </a:r>
+          </a:p>
+          <a:p>
+            <a:pPr marL="0" marR="0" indent="0" algn="l" defTabSz="914400" rtl="0" eaLnBrk="0" fontAlgn="base" latinLnBrk="0" hangingPunct="0">
+              <a:lnSpc>
+                <a:spcPct val="100000"/>
+              </a:lnSpc>
+              <a:spcBef>
+                <a:spcPct val="30000"/>
+              </a:spcBef>
+              <a:spcAft>
+                <a:spcPct val="0"/>
+              </a:spcAft>
+              <a:buClrTx/>
+              <a:buSzTx/>
+              <a:buFontTx/>
+              <a:buNone/>
+              <a:tabLst/>
+              <a:defRPr/>
+            </a:pPr>
+            <a:r>
+              <a:rPr lang="en-CA"/>
+              <a:t>//very low overhead, </a:t>
+            </a:r>
+          </a:p>
+          <a:p>
+            <a:pPr marL="0" marR="0" indent="0" algn="l" defTabSz="914400" rtl="0" eaLnBrk="0" fontAlgn="base" latinLnBrk="0" hangingPunct="0">
+              <a:lnSpc>
+                <a:spcPct val="100000"/>
+              </a:lnSpc>
+              <a:spcBef>
+                <a:spcPct val="30000"/>
+              </a:spcBef>
+              <a:spcAft>
+                <a:spcPct val="0"/>
+              </a:spcAft>
+              <a:buClrTx/>
+              <a:buSzTx/>
+              <a:buFontTx/>
+              <a:buNone/>
+              <a:tabLst/>
+              <a:defRPr/>
+            </a:pPr>
+            <a:r>
+              <a:rPr lang="en-CA"/>
+              <a:t>//simplicity for constrained environments. </a:t>
+            </a:r>
+          </a:p>
+          <a:p>
+            <a:pPr marL="0" marR="0" indent="0" algn="l" defTabSz="914400" rtl="0" eaLnBrk="0" fontAlgn="base" latinLnBrk="0" hangingPunct="0">
+              <a:lnSpc>
+                <a:spcPct val="100000"/>
+              </a:lnSpc>
+              <a:spcBef>
+                <a:spcPct val="30000"/>
+              </a:spcBef>
+              <a:spcAft>
+                <a:spcPct val="0"/>
+              </a:spcAft>
+              <a:buClrTx/>
+              <a:buSzTx/>
+              <a:buFontTx/>
+              <a:buNone/>
+              <a:tabLst/>
+              <a:defRPr/>
+            </a:pPr>
+            <a:r>
+              <a:rPr lang="en-CA"/>
               <a:t>//Payload</a:t>
             </a:r>
             <a:r>
-              <a:rPr lang="en-CA" baseline="0" dirty="0"/>
+              <a:rPr lang="en-CA" baseline="0"/>
               <a:t> size limited to 1024 bytes. </a:t>
             </a:r>
-            <a:endParaRPr lang="en-CA" sz="1200" dirty="0"/>
-          </a:p>
-          <a:p>
-            <a:r>
-              <a:rPr lang="en-CA" dirty="0"/>
+            <a:endParaRPr lang="en-CA" sz="1200"/>
+          </a:p>
+          <a:p>
+            <a:r>
+              <a:rPr lang="en-CA"/>
               <a:t> </a:t>
             </a:r>
-            <a:endParaRPr lang="en-CA" sz="1200" b="0" i="0" kern="1200" dirty="0">
+            <a:endParaRPr lang="en-CA" sz="1200" b="0" i="0" kern="1200">
               <a:solidFill>
                 <a:schemeClr val="tx1"/>
               </a:solidFill>
@@ -12089,7 +12250,7 @@
           </a:p>
           <a:p>
             <a:r>
-              <a:rPr lang="en-CA" sz="1200" b="0" i="0" kern="1200" dirty="0">
+              <a:rPr lang="en-CA" sz="1200" b="0" i="0" kern="1200">
                 <a:solidFill>
                   <a:schemeClr val="tx1"/>
                 </a:solidFill>
@@ -12102,7 +12263,7 @@
             </a:r>
           </a:p>
           <a:p>
-            <a:endParaRPr lang="en-CA" sz="1200" b="0" i="0" kern="1200" dirty="0">
+            <a:endParaRPr lang="en-CA" sz="1200" b="0" i="0" kern="1200">
               <a:solidFill>
                 <a:schemeClr val="tx1"/>
               </a:solidFill>
@@ -12112,7 +12273,7 @@
             </a:endParaRPr>
           </a:p>
           <a:p>
-            <a:endParaRPr lang="en-CA" sz="1200" b="0" i="0" kern="1200" dirty="0">
+            <a:endParaRPr lang="en-CA" sz="1200" b="0" i="0" kern="1200">
               <a:solidFill>
                 <a:schemeClr val="tx1"/>
               </a:solidFill>
@@ -12122,7 +12283,7 @@
             </a:endParaRPr>
           </a:p>
           <a:p>
-            <a:endParaRPr lang="en-CA" sz="1200" b="0" i="0" kern="1200" dirty="0">
+            <a:endParaRPr lang="en-CA" sz="1200" b="0" i="0" kern="1200">
               <a:solidFill>
                 <a:schemeClr val="tx1"/>
               </a:solidFill>
@@ -12132,7 +12293,7 @@
             </a:endParaRPr>
           </a:p>
           <a:p>
-            <a:endParaRPr lang="en-CA" dirty="0"/>
+            <a:endParaRPr lang="en-CA"/>
           </a:p>
         </p:txBody>
       </p:sp>
@@ -12218,37 +12379,46 @@
           <a:lstStyle/>
           <a:p>
             <a:r>
-              <a:rPr lang="en-CA" sz="1200" dirty="0"/>
+              <a:rPr lang="en-CA" sz="1200"/>
+              <a:t>For</a:t>
+            </a:r>
+            <a:r>
+              <a:rPr lang="en-CA" sz="1200" baseline="0"/>
+              <a:t> WPAN technologies, they can adopt CoAP by adding extra hardware to support IPv6 and UDP</a:t>
+            </a:r>
+            <a:endParaRPr lang="en-CA" sz="1200"/>
+          </a:p>
+          <a:p>
+            <a:endParaRPr lang="en-CA" sz="1200"/>
+          </a:p>
+          <a:p>
+            <a:r>
+              <a:rPr lang="en-CA" sz="1200"/>
               <a:t>It provides instructions and URI format for SMS, </a:t>
             </a:r>
             <a:r>
-              <a:rPr lang="en-CA" sz="1200" dirty="0" err="1"/>
+              <a:rPr lang="en-CA" sz="1200" err="1"/>
               <a:t>Websocket</a:t>
             </a:r>
             <a:r>
-              <a:rPr lang="en-CA" sz="1200" dirty="0"/>
+              <a:rPr lang="en-CA" sz="1200"/>
               <a:t> and  TCP. </a:t>
             </a:r>
           </a:p>
           <a:p>
-            <a:endParaRPr lang="en-CA" sz="1200" dirty="0"/>
-          </a:p>
-          <a:p>
-            <a:r>
-              <a:rPr lang="en-CA" dirty="0" err="1"/>
+            <a:r>
+              <a:rPr lang="en-CA" err="1"/>
               <a:t>CoRE</a:t>
             </a:r>
             <a:r>
-              <a:rPr lang="en-CA" dirty="0"/>
+              <a:rPr lang="en-CA"/>
               <a:t> Working Group(Informational document) Internet-Draft </a:t>
             </a:r>
-          </a:p>
-          <a:p>
-            <a:endParaRPr lang="en-CA" sz="1200" dirty="0"/>
-          </a:p>
-          <a:p>
-            <a:r>
-              <a:rPr lang="en-CA" sz="1200" b="0" i="0" kern="1200" dirty="0">
+            <a:endParaRPr lang="en-CA" sz="1200"/>
+          </a:p>
+          <a:p>
+            <a:r>
+              <a:rPr lang="en-CA" sz="1200" b="0" i="0" kern="1200">
                 <a:solidFill>
                   <a:schemeClr val="tx1"/>
                 </a:solidFill>
@@ -12262,7 +12432,7 @@
           </a:p>
           <a:p>
             <a:r>
-              <a:rPr lang="en-CA" sz="1200" b="0" i="0" kern="1200" dirty="0">
+              <a:rPr lang="en-CA" sz="1200" b="0" i="0" kern="1200">
                 <a:solidFill>
                   <a:schemeClr val="tx1"/>
                 </a:solidFill>
@@ -12274,7 +12444,7 @@
               <a:t>GATT (page 2207): "This specification defines the Generic Attribute Profile that describes a service framework </a:t>
             </a:r>
             <a:r>
-              <a:rPr lang="en-CA" sz="1200" b="1" i="0" kern="1200" dirty="0">
+              <a:rPr lang="en-CA" sz="1200" b="1" i="0" kern="1200">
                 <a:solidFill>
                   <a:schemeClr val="tx1"/>
                 </a:solidFill>
@@ -12286,7 +12456,7 @@
               <a:t>using the Attribute Protocol</a:t>
             </a:r>
             <a:r>
-              <a:rPr lang="en-CA" sz="1200" b="0" i="0" kern="1200" dirty="0">
+              <a:rPr lang="en-CA" sz="1200" b="0" i="0" kern="1200">
                 <a:solidFill>
                   <a:schemeClr val="tx1"/>
                 </a:solidFill>
@@ -12299,16 +12469,16 @@
             </a:r>
           </a:p>
           <a:p>
-            <a:endParaRPr lang="en-CA" sz="1200" dirty="0"/>
-          </a:p>
-          <a:p>
-            <a:endParaRPr lang="en-CA" sz="1200" dirty="0"/>
-          </a:p>
-          <a:p>
-            <a:endParaRPr lang="en-CA" sz="1200" dirty="0"/>
-          </a:p>
-          <a:p>
-            <a:endParaRPr lang="en-CA" dirty="0"/>
+            <a:endParaRPr lang="en-CA" sz="1200"/>
+          </a:p>
+          <a:p>
+            <a:endParaRPr lang="en-CA" sz="1200"/>
+          </a:p>
+          <a:p>
+            <a:endParaRPr lang="en-CA" sz="1200"/>
+          </a:p>
+          <a:p>
+            <a:endParaRPr lang="en-CA"/>
           </a:p>
         </p:txBody>
       </p:sp>
@@ -12394,22 +12564,64 @@
           <a:lstStyle/>
           <a:p>
             <a:r>
-              <a:rPr lang="en-CA" sz="1200" dirty="0">
+              <a:rPr lang="en-CA" sz="1200">
                 <a:latin typeface="Times New Roman" panose="02020603050405020304" pitchFamily="18" charset="0"/>
                 <a:cs typeface="Times New Roman" panose="02020603050405020304" pitchFamily="18" charset="0"/>
               </a:rPr>
-              <a:t>CoAP gateway for FS20 based home automation: mapping FS20</a:t>
-            </a:r>
-            <a:r>
-              <a:rPr lang="en-CA" sz="1200" baseline="0" dirty="0">
+              <a:t>Also</a:t>
+            </a:r>
+            <a:r>
+              <a:rPr lang="en-CA" sz="1200" baseline="0">
                 <a:latin typeface="Times New Roman" panose="02020603050405020304" pitchFamily="18" charset="0"/>
                 <a:cs typeface="Times New Roman" panose="02020603050405020304" pitchFamily="18" charset="0"/>
               </a:rPr>
+              <a:t>, </a:t>
+            </a:r>
+            <a:r>
+              <a:rPr lang="en-CA" sz="1200">
+                <a:latin typeface="Times New Roman" panose="02020603050405020304" pitchFamily="18" charset="0"/>
+                <a:cs typeface="Times New Roman" panose="02020603050405020304" pitchFamily="18" charset="0"/>
+              </a:rPr>
+              <a:t>CoAP gateways are used</a:t>
+            </a:r>
+            <a:r>
+              <a:rPr lang="en-CA" sz="1200" baseline="0">
+                <a:latin typeface="Times New Roman" panose="02020603050405020304" pitchFamily="18" charset="0"/>
+                <a:cs typeface="Times New Roman" panose="02020603050405020304" pitchFamily="18" charset="0"/>
+              </a:rPr>
+              <a:t> to make protocol translation between CoAP network and WPAN. Here I list three</a:t>
+            </a:r>
+            <a:r>
+              <a:rPr lang="en-CA" sz="1200">
+                <a:latin typeface="Times New Roman" panose="02020603050405020304" pitchFamily="18" charset="0"/>
+                <a:cs typeface="Times New Roman" panose="02020603050405020304" pitchFamily="18" charset="0"/>
+              </a:rPr>
+              <a:t> related</a:t>
+            </a:r>
+            <a:r>
+              <a:rPr lang="en-CA" sz="1200" baseline="0">
+                <a:latin typeface="Times New Roman" panose="02020603050405020304" pitchFamily="18" charset="0"/>
+                <a:cs typeface="Times New Roman" panose="02020603050405020304" pitchFamily="18" charset="0"/>
+              </a:rPr>
+              <a:t> researches. </a:t>
+            </a:r>
+            <a:r>
+              <a:rPr lang="en-CA" sz="1200">
+                <a:latin typeface="Times New Roman" panose="02020603050405020304" pitchFamily="18" charset="0"/>
+                <a:cs typeface="Times New Roman" panose="02020603050405020304" pitchFamily="18" charset="0"/>
+              </a:rPr>
+              <a:t>for FS20 based home automation: mapping FS20</a:t>
+            </a:r>
+            <a:r>
+              <a:rPr lang="en-CA" sz="1200" baseline="0">
+                <a:latin typeface="Times New Roman" panose="02020603050405020304" pitchFamily="18" charset="0"/>
+                <a:cs typeface="Times New Roman" panose="02020603050405020304" pitchFamily="18" charset="0"/>
+              </a:rPr>
               <a:t> device address to CoAP resource</a:t>
             </a:r>
           </a:p>
           <a:p>
-            <a:endParaRPr lang="en-CA" sz="1200" baseline="0" dirty="0">
+            <a:endParaRPr lang="en-CA" sz="1200" baseline="0">
               <a:latin typeface="Times New Roman" panose="02020603050405020304" pitchFamily="18" charset="0"/>
               <a:cs typeface="Times New Roman" panose="02020603050405020304" pitchFamily="18" charset="0"/>
             </a:endParaRPr>
@@ -12433,44 +12645,44 @@
               <a:defRPr/>
             </a:pPr>
             <a:r>
-              <a:rPr lang="en-US" altLang="zh-CN" sz="1200" dirty="0">
+              <a:rPr lang="en-US" altLang="zh-CN" sz="1200">
                 <a:latin typeface="Times New Roman" panose="02020603050405020304" pitchFamily="18" charset="0"/>
                 <a:cs typeface="Times New Roman" panose="02020603050405020304" pitchFamily="18" charset="0"/>
               </a:rPr>
               <a:t>June</a:t>
             </a:r>
             <a:r>
-              <a:rPr lang="en-CA" altLang="zh-CN" sz="1200" dirty="0">
+              <a:rPr lang="en-CA" altLang="zh-CN" sz="1200">
                 <a:latin typeface="Times New Roman" panose="02020603050405020304" pitchFamily="18" charset="0"/>
                 <a:cs typeface="Times New Roman" panose="02020603050405020304" pitchFamily="18" charset="0"/>
               </a:rPr>
               <a:t> 8,2016, </a:t>
             </a:r>
             <a:r>
-              <a:rPr lang="en-CA" altLang="zh-CN" sz="1200" dirty="0" err="1">
+              <a:rPr lang="en-CA" altLang="zh-CN" sz="1200" err="1">
                 <a:latin typeface="Times New Roman" panose="02020603050405020304" pitchFamily="18" charset="0"/>
                 <a:cs typeface="Times New Roman" panose="02020603050405020304" pitchFamily="18" charset="0"/>
               </a:rPr>
               <a:t>JupiterMesh</a:t>
             </a:r>
             <a:r>
-              <a:rPr lang="en-CA" altLang="zh-CN" sz="1200" dirty="0">
+              <a:rPr lang="en-CA" altLang="zh-CN" sz="1200">
                 <a:latin typeface="Times New Roman" panose="02020603050405020304" pitchFamily="18" charset="0"/>
                 <a:cs typeface="Times New Roman" panose="02020603050405020304" pitchFamily="18" charset="0"/>
               </a:rPr>
               <a:t>® Neighborhood Area Network (NAN) Announced</a:t>
             </a:r>
-            <a:endParaRPr lang="en-CA" sz="1200" dirty="0">
+            <a:endParaRPr lang="en-CA" sz="1200">
               <a:latin typeface="Times New Roman" panose="02020603050405020304" pitchFamily="18" charset="0"/>
               <a:cs typeface="Times New Roman" panose="02020603050405020304" pitchFamily="18" charset="0"/>
             </a:endParaRPr>
           </a:p>
           <a:p>
-            <a:endParaRPr lang="en-CA" sz="1200" dirty="0"/>
-          </a:p>
-          <a:p>
-            <a:r>
-              <a:rPr lang="en-CA" sz="1200" b="1" i="0" kern="1200" dirty="0">
+            <a:endParaRPr lang="en-CA" sz="1200"/>
+          </a:p>
+          <a:p>
+            <a:r>
+              <a:rPr lang="en-CA" sz="1200" b="1" i="0" kern="1200">
                 <a:solidFill>
                   <a:schemeClr val="tx1"/>
                 </a:solidFill>
@@ -12482,7 +12694,7 @@
               <a:t>DNP3</a:t>
             </a:r>
             <a:r>
-              <a:rPr lang="en-CA" sz="1200" b="0" i="0" kern="1200" dirty="0">
+              <a:rPr lang="en-CA" sz="1200" b="0" i="0" kern="1200">
                 <a:solidFill>
                   <a:schemeClr val="tx1"/>
                 </a:solidFill>
@@ -12494,7 +12706,7 @@
               <a:t> (Distributed Network Protocol) is a set of </a:t>
             </a:r>
             <a:r>
-              <a:rPr lang="en-CA" sz="1200" b="0" i="0" u="none" strike="noStrike" kern="1200" dirty="0">
+              <a:rPr lang="en-CA" sz="1200" b="0" i="0" u="none" strike="noStrike" kern="1200">
                 <a:solidFill>
                   <a:schemeClr val="tx1"/>
                 </a:solidFill>
@@ -12507,7 +12719,7 @@
               <a:t>communications protocols</a:t>
             </a:r>
             <a:r>
-              <a:rPr lang="en-CA" sz="1200" b="0" i="0" kern="1200" dirty="0">
+              <a:rPr lang="en-CA" sz="1200" b="0" i="0" kern="1200">
                 <a:solidFill>
                   <a:schemeClr val="tx1"/>
                 </a:solidFill>
@@ -12519,7 +12731,7 @@
               <a:t> used between components in </a:t>
             </a:r>
             <a:r>
-              <a:rPr lang="en-CA" sz="1200" b="0" i="0" u="none" strike="noStrike" kern="1200" dirty="0">
+              <a:rPr lang="en-CA" sz="1200" b="0" i="0" u="none" strike="noStrike" kern="1200">
                 <a:solidFill>
                   <a:schemeClr val="tx1"/>
                 </a:solidFill>
@@ -12532,7 +12744,7 @@
               <a:t>process automation</a:t>
             </a:r>
             <a:r>
-              <a:rPr lang="en-CA" sz="1200" b="0" i="0" kern="1200" dirty="0">
+              <a:rPr lang="en-CA" sz="1200" b="0" i="0" kern="1200">
                 <a:solidFill>
                   <a:schemeClr val="tx1"/>
                 </a:solidFill>
@@ -12544,7 +12756,7 @@
               <a:t> systems. Its main use is in utilities such as electric and water companies. Usage in other industries is not common. It was developed for communications between various types of </a:t>
             </a:r>
             <a:r>
-              <a:rPr lang="en-CA" sz="1200" b="0" i="0" u="none" strike="noStrike" kern="1200" dirty="0">
+              <a:rPr lang="en-CA" sz="1200" b="0" i="0" u="none" strike="noStrike" kern="1200">
                 <a:solidFill>
                   <a:schemeClr val="tx1"/>
                 </a:solidFill>
@@ -12557,7 +12769,7 @@
               <a:t>data acquisition</a:t>
             </a:r>
             <a:r>
-              <a:rPr lang="en-CA" sz="1200" b="0" i="0" kern="1200" dirty="0">
+              <a:rPr lang="en-CA" sz="1200" b="0" i="0" kern="1200">
                 <a:solidFill>
                   <a:schemeClr val="tx1"/>
                 </a:solidFill>
@@ -12569,7 +12781,7 @@
               <a:t> and control equipment. It plays a crucial role in </a:t>
             </a:r>
             <a:r>
-              <a:rPr lang="en-CA" sz="1200" b="0" i="0" u="none" strike="noStrike" kern="1200" dirty="0">
+              <a:rPr lang="en-CA" sz="1200" b="0" i="0" u="none" strike="noStrike" kern="1200">
                 <a:solidFill>
                   <a:schemeClr val="tx1"/>
                 </a:solidFill>
@@ -12582,7 +12794,7 @@
               <a:t>SCADA</a:t>
             </a:r>
             <a:r>
-              <a:rPr lang="en-CA" sz="1200" b="0" i="0" kern="1200" dirty="0">
+              <a:rPr lang="en-CA" sz="1200" b="0" i="0" kern="1200">
                 <a:solidFill>
                   <a:schemeClr val="tx1"/>
                 </a:solidFill>
@@ -12593,13 +12805,13 @@
               </a:rPr>
               <a:t> systems, </a:t>
             </a:r>
-            <a:endParaRPr lang="en-CA" sz="1200" dirty="0"/>
-          </a:p>
-          <a:p>
-            <a:endParaRPr lang="en-CA" sz="1200" dirty="0"/>
-          </a:p>
-          <a:p>
-            <a:endParaRPr lang="en-CA" dirty="0"/>
+            <a:endParaRPr lang="en-CA" sz="1200"/>
+          </a:p>
+          <a:p>
+            <a:endParaRPr lang="en-CA" sz="1200"/>
+          </a:p>
+          <a:p>
+            <a:endParaRPr lang="en-CA"/>
           </a:p>
         </p:txBody>
       </p:sp>
@@ -12685,47 +12897,96 @@
           <a:lstStyle/>
           <a:p>
             <a:r>
-              <a:rPr lang="en-CA" sz="1200" dirty="0">
+              <a:rPr lang="en-CA" sz="1200">
                 <a:latin typeface="Times New Roman" panose="02020603050405020304" pitchFamily="18" charset="0"/>
                 <a:cs typeface="Times New Roman" panose="02020603050405020304" pitchFamily="18" charset="0"/>
               </a:rPr>
-              <a:t>Currently, there are two ways to introduce CoAP in wireless personal area network.</a:t>
-            </a:r>
-          </a:p>
-          <a:p>
-            <a:pPr marL="342900" indent="-342900">
-              <a:buFont typeface="Arial" panose="020B0604020202020204" pitchFamily="34" charset="0"/>
-              <a:buChar char="•"/>
-            </a:pPr>
-            <a:r>
-              <a:rPr lang="en-CA" sz="1200" dirty="0">
+              <a:t>After evaluating</a:t>
+            </a:r>
+            <a:r>
+              <a:rPr lang="en-CA" sz="1200" baseline="0">
                 <a:latin typeface="Times New Roman" panose="02020603050405020304" pitchFamily="18" charset="0"/>
                 <a:cs typeface="Times New Roman" panose="02020603050405020304" pitchFamily="18" charset="0"/>
               </a:rPr>
-              <a:t>New hardware layer </a:t>
-            </a:r>
-          </a:p>
-          <a:p>
-            <a:pPr marL="342900" indent="-342900">
-              <a:buFont typeface="Arial" panose="020B0604020202020204" pitchFamily="34" charset="0"/>
-              <a:buChar char="•"/>
-            </a:pPr>
-            <a:r>
-              <a:rPr lang="en-CA" sz="1200" dirty="0">
+              <a:t> relative</a:t>
+            </a:r>
+            <a:r>
+              <a:rPr lang="en-US" altLang="zh-CN" sz="1200" baseline="0">
                 <a:latin typeface="Times New Roman" panose="02020603050405020304" pitchFamily="18" charset="0"/>
                 <a:cs typeface="Times New Roman" panose="02020603050405020304" pitchFamily="18" charset="0"/>
               </a:rPr>
-              <a:t>Protocol transfer at gate way</a:t>
-            </a:r>
-          </a:p>
-          <a:p>
-            <a:endParaRPr lang="en-CA" sz="1200" dirty="0">
+              <a:t>d</a:t>
+            </a:r>
+            <a:r>
+              <a:rPr lang="en-CA" sz="1200" baseline="0">
+                <a:latin typeface="Times New Roman" panose="02020603050405020304" pitchFamily="18" charset="0"/>
+                <a:cs typeface="Times New Roman" panose="02020603050405020304" pitchFamily="18" charset="0"/>
+              </a:rPr>
+              <a:t> works, </a:t>
+            </a:r>
+            <a:r>
+              <a:rPr lang="en-US" altLang="zh-CN" sz="1200" baseline="0">
+                <a:latin typeface="Times New Roman" panose="02020603050405020304" pitchFamily="18" charset="0"/>
+                <a:cs typeface="Times New Roman" panose="02020603050405020304" pitchFamily="18" charset="0"/>
+              </a:rPr>
+              <a:t>I</a:t>
+            </a:r>
+            <a:r>
+              <a:rPr lang="zh-CN" altLang="en-US" sz="1200" baseline="0">
+                <a:latin typeface="Times New Roman" panose="02020603050405020304" pitchFamily="18" charset="0"/>
+                <a:cs typeface="Times New Roman" panose="02020603050405020304" pitchFamily="18" charset="0"/>
+              </a:rPr>
+              <a:t> </a:t>
+            </a:r>
+            <a:r>
+              <a:rPr lang="en-CA" altLang="zh-CN" sz="1200" baseline="0">
+                <a:latin typeface="Times New Roman" panose="02020603050405020304" pitchFamily="18" charset="0"/>
+                <a:cs typeface="Times New Roman" panose="02020603050405020304" pitchFamily="18" charset="0"/>
+              </a:rPr>
+              <a:t>was thinking we can not directly use CoAP in WPAN without adding </a:t>
+            </a:r>
+            <a:r>
+              <a:rPr lang="en-CA" sz="1200">
+                <a:latin typeface="Times New Roman" panose="02020603050405020304" pitchFamily="18" charset="0"/>
+                <a:cs typeface="Times New Roman" panose="02020603050405020304" pitchFamily="18" charset="0"/>
+              </a:rPr>
+              <a:t>hardware layer or adopting protocol translation</a:t>
+            </a:r>
+          </a:p>
+          <a:p>
+            <a:endParaRPr lang="en-CA" sz="1200">
               <a:latin typeface="Times New Roman" panose="02020603050405020304" pitchFamily="18" charset="0"/>
               <a:cs typeface="Times New Roman" panose="02020603050405020304" pitchFamily="18" charset="0"/>
             </a:endParaRPr>
           </a:p>
           <a:p>
-            <a:endParaRPr lang="en-CA" sz="1200" dirty="0">
+            <a:r>
+              <a:rPr lang="en-CA" sz="1200">
+                <a:latin typeface="Times New Roman" panose="02020603050405020304" pitchFamily="18" charset="0"/>
+                <a:cs typeface="Times New Roman" panose="02020603050405020304" pitchFamily="18" charset="0"/>
+              </a:rPr>
+              <a:t>Therefore,</a:t>
+            </a:r>
+            <a:r>
+              <a:rPr lang="en-CA" sz="1200" baseline="0">
+                <a:latin typeface="Times New Roman" panose="02020603050405020304" pitchFamily="18" charset="0"/>
+                <a:cs typeface="Times New Roman" panose="02020603050405020304" pitchFamily="18" charset="0"/>
+              </a:rPr>
+              <a:t> I propose to build a software architecture to make </a:t>
+            </a:r>
+            <a:endParaRPr lang="en-CA" sz="1200">
+              <a:latin typeface="Times New Roman" panose="02020603050405020304" pitchFamily="18" charset="0"/>
+              <a:cs typeface="Times New Roman" panose="02020603050405020304" pitchFamily="18" charset="0"/>
+            </a:endParaRPr>
+          </a:p>
+          <a:p>
+            <a:endParaRPr lang="en-CA" sz="1200">
+              <a:latin typeface="Times New Roman" panose="02020603050405020304" pitchFamily="18" charset="0"/>
+              <a:cs typeface="Times New Roman" panose="02020603050405020304" pitchFamily="18" charset="0"/>
+            </a:endParaRPr>
+          </a:p>
+          <a:p>
+            <a:endParaRPr lang="en-CA" sz="1200">
               <a:latin typeface="Times New Roman" panose="02020603050405020304" pitchFamily="18" charset="0"/>
               <a:cs typeface="Times New Roman" panose="02020603050405020304" pitchFamily="18" charset="0"/>
             </a:endParaRPr>
@@ -12818,7 +13079,7 @@
               <a:buChar char="•"/>
             </a:pPr>
             <a:r>
-              <a:rPr lang="en-CA" sz="1200" dirty="0">
+              <a:rPr lang="en-CA" sz="1200">
                 <a:latin typeface="Times New Roman" panose="02020603050405020304" pitchFamily="18" charset="0"/>
                 <a:cs typeface="Times New Roman" panose="02020603050405020304" pitchFamily="18" charset="0"/>
               </a:rPr>
@@ -12831,7 +13092,7 @@
               <a:buChar char="•"/>
             </a:pPr>
             <a:r>
-              <a:rPr lang="en-CA" sz="1200" dirty="0">
+              <a:rPr lang="en-CA" sz="1200">
                 <a:latin typeface="Times New Roman" panose="02020603050405020304" pitchFamily="18" charset="0"/>
                 <a:cs typeface="Times New Roman" panose="02020603050405020304" pitchFamily="18" charset="0"/>
               </a:rPr>
@@ -12844,7 +13105,7 @@
               <a:buChar char="•"/>
             </a:pPr>
             <a:r>
-              <a:rPr lang="en-CA" sz="1200" dirty="0">
+              <a:rPr lang="en-CA" sz="1200">
                 <a:latin typeface="Times New Roman" panose="02020603050405020304" pitchFamily="18" charset="0"/>
                 <a:cs typeface="Times New Roman" panose="02020603050405020304" pitchFamily="18" charset="0"/>
               </a:rPr>
@@ -12857,7 +13118,7 @@
               <a:buChar char="•"/>
             </a:pPr>
             <a:r>
-              <a:rPr lang="en-CA" sz="1200" dirty="0">
+              <a:rPr lang="en-CA" sz="1200">
                 <a:latin typeface="Times New Roman" panose="02020603050405020304" pitchFamily="18" charset="0"/>
                 <a:cs typeface="Times New Roman" panose="02020603050405020304" pitchFamily="18" charset="0"/>
               </a:rPr>
@@ -12948,26 +13209,26 @@
           <a:lstStyle/>
           <a:p>
             <a:r>
-              <a:rPr lang="en-CA" sz="1200" dirty="0">
+              <a:rPr lang="en-CA" sz="1200">
                 <a:latin typeface="Times New Roman" panose="02020603050405020304" pitchFamily="18" charset="0"/>
                 <a:cs typeface="Times New Roman" panose="02020603050405020304" pitchFamily="18" charset="0"/>
               </a:rPr>
               <a:t>Application layer consists</a:t>
             </a:r>
             <a:r>
-              <a:rPr lang="en-CA" sz="1200" baseline="0" dirty="0">
+              <a:rPr lang="en-CA" sz="1200" baseline="0">
                 <a:latin typeface="Times New Roman" panose="02020603050405020304" pitchFamily="18" charset="0"/>
                 <a:cs typeface="Times New Roman" panose="02020603050405020304" pitchFamily="18" charset="0"/>
               </a:rPr>
               <a:t> of process component &amp; communication component </a:t>
             </a:r>
-            <a:endParaRPr lang="en-CA" sz="1200" dirty="0">
+            <a:endParaRPr lang="en-CA" sz="1200">
               <a:latin typeface="Times New Roman" panose="02020603050405020304" pitchFamily="18" charset="0"/>
               <a:cs typeface="Times New Roman" panose="02020603050405020304" pitchFamily="18" charset="0"/>
             </a:endParaRPr>
           </a:p>
           <a:p>
-            <a:endParaRPr lang="en-CA" dirty="0"/>
+            <a:endParaRPr lang="en-CA"/>
           </a:p>
         </p:txBody>
       </p:sp>
@@ -13140,9 +13401,9 @@
             <a:fld id="{B61BEF0D-F0BB-DE4B-95CE-6DB70DBA9567}" type="datetimeFigureOut">
               <a:rPr lang="en-US" smtClean="0"/>
               <a:pPr/>
-              <a:t>6/20/2016</a:t>
+              <a:t>6/23/2016</a:t>
             </a:fld>
-            <a:endParaRPr lang="en-US" dirty="0"/>
+            <a:endParaRPr lang="en-US"/>
           </a:p>
         </p:txBody>
       </p:sp>
@@ -13161,7 +13422,7 @@
           <a:bodyPr/>
           <a:lstStyle/>
           <a:p>
-            <a:endParaRPr lang="en-US" dirty="0"/>
+            <a:endParaRPr lang="en-US"/>
           </a:p>
         </p:txBody>
       </p:sp>
@@ -13185,7 +13446,7 @@
               <a:pPr/>
               <a:t>‹#›</a:t>
             </a:fld>
-            <a:endParaRPr lang="en-US" dirty="0"/>
+            <a:endParaRPr lang="en-US"/>
           </a:p>
         </p:txBody>
       </p:sp>
@@ -13460,9 +13721,9 @@
           <a:p>
             <a:fld id="{70DDF080-5E8C-48AD-84E5-6C08B304C14E}" type="datetimeFigureOut">
               <a:rPr lang="en-US" smtClean="0"/>
-              <a:t>6/20/2016</a:t>
+              <a:t>6/23/2016</a:t>
             </a:fld>
-            <a:endParaRPr lang="en-US" dirty="0"/>
+            <a:endParaRPr lang="en-US"/>
           </a:p>
         </p:txBody>
       </p:sp>
@@ -13481,7 +13742,7 @@
           <a:bodyPr/>
           <a:lstStyle/>
           <a:p>
-            <a:endParaRPr lang="en-US" dirty="0"/>
+            <a:endParaRPr lang="en-US"/>
           </a:p>
         </p:txBody>
       </p:sp>
@@ -13504,7 +13765,7 @@
               <a:rPr lang="en-US" smtClean="0"/>
               <a:t>‹#›</a:t>
             </a:fld>
-            <a:endParaRPr lang="en-US" dirty="0"/>
+            <a:endParaRPr lang="en-US"/>
           </a:p>
         </p:txBody>
       </p:sp>
@@ -13641,9 +13902,9 @@
             <a:fld id="{B61BEF0D-F0BB-DE4B-95CE-6DB70DBA9567}" type="datetimeFigureOut">
               <a:rPr lang="en-US" smtClean="0"/>
               <a:pPr/>
-              <a:t>6/20/2016</a:t>
+              <a:t>6/23/2016</a:t>
             </a:fld>
-            <a:endParaRPr lang="en-US" dirty="0"/>
+            <a:endParaRPr lang="en-US"/>
           </a:p>
         </p:txBody>
       </p:sp>
@@ -13662,7 +13923,7 @@
           <a:bodyPr/>
           <a:lstStyle/>
           <a:p>
-            <a:endParaRPr lang="en-US" dirty="0"/>
+            <a:endParaRPr lang="en-US"/>
           </a:p>
         </p:txBody>
       </p:sp>
@@ -13686,7 +13947,7 @@
               <a:pPr/>
               <a:t>‹#›</a:t>
             </a:fld>
-            <a:endParaRPr lang="en-US" dirty="0"/>
+            <a:endParaRPr lang="en-US"/>
           </a:p>
         </p:txBody>
       </p:sp>
@@ -14304,9 +14565,9 @@
           <a:p>
             <a:fld id="{70DDF080-5E8C-48AD-84E5-6C08B304C14E}" type="datetimeFigureOut">
               <a:rPr lang="en-US" smtClean="0"/>
-              <a:t>6/20/2016</a:t>
+              <a:t>6/23/2016</a:t>
             </a:fld>
-            <a:endParaRPr lang="en-US" dirty="0"/>
+            <a:endParaRPr lang="en-US"/>
           </a:p>
         </p:txBody>
       </p:sp>
@@ -14325,7 +14586,7 @@
           <a:bodyPr/>
           <a:lstStyle/>
           <a:p>
-            <a:endParaRPr lang="en-US" dirty="0"/>
+            <a:endParaRPr lang="en-US"/>
           </a:p>
         </p:txBody>
       </p:sp>
@@ -14348,7 +14609,7 @@
               <a:rPr lang="en-US" smtClean="0"/>
               <a:t>‹#›</a:t>
             </a:fld>
-            <a:endParaRPr lang="en-US" dirty="0"/>
+            <a:endParaRPr lang="en-US"/>
           </a:p>
         </p:txBody>
       </p:sp>
@@ -14551,9 +14812,9 @@
             <a:fld id="{B61BEF0D-F0BB-DE4B-95CE-6DB70DBA9567}" type="datetimeFigureOut">
               <a:rPr lang="en-US" smtClean="0"/>
               <a:pPr/>
-              <a:t>6/20/2016</a:t>
+              <a:t>6/23/2016</a:t>
             </a:fld>
-            <a:endParaRPr lang="en-US" dirty="0"/>
+            <a:endParaRPr lang="en-US"/>
           </a:p>
         </p:txBody>
       </p:sp>
@@ -14572,7 +14833,7 @@
           <a:bodyPr/>
           <a:lstStyle/>
           <a:p>
-            <a:endParaRPr lang="en-US" dirty="0"/>
+            <a:endParaRPr lang="en-US"/>
           </a:p>
         </p:txBody>
       </p:sp>
@@ -14596,7 +14857,7 @@
               <a:pPr/>
               <a:t>‹#›</a:t>
             </a:fld>
-            <a:endParaRPr lang="en-US" dirty="0"/>
+            <a:endParaRPr lang="en-US"/>
           </a:p>
         </p:txBody>
       </p:sp>
@@ -14785,9 +15046,9 @@
             <a:fld id="{B61BEF0D-F0BB-DE4B-95CE-6DB70DBA9567}" type="datetimeFigureOut">
               <a:rPr lang="en-US" smtClean="0"/>
               <a:pPr/>
-              <a:t>6/20/2016</a:t>
+              <a:t>6/23/2016</a:t>
             </a:fld>
-            <a:endParaRPr lang="en-US" dirty="0"/>
+            <a:endParaRPr lang="en-US"/>
           </a:p>
         </p:txBody>
       </p:sp>
@@ -14806,7 +15067,7 @@
           <a:bodyPr/>
           <a:lstStyle/>
           <a:p>
-            <a:endParaRPr lang="en-US" dirty="0"/>
+            <a:endParaRPr lang="en-US"/>
           </a:p>
         </p:txBody>
       </p:sp>
@@ -14830,7 +15091,7 @@
               <a:pPr/>
               <a:t>‹#›</a:t>
             </a:fld>
-            <a:endParaRPr lang="en-US" dirty="0"/>
+            <a:endParaRPr lang="en-US"/>
           </a:p>
         </p:txBody>
       </p:sp>
@@ -15154,9 +15415,9 @@
             <a:fld id="{B61BEF0D-F0BB-DE4B-95CE-6DB70DBA9567}" type="datetimeFigureOut">
               <a:rPr lang="en-US" smtClean="0"/>
               <a:pPr/>
-              <a:t>6/20/2016</a:t>
+              <a:t>6/23/2016</a:t>
             </a:fld>
-            <a:endParaRPr lang="en-US" dirty="0"/>
+            <a:endParaRPr lang="en-US"/>
           </a:p>
         </p:txBody>
       </p:sp>
@@ -15175,7 +15436,7 @@
           <a:bodyPr/>
           <a:lstStyle/>
           <a:p>
-            <a:endParaRPr lang="en-US" dirty="0"/>
+            <a:endParaRPr lang="en-US"/>
           </a:p>
         </p:txBody>
       </p:sp>
@@ -15199,7 +15460,7 @@
               <a:pPr/>
               <a:t>‹#›</a:t>
             </a:fld>
-            <a:endParaRPr lang="en-US" dirty="0"/>
+            <a:endParaRPr lang="en-US"/>
           </a:p>
         </p:txBody>
       </p:sp>
@@ -15274,9 +15535,9 @@
             <a:fld id="{B61BEF0D-F0BB-DE4B-95CE-6DB70DBA9567}" type="datetimeFigureOut">
               <a:rPr lang="en-US" smtClean="0"/>
               <a:pPr/>
-              <a:t>6/20/2016</a:t>
+              <a:t>6/23/2016</a:t>
             </a:fld>
-            <a:endParaRPr lang="en-US" dirty="0"/>
+            <a:endParaRPr lang="en-US"/>
           </a:p>
         </p:txBody>
       </p:sp>
@@ -15295,7 +15556,7 @@
           <a:bodyPr/>
           <a:lstStyle/>
           <a:p>
-            <a:endParaRPr lang="en-US" dirty="0"/>
+            <a:endParaRPr lang="en-US"/>
           </a:p>
         </p:txBody>
       </p:sp>
@@ -15319,7 +15580,7 @@
               <a:pPr/>
               <a:t>‹#›</a:t>
             </a:fld>
-            <a:endParaRPr lang="en-US" dirty="0"/>
+            <a:endParaRPr lang="en-US"/>
           </a:p>
         </p:txBody>
       </p:sp>
@@ -15371,9 +15632,9 @@
             <a:fld id="{B61BEF0D-F0BB-DE4B-95CE-6DB70DBA9567}" type="datetimeFigureOut">
               <a:rPr lang="en-US" smtClean="0"/>
               <a:pPr/>
-              <a:t>6/20/2016</a:t>
+              <a:t>6/23/2016</a:t>
             </a:fld>
-            <a:endParaRPr lang="en-US" dirty="0"/>
+            <a:endParaRPr lang="en-US"/>
           </a:p>
         </p:txBody>
       </p:sp>
@@ -15392,7 +15653,7 @@
           <a:bodyPr/>
           <a:lstStyle/>
           <a:p>
-            <a:endParaRPr lang="en-US" dirty="0"/>
+            <a:endParaRPr lang="en-US"/>
           </a:p>
         </p:txBody>
       </p:sp>
@@ -15416,7 +15677,7 @@
               <a:pPr/>
               <a:t>‹#›</a:t>
             </a:fld>
-            <a:endParaRPr lang="en-US" dirty="0"/>
+            <a:endParaRPr lang="en-US"/>
           </a:p>
         </p:txBody>
       </p:sp>
@@ -15649,9 +15910,9 @@
           <a:p>
             <a:fld id="{70DDF080-5E8C-48AD-84E5-6C08B304C14E}" type="datetimeFigureOut">
               <a:rPr lang="en-US" smtClean="0"/>
-              <a:t>6/20/2016</a:t>
+              <a:t>6/23/2016</a:t>
             </a:fld>
-            <a:endParaRPr lang="en-US" dirty="0"/>
+            <a:endParaRPr lang="en-US"/>
           </a:p>
         </p:txBody>
       </p:sp>
@@ -15670,7 +15931,7 @@
           <a:bodyPr/>
           <a:lstStyle/>
           <a:p>
-            <a:endParaRPr lang="en-US" dirty="0"/>
+            <a:endParaRPr lang="en-US"/>
           </a:p>
         </p:txBody>
       </p:sp>
@@ -15693,7 +15954,7 @@
               <a:rPr lang="en-US" smtClean="0"/>
               <a:t>‹#›</a:t>
             </a:fld>
-            <a:endParaRPr lang="en-US" dirty="0"/>
+            <a:endParaRPr lang="en-US"/>
           </a:p>
         </p:txBody>
       </p:sp>
@@ -15903,9 +16164,9 @@
             <a:fld id="{B61BEF0D-F0BB-DE4B-95CE-6DB70DBA9567}" type="datetimeFigureOut">
               <a:rPr lang="en-US" smtClean="0"/>
               <a:pPr/>
-              <a:t>6/20/2016</a:t>
+              <a:t>6/23/2016</a:t>
             </a:fld>
-            <a:endParaRPr lang="en-US" dirty="0"/>
+            <a:endParaRPr lang="en-US"/>
           </a:p>
         </p:txBody>
       </p:sp>
@@ -15924,7 +16185,7 @@
           <a:bodyPr/>
           <a:lstStyle/>
           <a:p>
-            <a:endParaRPr lang="en-US" dirty="0"/>
+            <a:endParaRPr lang="en-US"/>
           </a:p>
         </p:txBody>
       </p:sp>
@@ -15948,7 +16209,7 @@
               <a:pPr/>
               <a:t>‹#›</a:t>
             </a:fld>
-            <a:endParaRPr lang="en-US" dirty="0"/>
+            <a:endParaRPr lang="en-US"/>
           </a:p>
         </p:txBody>
       </p:sp>
@@ -16118,9 +16379,9 @@
             <a:fld id="{B61BEF0D-F0BB-DE4B-95CE-6DB70DBA9567}" type="datetimeFigureOut">
               <a:rPr lang="en-US" smtClean="0"/>
               <a:pPr/>
-              <a:t>6/20/2016</a:t>
+              <a:t>6/23/2016</a:t>
             </a:fld>
-            <a:endParaRPr lang="en-US" dirty="0"/>
+            <a:endParaRPr lang="en-US"/>
           </a:p>
         </p:txBody>
       </p:sp>
@@ -16157,7 +16418,7 @@
             </a:lvl1pPr>
           </a:lstStyle>
           <a:p>
-            <a:endParaRPr lang="en-US" dirty="0"/>
+            <a:endParaRPr lang="en-US"/>
           </a:p>
         </p:txBody>
       </p:sp>
@@ -16199,7 +16460,7 @@
               <a:pPr/>
               <a:t>‹#›</a:t>
             </a:fld>
-            <a:endParaRPr lang="en-US" dirty="0"/>
+            <a:endParaRPr lang="en-US"/>
           </a:p>
         </p:txBody>
       </p:sp>
@@ -16343,7 +16604,7 @@
               <a:defRPr/>
             </a:pPr>
             <a:r>
-              <a:rPr lang="en-US" sz="2000" dirty="0" err="1">
+              <a:rPr lang="en-US" sz="2000" err="1">
                 <a:solidFill>
                   <a:srgbClr val="FFFFFF"/>
                 </a:solidFill>
@@ -16353,7 +16614,7 @@
               </a:rPr>
               <a:t>www.usask.ca</a:t>
             </a:r>
-            <a:endParaRPr lang="en-US" sz="2000" dirty="0">
+            <a:endParaRPr lang="en-US" sz="2000">
               <a:solidFill>
                 <a:srgbClr val="FFFFFF"/>
               </a:solidFill>
@@ -16727,6 +16988,14 @@
 <file path=ppt/slides/slide1.xml><?xml version="1.0" encoding="utf-8"?>
 <p:sld xmlns:a="http://schemas.openxmlformats.org/drawingml/2006/main" xmlns:r="http://schemas.openxmlformats.org/officeDocument/2006/relationships" xmlns:p="http://schemas.openxmlformats.org/presentationml/2006/main">
   <p:cSld>
+    <p:bg>
+      <p:bgPr>
+        <a:solidFill>
+          <a:schemeClr val="bg1"/>
+        </a:solidFill>
+        <a:effectLst/>
+      </p:bgPr>
+    </p:bg>
     <p:spTree>
       <p:nvGrpSpPr>
         <p:cNvPr id="1" name=""/>
@@ -16810,13 +17079,13 @@
               <a:defRPr/>
             </a:pPr>
             <a:r>
-              <a:rPr lang="en-CA" sz="3600" dirty="0">
+              <a:rPr lang="en-CA" sz="3600">
                 <a:latin typeface="Times New Roman" panose="02020603050405020304" pitchFamily="18" charset="0"/>
                 <a:cs typeface="Times New Roman" panose="02020603050405020304" pitchFamily="18" charset="0"/>
               </a:rPr>
               <a:t>Bluetooth Low Energy Based CoAP Communication in IoT</a:t>
             </a:r>
-            <a:endParaRPr lang="en-US" sz="3600" dirty="0">
+            <a:endParaRPr lang="en-US" sz="3600">
               <a:latin typeface="Times New Roman" panose="02020603050405020304" pitchFamily="18" charset="0"/>
               <a:cs typeface="Times New Roman" panose="02020603050405020304" pitchFamily="18" charset="0"/>
             </a:endParaRPr>
@@ -16844,18 +17113,130 @@
           <a:lstStyle/>
           <a:p>
             <a:r>
-              <a:rPr lang="en-CA" dirty="0">
+              <a:rPr lang="en-CA">
                 <a:latin typeface="Times New Roman" panose="02020603050405020304" pitchFamily="18" charset="0"/>
                 <a:ea typeface="ＭＳ Ｐゴシック" charset="0"/>
                 <a:cs typeface="Times New Roman" panose="02020603050405020304" pitchFamily="18" charset="0"/>
               </a:rPr>
               <a:t>---- CoAPNonIP: An Architecture Grants CoAP in WPAN </a:t>
             </a:r>
-            <a:endParaRPr lang="en-US" dirty="0">
+            <a:endParaRPr lang="en-US">
               <a:latin typeface="Times New Roman" panose="02020603050405020304" pitchFamily="18" charset="0"/>
               <a:ea typeface="ＭＳ Ｐゴシック" charset="0"/>
               <a:cs typeface="Times New Roman" panose="02020603050405020304" pitchFamily="18" charset="0"/>
             </a:endParaRPr>
+          </a:p>
+        </p:txBody>
+      </p:sp>
+      <p:sp>
+        <p:nvSpPr>
+          <p:cNvPr id="4" name="Rectangle 3"/>
+          <p:cNvSpPr/>
+          <p:nvPr/>
+        </p:nvSpPr>
+        <p:spPr>
+          <a:xfrm>
+            <a:off x="7239600" y="6012000"/>
+            <a:ext cx="1936800" cy="252000"/>
+          </a:xfrm>
+          <a:prstGeom prst="rect">
+            <a:avLst/>
+          </a:prstGeom>
+          <a:gradFill flip="none" rotWithShape="1">
+            <a:gsLst>
+              <a:gs pos="0">
+                <a:schemeClr val="accent6">
+                  <a:shade val="30000"/>
+                  <a:satMod val="115000"/>
+                </a:schemeClr>
+              </a:gs>
+              <a:gs pos="50000">
+                <a:schemeClr val="accent6">
+                  <a:shade val="67500"/>
+                  <a:satMod val="115000"/>
+                </a:schemeClr>
+              </a:gs>
+              <a:gs pos="100000">
+                <a:srgbClr val="73BA40"/>
+              </a:gs>
+            </a:gsLst>
+            <a:path path="circle">
+              <a:fillToRect l="100000" t="100000"/>
+            </a:path>
+            <a:tileRect r="-100000" b="-100000"/>
+          </a:gradFill>
+          <a:ln>
+            <a:noFill/>
+          </a:ln>
+        </p:spPr>
+        <p:style>
+          <a:lnRef idx="0">
+            <a:scrgbClr r="0" g="0" b="0"/>
+          </a:lnRef>
+          <a:fillRef idx="0">
+            <a:scrgbClr r="0" g="0" b="0"/>
+          </a:fillRef>
+          <a:effectRef idx="0">
+            <a:scrgbClr r="0" g="0" b="0"/>
+          </a:effectRef>
+          <a:fontRef idx="minor">
+            <a:schemeClr val="lt1"/>
+          </a:fontRef>
+        </p:style>
+        <p:txBody>
+          <a:bodyPr rtlCol="0" anchor="ctr"/>
+          <a:lstStyle/>
+          <a:p>
+            <a:pPr algn="ctr"/>
+            <a:endParaRPr lang="en-CA"/>
+          </a:p>
+        </p:txBody>
+      </p:sp>
+      <p:sp>
+        <p:nvSpPr>
+          <p:cNvPr id="10" name="Rectangle 9"/>
+          <p:cNvSpPr/>
+          <p:nvPr/>
+        </p:nvSpPr>
+        <p:spPr>
+          <a:xfrm>
+            <a:off x="9109680" y="3352800"/>
+            <a:ext cx="64800" cy="2379600"/>
+          </a:xfrm>
+          <a:prstGeom prst="rect">
+            <a:avLst/>
+          </a:prstGeom>
+          <a:solidFill>
+            <a:srgbClr val="FFFFFF"/>
+          </a:solidFill>
+          <a:ln>
+            <a:solidFill>
+              <a:schemeClr val="bg1"/>
+            </a:solidFill>
+          </a:ln>
+        </p:spPr>
+        <p:style>
+          <a:lnRef idx="2">
+            <a:schemeClr val="accent1">
+              <a:shade val="50000"/>
+            </a:schemeClr>
+          </a:lnRef>
+          <a:fillRef idx="1">
+            <a:schemeClr val="accent1"/>
+          </a:fillRef>
+          <a:effectRef idx="0">
+            <a:schemeClr val="accent1"/>
+          </a:effectRef>
+          <a:fontRef idx="minor">
+            <a:schemeClr val="lt1"/>
+          </a:fontRef>
+        </p:style>
+        <p:txBody>
+          <a:bodyPr rtlCol="0" anchor="ctr"/>
+          <a:lstStyle/>
+          <a:p>
+            <a:pPr algn="ctr"/>
+            <a:endParaRPr lang="en-CA"/>
           </a:p>
         </p:txBody>
       </p:sp>
@@ -16907,7 +17288,7 @@
           <a:lstStyle/>
           <a:p>
             <a:r>
-              <a:rPr lang="en-CA" dirty="0">
+              <a:rPr lang="en-CA">
                 <a:latin typeface="Times New Roman" panose="02020603050405020304" pitchFamily="18" charset="0"/>
                 <a:cs typeface="Times New Roman" panose="02020603050405020304" pitchFamily="18" charset="0"/>
               </a:rPr>
@@ -17139,7 +17520,7 @@
               <a:buNone/>
             </a:pPr>
             <a:r>
-              <a:rPr lang="en-CA" sz="2400" kern="0" dirty="0">
+              <a:rPr lang="en-CA" sz="2400" kern="0">
                 <a:latin typeface="Times New Roman" panose="02020603050405020304" pitchFamily="18" charset="0"/>
                 <a:cs typeface="Times New Roman" panose="02020603050405020304" pitchFamily="18" charset="0"/>
               </a:rPr>
@@ -17174,7 +17555,7 @@
               <a:buFont typeface="Arial" panose="020B0604020202020204" pitchFamily="34" charset="0"/>
               <a:buChar char="•"/>
             </a:pPr>
-            <a:endParaRPr lang="en-CA" sz="2000" dirty="0">
+            <a:endParaRPr lang="en-CA" sz="2000">
               <a:latin typeface="Times New Roman" panose="02020603050405020304" pitchFamily="18" charset="0"/>
               <a:cs typeface="Times New Roman" panose="02020603050405020304" pitchFamily="18" charset="0"/>
             </a:endParaRPr>
@@ -17204,7 +17585,7 @@
           <a:lstStyle/>
           <a:p>
             <a:r>
-              <a:rPr lang="en-CA" sz="2000" dirty="0">
+              <a:rPr lang="en-CA" sz="2000">
                 <a:latin typeface="Times New Roman" panose="02020603050405020304" pitchFamily="18" charset="0"/>
                 <a:cs typeface="Times New Roman" panose="02020603050405020304" pitchFamily="18" charset="0"/>
               </a:rPr>
@@ -17217,7 +17598,7 @@
               <a:buChar char="•"/>
             </a:pPr>
             <a:r>
-              <a:rPr lang="en-CA" sz="2000" dirty="0">
+              <a:rPr lang="en-CA" sz="2000">
                 <a:latin typeface="Times New Roman" panose="02020603050405020304" pitchFamily="18" charset="0"/>
                 <a:cs typeface="Times New Roman" panose="02020603050405020304" pitchFamily="18" charset="0"/>
               </a:rPr>
@@ -17230,7 +17611,7 @@
               <a:buChar char="•"/>
             </a:pPr>
             <a:r>
-              <a:rPr lang="en-CA" sz="2000" dirty="0">
+              <a:rPr lang="en-CA" sz="2000">
                 <a:latin typeface="Times New Roman" panose="02020603050405020304" pitchFamily="18" charset="0"/>
                 <a:cs typeface="Times New Roman" panose="02020603050405020304" pitchFamily="18" charset="0"/>
               </a:rPr>
@@ -17262,14 +17643,14 @@
           <a:lstStyle/>
           <a:p>
             <a:r>
-              <a:rPr lang="en-CA" sz="2000" kern="0" dirty="0">
+              <a:rPr lang="en-CA" sz="2000" kern="0">
                 <a:latin typeface="Times New Roman" panose="02020603050405020304" pitchFamily="18" charset="0"/>
                 <a:cs typeface="Times New Roman" panose="02020603050405020304" pitchFamily="18" charset="0"/>
               </a:rPr>
               <a:t>Communication</a:t>
             </a:r>
             <a:r>
-              <a:rPr lang="en-CA" sz="2000" dirty="0">
+              <a:rPr lang="en-CA" sz="2000">
                 <a:latin typeface="Times New Roman" panose="02020603050405020304" pitchFamily="18" charset="0"/>
                 <a:cs typeface="Times New Roman" panose="02020603050405020304" pitchFamily="18" charset="0"/>
               </a:rPr>
@@ -17282,7 +17663,7 @@
               <a:buChar char="•"/>
             </a:pPr>
             <a:r>
-              <a:rPr lang="en-CA" sz="2000" dirty="0">
+              <a:rPr lang="en-CA" sz="2000">
                 <a:latin typeface="Times" pitchFamily="-108" charset="0"/>
                 <a:ea typeface="ＭＳ Ｐゴシック" pitchFamily="-108" charset="-128"/>
                 <a:cs typeface="ＭＳ Ｐゴシック" pitchFamily="-108" charset="-128"/>
@@ -17296,7 +17677,7 @@
               <a:buChar char="•"/>
             </a:pPr>
             <a:r>
-              <a:rPr lang="en-CA" sz="2000" dirty="0">
+              <a:rPr lang="en-CA" sz="2000">
                 <a:latin typeface="Times" pitchFamily="-108" charset="0"/>
                 <a:ea typeface="ＭＳ Ｐゴシック" pitchFamily="-108" charset="-128"/>
                 <a:cs typeface="ＭＳ Ｐゴシック" pitchFamily="-108" charset="-128"/>
@@ -17310,7 +17691,7 @@
               <a:buChar char="•"/>
             </a:pPr>
             <a:r>
-              <a:rPr lang="en-CA" sz="2000" dirty="0">
+              <a:rPr lang="en-CA" sz="2000">
                 <a:latin typeface="Times" pitchFamily="-108" charset="0"/>
                 <a:ea typeface="ＭＳ Ｐゴシック" pitchFamily="-108" charset="-128"/>
                 <a:cs typeface="Times New Roman" panose="02020603050405020304" pitchFamily="18" charset="0"/>
@@ -17318,7 +17699,7 @@
               <a:t>Get </a:t>
             </a:r>
             <a:r>
-              <a:rPr lang="en-CA" sz="2000" dirty="0">
+              <a:rPr lang="en-CA" sz="2000">
                 <a:latin typeface="Times New Roman" panose="02020603050405020304" pitchFamily="18" charset="0"/>
                 <a:ea typeface="ＭＳ Ｐゴシック" pitchFamily="-108" charset="-128"/>
                 <a:cs typeface="Times New Roman" panose="02020603050405020304" pitchFamily="18" charset="0"/>
@@ -17332,7 +17713,7 @@
               <a:buChar char="•"/>
             </a:pPr>
             <a:r>
-              <a:rPr lang="en-CA" sz="2000" dirty="0">
+              <a:rPr lang="en-CA" sz="2000">
                 <a:latin typeface="Times" pitchFamily="-108" charset="0"/>
                 <a:ea typeface="ＭＳ Ｐゴシック" pitchFamily="-108" charset="-128"/>
                 <a:cs typeface="Times New Roman" panose="02020603050405020304" pitchFamily="18" charset="0"/>
@@ -17346,7 +17727,7 @@
               <a:buChar char="•"/>
             </a:pPr>
             <a:r>
-              <a:rPr lang="en-CA" sz="2000" dirty="0">
+              <a:rPr lang="en-CA" sz="2000">
                 <a:latin typeface="Times" pitchFamily="-108" charset="0"/>
                 <a:ea typeface="ＭＳ Ｐゴシック" pitchFamily="-108" charset="-128"/>
                 <a:cs typeface="Times New Roman" panose="02020603050405020304" pitchFamily="18" charset="0"/>
@@ -17354,12 +17735,76 @@
               <a:t>Receive data</a:t>
             </a:r>
             <a:r>
-              <a:rPr lang="en-CA" sz="2000" dirty="0">
+              <a:rPr lang="en-CA" sz="2000">
                 <a:latin typeface="Times New Roman" panose="02020603050405020304" pitchFamily="18" charset="0"/>
                 <a:cs typeface="Times New Roman" panose="02020603050405020304" pitchFamily="18" charset="0"/>
               </a:rPr>
               <a:t> </a:t>
             </a:r>
+          </a:p>
+        </p:txBody>
+      </p:sp>
+      <p:sp>
+        <p:nvSpPr>
+          <p:cNvPr id="10" name="Rectangle 9"/>
+          <p:cNvSpPr/>
+          <p:nvPr/>
+        </p:nvSpPr>
+        <p:spPr>
+          <a:xfrm>
+            <a:off x="7239600" y="6012000"/>
+            <a:ext cx="1936800" cy="252000"/>
+          </a:xfrm>
+          <a:prstGeom prst="rect">
+            <a:avLst/>
+          </a:prstGeom>
+          <a:gradFill flip="none" rotWithShape="1">
+            <a:gsLst>
+              <a:gs pos="0">
+                <a:schemeClr val="accent6">
+                  <a:shade val="30000"/>
+                  <a:satMod val="115000"/>
+                </a:schemeClr>
+              </a:gs>
+              <a:gs pos="50000">
+                <a:schemeClr val="accent6">
+                  <a:shade val="67500"/>
+                  <a:satMod val="115000"/>
+                </a:schemeClr>
+              </a:gs>
+              <a:gs pos="100000">
+                <a:srgbClr val="73BA40"/>
+              </a:gs>
+            </a:gsLst>
+            <a:path path="circle">
+              <a:fillToRect l="100000" t="100000"/>
+            </a:path>
+            <a:tileRect r="-100000" b="-100000"/>
+          </a:gradFill>
+          <a:ln>
+            <a:noFill/>
+          </a:ln>
+        </p:spPr>
+        <p:style>
+          <a:lnRef idx="0">
+            <a:scrgbClr r="0" g="0" b="0"/>
+          </a:lnRef>
+          <a:fillRef idx="0">
+            <a:scrgbClr r="0" g="0" b="0"/>
+          </a:fillRef>
+          <a:effectRef idx="0">
+            <a:scrgbClr r="0" g="0" b="0"/>
+          </a:effectRef>
+          <a:fontRef idx="minor">
+            <a:schemeClr val="lt1"/>
+          </a:fontRef>
+        </p:style>
+        <p:txBody>
+          <a:bodyPr rtlCol="0" anchor="ctr"/>
+          <a:lstStyle/>
+          <a:p>
+            <a:pPr algn="ctr"/>
+            <a:endParaRPr lang="en-CA"/>
           </a:p>
         </p:txBody>
       </p:sp>
@@ -17416,7 +17861,7 @@
           <a:lstStyle/>
           <a:p>
             <a:r>
-              <a:rPr lang="en-CA" dirty="0">
+              <a:rPr lang="en-CA">
                 <a:latin typeface="Times New Roman" panose="02020603050405020304" pitchFamily="18" charset="0"/>
                 <a:cs typeface="Times New Roman" panose="02020603050405020304" pitchFamily="18" charset="0"/>
               </a:rPr>
@@ -17648,7 +18093,7 @@
               <a:buNone/>
             </a:pPr>
             <a:r>
-              <a:rPr lang="en-CA" sz="2400" kern="0" dirty="0">
+              <a:rPr lang="en-CA" sz="2400" kern="0">
                 <a:latin typeface="Times New Roman" panose="02020603050405020304" pitchFamily="18" charset="0"/>
                 <a:cs typeface="Times New Roman" panose="02020603050405020304" pitchFamily="18" charset="0"/>
               </a:rPr>
@@ -17683,7 +18128,7 @@
               <a:buFont typeface="Arial" panose="020B0604020202020204" pitchFamily="34" charset="0"/>
               <a:buChar char="•"/>
             </a:pPr>
-            <a:endParaRPr lang="en-CA" sz="2000" dirty="0">
+            <a:endParaRPr lang="en-CA" sz="2000">
               <a:latin typeface="Times New Roman" panose="02020603050405020304" pitchFamily="18" charset="0"/>
               <a:cs typeface="Times New Roman" panose="02020603050405020304" pitchFamily="18" charset="0"/>
             </a:endParaRPr>
@@ -17737,16 +18182,80 @@
           <a:lstStyle/>
           <a:p>
             <a:r>
-              <a:rPr lang="en-US" altLang="zh-CN" sz="1600" dirty="0">
+              <a:rPr lang="en-US" altLang="zh-CN" sz="1600">
                 <a:latin typeface="Times New Roman" panose="02020603050405020304" pitchFamily="18" charset="0"/>
                 <a:cs typeface="Times New Roman" panose="02020603050405020304" pitchFamily="18" charset="0"/>
               </a:rPr>
               <a:t>Figure 4 : Communication mechanism</a:t>
             </a:r>
-            <a:endParaRPr lang="en-CA" sz="1600" dirty="0">
+            <a:endParaRPr lang="en-CA" sz="1600">
               <a:latin typeface="Times New Roman" panose="02020603050405020304" pitchFamily="18" charset="0"/>
               <a:cs typeface="Times New Roman" panose="02020603050405020304" pitchFamily="18" charset="0"/>
             </a:endParaRPr>
+          </a:p>
+        </p:txBody>
+      </p:sp>
+      <p:sp>
+        <p:nvSpPr>
+          <p:cNvPr id="10" name="Rectangle 9"/>
+          <p:cNvSpPr/>
+          <p:nvPr/>
+        </p:nvSpPr>
+        <p:spPr>
+          <a:xfrm>
+            <a:off x="7239600" y="6012000"/>
+            <a:ext cx="1936800" cy="252000"/>
+          </a:xfrm>
+          <a:prstGeom prst="rect">
+            <a:avLst/>
+          </a:prstGeom>
+          <a:gradFill flip="none" rotWithShape="1">
+            <a:gsLst>
+              <a:gs pos="0">
+                <a:schemeClr val="accent6">
+                  <a:shade val="30000"/>
+                  <a:satMod val="115000"/>
+                </a:schemeClr>
+              </a:gs>
+              <a:gs pos="50000">
+                <a:schemeClr val="accent6">
+                  <a:shade val="67500"/>
+                  <a:satMod val="115000"/>
+                </a:schemeClr>
+              </a:gs>
+              <a:gs pos="100000">
+                <a:srgbClr val="73BA40"/>
+              </a:gs>
+            </a:gsLst>
+            <a:path path="circle">
+              <a:fillToRect l="100000" t="100000"/>
+            </a:path>
+            <a:tileRect r="-100000" b="-100000"/>
+          </a:gradFill>
+          <a:ln>
+            <a:noFill/>
+          </a:ln>
+        </p:spPr>
+        <p:style>
+          <a:lnRef idx="0">
+            <a:scrgbClr r="0" g="0" b="0"/>
+          </a:lnRef>
+          <a:fillRef idx="0">
+            <a:scrgbClr r="0" g="0" b="0"/>
+          </a:fillRef>
+          <a:effectRef idx="0">
+            <a:scrgbClr r="0" g="0" b="0"/>
+          </a:effectRef>
+          <a:fontRef idx="minor">
+            <a:schemeClr val="lt1"/>
+          </a:fontRef>
+        </p:style>
+        <p:txBody>
+          <a:bodyPr rtlCol="0" anchor="ctr"/>
+          <a:lstStyle/>
+          <a:p>
+            <a:pPr algn="ctr"/>
+            <a:endParaRPr lang="en-CA"/>
           </a:p>
         </p:txBody>
       </p:sp>
@@ -17803,7 +18312,7 @@
           <a:lstStyle/>
           <a:p>
             <a:r>
-              <a:rPr lang="en-CA" dirty="0">
+              <a:rPr lang="en-CA">
                 <a:latin typeface="Times New Roman" panose="02020603050405020304" pitchFamily="18" charset="0"/>
                 <a:cs typeface="Times New Roman" panose="02020603050405020304" pitchFamily="18" charset="0"/>
               </a:rPr>
@@ -18035,7 +18544,7 @@
               <a:buNone/>
             </a:pPr>
             <a:r>
-              <a:rPr lang="en-CA" sz="2400" kern="0" dirty="0">
+              <a:rPr lang="en-CA" sz="2400" kern="0">
                 <a:latin typeface="Times New Roman" panose="02020603050405020304" pitchFamily="18" charset="0"/>
                 <a:cs typeface="Times New Roman" panose="02020603050405020304" pitchFamily="18" charset="0"/>
               </a:rPr>
@@ -18070,7 +18579,7 @@
               <a:buFont typeface="Arial" panose="020B0604020202020204" pitchFamily="34" charset="0"/>
               <a:buChar char="•"/>
             </a:pPr>
-            <a:endParaRPr lang="en-CA" sz="2000" dirty="0">
+            <a:endParaRPr lang="en-CA" sz="2000">
               <a:latin typeface="Times New Roman" panose="02020603050405020304" pitchFamily="18" charset="0"/>
               <a:cs typeface="Times New Roman" panose="02020603050405020304" pitchFamily="18" charset="0"/>
             </a:endParaRPr>
@@ -18100,13 +18609,13 @@
           <a:lstStyle/>
           <a:p>
             <a:r>
-              <a:rPr lang="en-US" altLang="zh-CN" sz="1600" dirty="0">
+              <a:rPr lang="en-US" altLang="zh-CN" sz="1600">
                 <a:latin typeface="Times New Roman" panose="02020603050405020304" pitchFamily="18" charset="0"/>
                 <a:cs typeface="Times New Roman" panose="02020603050405020304" pitchFamily="18" charset="0"/>
               </a:rPr>
               <a:t>Figure 5 : Communication mechanism</a:t>
             </a:r>
-            <a:endParaRPr lang="en-CA" sz="1600" dirty="0">
+            <a:endParaRPr lang="en-CA" sz="1600">
               <a:latin typeface="Times New Roman" panose="02020603050405020304" pitchFamily="18" charset="0"/>
               <a:cs typeface="Times New Roman" panose="02020603050405020304" pitchFamily="18" charset="0"/>
             </a:endParaRPr>
@@ -18137,6 +18646,70 @@
           </a:prstGeom>
         </p:spPr>
       </p:pic>
+      <p:sp>
+        <p:nvSpPr>
+          <p:cNvPr id="7" name="Rectangle 6"/>
+          <p:cNvSpPr/>
+          <p:nvPr/>
+        </p:nvSpPr>
+        <p:spPr>
+          <a:xfrm>
+            <a:off x="7239600" y="6012000"/>
+            <a:ext cx="1936800" cy="252000"/>
+          </a:xfrm>
+          <a:prstGeom prst="rect">
+            <a:avLst/>
+          </a:prstGeom>
+          <a:gradFill flip="none" rotWithShape="1">
+            <a:gsLst>
+              <a:gs pos="0">
+                <a:schemeClr val="accent6">
+                  <a:shade val="30000"/>
+                  <a:satMod val="115000"/>
+                </a:schemeClr>
+              </a:gs>
+              <a:gs pos="50000">
+                <a:schemeClr val="accent6">
+                  <a:shade val="67500"/>
+                  <a:satMod val="115000"/>
+                </a:schemeClr>
+              </a:gs>
+              <a:gs pos="100000">
+                <a:srgbClr val="73BA40"/>
+              </a:gs>
+            </a:gsLst>
+            <a:path path="circle">
+              <a:fillToRect l="100000" t="100000"/>
+            </a:path>
+            <a:tileRect r="-100000" b="-100000"/>
+          </a:gradFill>
+          <a:ln>
+            <a:noFill/>
+          </a:ln>
+        </p:spPr>
+        <p:style>
+          <a:lnRef idx="0">
+            <a:scrgbClr r="0" g="0" b="0"/>
+          </a:lnRef>
+          <a:fillRef idx="0">
+            <a:scrgbClr r="0" g="0" b="0"/>
+          </a:fillRef>
+          <a:effectRef idx="0">
+            <a:scrgbClr r="0" g="0" b="0"/>
+          </a:effectRef>
+          <a:fontRef idx="minor">
+            <a:schemeClr val="lt1"/>
+          </a:fontRef>
+        </p:style>
+        <p:txBody>
+          <a:bodyPr rtlCol="0" anchor="ctr"/>
+          <a:lstStyle/>
+          <a:p>
+            <a:pPr algn="ctr"/>
+            <a:endParaRPr lang="en-CA"/>
+          </a:p>
+        </p:txBody>
+      </p:sp>
     </p:spTree>
     <p:extLst>
       <p:ext uri="{BB962C8B-B14F-4D97-AF65-F5344CB8AC3E}">
@@ -18190,7 +18763,7 @@
           <a:lstStyle/>
           <a:p>
             <a:r>
-              <a:rPr lang="en-CA" dirty="0">
+              <a:rPr lang="en-CA">
                 <a:latin typeface="Times New Roman" panose="02020603050405020304" pitchFamily="18" charset="0"/>
                 <a:cs typeface="Times New Roman" panose="02020603050405020304" pitchFamily="18" charset="0"/>
               </a:rPr>
@@ -18422,7 +18995,7 @@
               <a:buNone/>
             </a:pPr>
             <a:r>
-              <a:rPr lang="en-CA" sz="2400" kern="0" dirty="0">
+              <a:rPr lang="en-CA" sz="2400" kern="0">
                 <a:latin typeface="Times New Roman" panose="02020603050405020304" pitchFamily="18" charset="0"/>
                 <a:cs typeface="Times New Roman" panose="02020603050405020304" pitchFamily="18" charset="0"/>
               </a:rPr>
@@ -18447,7 +19020,7 @@
         </p:nvGraphicFramePr>
         <p:xfrm>
           <a:off x="568906" y="1919448"/>
-          <a:ext cx="8221691" cy="3304761"/>
+          <a:ext cx="8221691" cy="3480021"/>
         </p:xfrm>
         <a:graphic>
           <a:graphicData uri="http://schemas.openxmlformats.org/drawingml/2006/table">
@@ -18556,7 +19129,7 @@
                         </a:spcAft>
                       </a:pPr>
                       <a:r>
-                        <a:rPr lang="en-CA" sz="1600" dirty="0">
+                        <a:rPr lang="en-CA" sz="1600">
                           <a:solidFill>
                             <a:srgbClr val="252525"/>
                           </a:solidFill>
@@ -18567,7 +19140,7 @@
                         </a:rPr>
                         <a:t>Goals</a:t>
                       </a:r>
-                      <a:endParaRPr lang="en-CA" sz="1600" dirty="0">
+                      <a:endParaRPr lang="en-CA" sz="1600">
                         <a:effectLst/>
                         <a:latin typeface="Times New Roman" panose="02020603050405020304" pitchFamily="18" charset="0"/>
                         <a:ea typeface="等线" panose="02010600030101010101" pitchFamily="2" charset="-122"/>
@@ -18698,7 +19271,7 @@
                         </a:spcAft>
                       </a:pPr>
                       <a:r>
-                        <a:rPr lang="en-CA" sz="1600" dirty="0">
+                        <a:rPr lang="en-CA" sz="1600">
                           <a:solidFill>
                             <a:srgbClr val="252525"/>
                           </a:solidFill>
@@ -18710,7 +19283,7 @@
                         <a:t>Test </a:t>
                       </a:r>
                       <a:r>
-                        <a:rPr lang="en-CA" sz="1600" dirty="0">
+                        <a:rPr lang="en-CA" sz="1600">
                           <a:effectLst/>
                           <a:latin typeface="Times New Roman" panose="02020603050405020304" pitchFamily="18" charset="0"/>
                           <a:ea typeface="等线" panose="02010600030101010101" pitchFamily="2" charset="-122"/>
@@ -18843,7 +19416,7 @@
                         </a:spcAft>
                       </a:pPr>
                       <a:r>
-                        <a:rPr lang="en-CA" sz="1600" dirty="0">
+                        <a:rPr lang="en-CA" sz="1600">
                           <a:solidFill>
                             <a:srgbClr val="252525"/>
                           </a:solidFill>
@@ -18854,7 +19427,7 @@
                         </a:rPr>
                         <a:t>Test performance of sending different CoAP messages with different data size.</a:t>
                       </a:r>
-                      <a:endParaRPr lang="en-CA" sz="1600" dirty="0">
+                      <a:endParaRPr lang="en-CA" sz="1600">
                         <a:effectLst/>
                         <a:latin typeface="Times New Roman" panose="02020603050405020304" pitchFamily="18" charset="0"/>
                         <a:ea typeface="等线" panose="02010600030101010101" pitchFamily="2" charset="-122"/>
@@ -19127,7 +19700,7 @@
                         </a:spcAft>
                       </a:pPr>
                       <a:r>
-                        <a:rPr lang="en-CA" sz="1600" dirty="0">
+                        <a:rPr lang="en-CA" sz="1600">
                           <a:solidFill>
                             <a:srgbClr val="252525"/>
                           </a:solidFill>
@@ -19138,7 +19711,7 @@
                         </a:rPr>
                         <a:t>Test performance of underlying service to support multiple apps </a:t>
                       </a:r>
-                      <a:endParaRPr lang="en-CA" sz="1600" dirty="0">
+                      <a:endParaRPr lang="en-CA" sz="1600">
                         <a:effectLst/>
                         <a:latin typeface="Times New Roman" panose="02020603050405020304" pitchFamily="18" charset="0"/>
                         <a:ea typeface="等线" panose="02010600030101010101" pitchFamily="2" charset="-122"/>
@@ -19218,16 +19791,80 @@
           <a:lstStyle/>
           <a:p>
             <a:r>
-              <a:rPr lang="en-US" altLang="zh-CN" sz="1600" dirty="0">
+              <a:rPr lang="en-US" altLang="zh-CN" sz="1600">
                 <a:latin typeface="Times New Roman" panose="02020603050405020304" pitchFamily="18" charset="0"/>
                 <a:cs typeface="Times New Roman" panose="02020603050405020304" pitchFamily="18" charset="0"/>
               </a:rPr>
               <a:t>Table 1: Experiment setup</a:t>
             </a:r>
-            <a:endParaRPr lang="en-CA" sz="1600" dirty="0">
+            <a:endParaRPr lang="en-CA" sz="1600">
               <a:latin typeface="Times New Roman" panose="02020603050405020304" pitchFamily="18" charset="0"/>
               <a:cs typeface="Times New Roman" panose="02020603050405020304" pitchFamily="18" charset="0"/>
             </a:endParaRPr>
+          </a:p>
+        </p:txBody>
+      </p:sp>
+      <p:sp>
+        <p:nvSpPr>
+          <p:cNvPr id="7" name="Rectangle 6"/>
+          <p:cNvSpPr/>
+          <p:nvPr/>
+        </p:nvSpPr>
+        <p:spPr>
+          <a:xfrm>
+            <a:off x="7239600" y="6012000"/>
+            <a:ext cx="1936800" cy="252000"/>
+          </a:xfrm>
+          <a:prstGeom prst="rect">
+            <a:avLst/>
+          </a:prstGeom>
+          <a:gradFill flip="none" rotWithShape="1">
+            <a:gsLst>
+              <a:gs pos="0">
+                <a:schemeClr val="accent6">
+                  <a:shade val="30000"/>
+                  <a:satMod val="115000"/>
+                </a:schemeClr>
+              </a:gs>
+              <a:gs pos="50000">
+                <a:schemeClr val="accent6">
+                  <a:shade val="67500"/>
+                  <a:satMod val="115000"/>
+                </a:schemeClr>
+              </a:gs>
+              <a:gs pos="100000">
+                <a:srgbClr val="73BA40"/>
+              </a:gs>
+            </a:gsLst>
+            <a:path path="circle">
+              <a:fillToRect l="100000" t="100000"/>
+            </a:path>
+            <a:tileRect r="-100000" b="-100000"/>
+          </a:gradFill>
+          <a:ln>
+            <a:noFill/>
+          </a:ln>
+        </p:spPr>
+        <p:style>
+          <a:lnRef idx="0">
+            <a:scrgbClr r="0" g="0" b="0"/>
+          </a:lnRef>
+          <a:fillRef idx="0">
+            <a:scrgbClr r="0" g="0" b="0"/>
+          </a:fillRef>
+          <a:effectRef idx="0">
+            <a:scrgbClr r="0" g="0" b="0"/>
+          </a:effectRef>
+          <a:fontRef idx="minor">
+            <a:schemeClr val="lt1"/>
+          </a:fontRef>
+        </p:style>
+        <p:txBody>
+          <a:bodyPr rtlCol="0" anchor="ctr"/>
+          <a:lstStyle/>
+          <a:p>
+            <a:pPr algn="ctr"/>
+            <a:endParaRPr lang="en-CA"/>
           </a:p>
         </p:txBody>
       </p:sp>
@@ -19261,31 +19898,9 @@
           <a:chExt cx="0" cy="0"/>
         </a:xfrm>
       </p:grpSpPr>
-      <p:graphicFrame>
-        <p:nvGraphicFramePr>
-          <p:cNvPr id="4" name="Chart 3"/>
-          <p:cNvGraphicFramePr/>
-          <p:nvPr>
-            <p:extLst>
-              <p:ext uri="{D42A27DB-BD31-4B8C-83A1-F6EECF244321}">
-                <p14:modId xmlns:p14="http://schemas.microsoft.com/office/powerpoint/2010/main" val="2831301433"/>
-              </p:ext>
-            </p:extLst>
-          </p:nvPr>
-        </p:nvGraphicFramePr>
-        <p:xfrm>
-          <a:off x="1894346" y="1828799"/>
-          <a:ext cx="5129213" cy="3229293"/>
-        </p:xfrm>
-        <a:graphic>
-          <a:graphicData uri="http://schemas.openxmlformats.org/drawingml/2006/chart">
-            <c:chart xmlns:c="http://schemas.openxmlformats.org/drawingml/2006/chart" xmlns:r="http://schemas.openxmlformats.org/officeDocument/2006/relationships" r:id="rId3"/>
-          </a:graphicData>
-        </a:graphic>
-      </p:graphicFrame>
       <p:sp>
         <p:nvSpPr>
-          <p:cNvPr id="3" name="Title 1"/>
+          <p:cNvPr id="4" name="Title 1"/>
           <p:cNvSpPr>
             <a:spLocks noGrp="1"/>
           </p:cNvSpPr>
@@ -19306,7 +19921,7 @@
           <a:lstStyle/>
           <a:p>
             <a:r>
-              <a:rPr lang="en-CA" dirty="0">
+              <a:rPr lang="en-CA">
                 <a:latin typeface="Times New Roman" panose="02020603050405020304" pitchFamily="18" charset="0"/>
                 <a:cs typeface="Times New Roman" panose="02020603050405020304" pitchFamily="18" charset="0"/>
               </a:rPr>
@@ -19538,11 +20153,11 @@
               <a:buNone/>
             </a:pPr>
             <a:r>
-              <a:rPr lang="en-CA" sz="2400" kern="0" dirty="0">
+              <a:rPr lang="en-CA" sz="2400" kern="0">
                 <a:latin typeface="Times New Roman" panose="02020603050405020304" pitchFamily="18" charset="0"/>
                 <a:cs typeface="Times New Roman" panose="02020603050405020304" pitchFamily="18" charset="0"/>
               </a:rPr>
-              <a:t>5.2 Experiment 1: Minimum data with interval  </a:t>
+              <a:t>5.1 Experiment setup </a:t>
             </a:r>
           </a:p>
         </p:txBody>
@@ -19555,8 +20170,8 @@
         </p:nvSpPr>
         <p:spPr>
           <a:xfrm>
-            <a:off x="1983910" y="5193613"/>
-            <a:ext cx="5039649" cy="338554"/>
+            <a:off x="3330113" y="5374069"/>
+            <a:ext cx="2587696" cy="338554"/>
           </a:xfrm>
           <a:prstGeom prst="rect">
             <a:avLst/>
@@ -19570,26 +20185,456 @@
           <a:lstStyle/>
           <a:p>
             <a:r>
-              <a:rPr lang="en-US" altLang="zh-CN" sz="1600" dirty="0">
+              <a:rPr lang="en-US" altLang="zh-CN" sz="1600">
                 <a:latin typeface="Times New Roman" panose="02020603050405020304" pitchFamily="18" charset="0"/>
                 <a:cs typeface="Times New Roman" panose="02020603050405020304" pitchFamily="18" charset="0"/>
               </a:rPr>
-              <a:t>Figure 6: </a:t>
-            </a:r>
-            <a:r>
-              <a:rPr lang="en-CA" sz="1600" dirty="0">
-                <a:latin typeface="Times New Roman" panose="02020603050405020304" pitchFamily="18" charset="0"/>
-                <a:cs typeface="Times New Roman" panose="02020603050405020304" pitchFamily="18" charset="0"/>
-              </a:rPr>
-              <a:t>Results of sending headers with different interval</a:t>
-            </a:r>
+              <a:t>Table 2: Device specification</a:t>
+            </a:r>
+            <a:endParaRPr lang="en-CA" sz="1600">
+              <a:latin typeface="Times New Roman" panose="02020603050405020304" pitchFamily="18" charset="0"/>
+              <a:cs typeface="Times New Roman" panose="02020603050405020304" pitchFamily="18" charset="0"/>
+            </a:endParaRPr>
+          </a:p>
+        </p:txBody>
+      </p:sp>
+      <p:graphicFrame>
+        <p:nvGraphicFramePr>
+          <p:cNvPr id="2" name="Table 1"/>
+          <p:cNvGraphicFramePr>
+            <a:graphicFrameLocks noGrp="1"/>
+          </p:cNvGraphicFramePr>
+          <p:nvPr>
+            <p:extLst>
+              <p:ext uri="{D42A27DB-BD31-4B8C-83A1-F6EECF244321}">
+                <p14:modId xmlns:p14="http://schemas.microsoft.com/office/powerpoint/2010/main" val="3189449982"/>
+              </p:ext>
+            </p:extLst>
+          </p:nvPr>
+        </p:nvGraphicFramePr>
+        <p:xfrm>
+          <a:off x="1012821" y="2025766"/>
+          <a:ext cx="7102478" cy="3151335"/>
+        </p:xfrm>
+        <a:graphic>
+          <a:graphicData uri="http://schemas.openxmlformats.org/drawingml/2006/table">
+            <a:tbl>
+              <a:tblPr firstRow="1" firstCol="1" bandRow="1">
+                <a:tableStyleId>{5940675A-B579-460E-94D1-54222C63F5DA}</a:tableStyleId>
+              </a:tblPr>
+              <a:tblGrid>
+                <a:gridCol w="3551239">
+                  <a:extLst>
+                    <a:ext uri="{9D8B030D-6E8A-4147-A177-3AD203B41FA5}">
+                      <a16:colId xmlns:a16="http://schemas.microsoft.com/office/drawing/2014/main" val="1345446606"/>
+                    </a:ext>
+                  </a:extLst>
+                </a:gridCol>
+                <a:gridCol w="3551239">
+                  <a:extLst>
+                    <a:ext uri="{9D8B030D-6E8A-4147-A177-3AD203B41FA5}">
+                      <a16:colId xmlns:a16="http://schemas.microsoft.com/office/drawing/2014/main" val="3249646170"/>
+                    </a:ext>
+                  </a:extLst>
+                </a:gridCol>
+              </a:tblGrid>
+              <a:tr h="630267">
+                <a:tc>
+                  <a:txBody>
+                    <a:bodyPr/>
+                    <a:lstStyle/>
+                    <a:p>
+                      <a:pPr>
+                        <a:lnSpc>
+                          <a:spcPct val="150000"/>
+                        </a:lnSpc>
+                        <a:spcAft>
+                          <a:spcPts val="0"/>
+                        </a:spcAft>
+                      </a:pPr>
+                      <a:r>
+                        <a:rPr lang="en-CA" sz="1600">
+                          <a:effectLst/>
+                        </a:rPr>
+                        <a:t>Hardware</a:t>
+                      </a:r>
+                      <a:endParaRPr lang="en-CA" sz="1600">
+                        <a:effectLst/>
+                        <a:latin typeface="Times New Roman" panose="02020603050405020304" pitchFamily="18" charset="0"/>
+                        <a:ea typeface="等线" panose="02010600030101010101" pitchFamily="2" charset="-122"/>
+                        <a:cs typeface="Times New Roman" panose="02020603050405020304" pitchFamily="18" charset="0"/>
+                      </a:endParaRPr>
+                    </a:p>
+                  </a:txBody>
+                  <a:tcPr marL="66675" marR="66675" marT="66675" marB="66675"/>
+                </a:tc>
+                <a:tc>
+                  <a:txBody>
+                    <a:bodyPr/>
+                    <a:lstStyle/>
+                    <a:p>
+                      <a:pPr>
+                        <a:lnSpc>
+                          <a:spcPct val="150000"/>
+                        </a:lnSpc>
+                        <a:spcAft>
+                          <a:spcPts val="0"/>
+                        </a:spcAft>
+                      </a:pPr>
+                      <a:r>
+                        <a:rPr lang="en-CA" sz="1600">
+                          <a:effectLst/>
+                        </a:rPr>
+                        <a:t>Details</a:t>
+                      </a:r>
+                      <a:endParaRPr lang="en-CA" sz="1600">
+                        <a:effectLst/>
+                        <a:latin typeface="Times New Roman" panose="02020603050405020304" pitchFamily="18" charset="0"/>
+                        <a:ea typeface="等线" panose="02010600030101010101" pitchFamily="2" charset="-122"/>
+                        <a:cs typeface="Times New Roman" panose="02020603050405020304" pitchFamily="18" charset="0"/>
+                      </a:endParaRPr>
+                    </a:p>
+                  </a:txBody>
+                  <a:tcPr marL="66675" marR="66675" marT="66675" marB="66675"/>
+                </a:tc>
+                <a:extLst>
+                  <a:ext uri="{0D108BD9-81ED-4DB2-BD59-A6C34878D82A}">
+                    <a16:rowId xmlns:a16="http://schemas.microsoft.com/office/drawing/2014/main" val="1582366005"/>
+                  </a:ext>
+                </a:extLst>
+              </a:tr>
+              <a:tr h="630267">
+                <a:tc>
+                  <a:txBody>
+                    <a:bodyPr/>
+                    <a:lstStyle/>
+                    <a:p>
+                      <a:pPr>
+                        <a:lnSpc>
+                          <a:spcPct val="150000"/>
+                        </a:lnSpc>
+                        <a:spcAft>
+                          <a:spcPts val="0"/>
+                        </a:spcAft>
+                      </a:pPr>
+                      <a:r>
+                        <a:rPr lang="en-CA" sz="1600">
+                          <a:effectLst/>
+                        </a:rPr>
+                        <a:t>OS</a:t>
+                      </a:r>
+                      <a:endParaRPr lang="en-CA" sz="1600">
+                        <a:effectLst/>
+                        <a:latin typeface="Times New Roman" panose="02020603050405020304" pitchFamily="18" charset="0"/>
+                        <a:ea typeface="等线" panose="02010600030101010101" pitchFamily="2" charset="-122"/>
+                        <a:cs typeface="Times New Roman" panose="02020603050405020304" pitchFamily="18" charset="0"/>
+                      </a:endParaRPr>
+                    </a:p>
+                  </a:txBody>
+                  <a:tcPr marL="66675" marR="66675" marT="66675" marB="66675"/>
+                </a:tc>
+                <a:tc>
+                  <a:txBody>
+                    <a:bodyPr/>
+                    <a:lstStyle/>
+                    <a:p>
+                      <a:pPr>
+                        <a:lnSpc>
+                          <a:spcPct val="150000"/>
+                        </a:lnSpc>
+                        <a:spcAft>
+                          <a:spcPts val="0"/>
+                        </a:spcAft>
+                      </a:pPr>
+                      <a:r>
+                        <a:rPr lang="en-CA" sz="1600">
+                          <a:effectLst/>
+                        </a:rPr>
+                        <a:t>Android OS, v5.1.1(Lollipop)</a:t>
+                      </a:r>
+                      <a:endParaRPr lang="en-CA" sz="1600">
+                        <a:effectLst/>
+                        <a:latin typeface="Times New Roman" panose="02020603050405020304" pitchFamily="18" charset="0"/>
+                        <a:ea typeface="等线" panose="02010600030101010101" pitchFamily="2" charset="-122"/>
+                        <a:cs typeface="Times New Roman" panose="02020603050405020304" pitchFamily="18" charset="0"/>
+                      </a:endParaRPr>
+                    </a:p>
+                  </a:txBody>
+                  <a:tcPr marL="66675" marR="66675" marT="66675" marB="66675"/>
+                </a:tc>
+                <a:extLst>
+                  <a:ext uri="{0D108BD9-81ED-4DB2-BD59-A6C34878D82A}">
+                    <a16:rowId xmlns:a16="http://schemas.microsoft.com/office/drawing/2014/main" val="1831927497"/>
+                  </a:ext>
+                </a:extLst>
+              </a:tr>
+              <a:tr h="630267">
+                <a:tc>
+                  <a:txBody>
+                    <a:bodyPr/>
+                    <a:lstStyle/>
+                    <a:p>
+                      <a:pPr>
+                        <a:lnSpc>
+                          <a:spcPct val="150000"/>
+                        </a:lnSpc>
+                        <a:spcAft>
+                          <a:spcPts val="0"/>
+                        </a:spcAft>
+                      </a:pPr>
+                      <a:r>
+                        <a:rPr lang="en-CA" sz="1600">
+                          <a:effectLst/>
+                        </a:rPr>
+                        <a:t>CPU</a:t>
+                      </a:r>
+                      <a:endParaRPr lang="en-CA" sz="1600">
+                        <a:effectLst/>
+                        <a:latin typeface="Times New Roman" panose="02020603050405020304" pitchFamily="18" charset="0"/>
+                        <a:ea typeface="等线" panose="02010600030101010101" pitchFamily="2" charset="-122"/>
+                        <a:cs typeface="Times New Roman" panose="02020603050405020304" pitchFamily="18" charset="0"/>
+                      </a:endParaRPr>
+                    </a:p>
+                  </a:txBody>
+                  <a:tcPr marL="66675" marR="66675" marT="66675" marB="66675"/>
+                </a:tc>
+                <a:tc>
+                  <a:txBody>
+                    <a:bodyPr/>
+                    <a:lstStyle/>
+                    <a:p>
+                      <a:pPr>
+                        <a:lnSpc>
+                          <a:spcPct val="150000"/>
+                        </a:lnSpc>
+                        <a:spcAft>
+                          <a:spcPts val="0"/>
+                        </a:spcAft>
+                      </a:pPr>
+                      <a:r>
+                        <a:rPr lang="en-CA" sz="1600">
+                          <a:effectLst/>
+                        </a:rPr>
+                        <a:t>Dual-core 2.3 GHz Denver</a:t>
+                      </a:r>
+                      <a:endParaRPr lang="en-CA" sz="1600">
+                        <a:effectLst/>
+                        <a:latin typeface="Times New Roman" panose="02020603050405020304" pitchFamily="18" charset="0"/>
+                        <a:ea typeface="等线" panose="02010600030101010101" pitchFamily="2" charset="-122"/>
+                        <a:cs typeface="Times New Roman" panose="02020603050405020304" pitchFamily="18" charset="0"/>
+                      </a:endParaRPr>
+                    </a:p>
+                  </a:txBody>
+                  <a:tcPr marL="66675" marR="66675" marT="66675" marB="66675"/>
+                </a:tc>
+                <a:extLst>
+                  <a:ext uri="{0D108BD9-81ED-4DB2-BD59-A6C34878D82A}">
+                    <a16:rowId xmlns:a16="http://schemas.microsoft.com/office/drawing/2014/main" val="2619894573"/>
+                  </a:ext>
+                </a:extLst>
+              </a:tr>
+              <a:tr h="630267">
+                <a:tc>
+                  <a:txBody>
+                    <a:bodyPr/>
+                    <a:lstStyle/>
+                    <a:p>
+                      <a:pPr>
+                        <a:lnSpc>
+                          <a:spcPct val="150000"/>
+                        </a:lnSpc>
+                        <a:spcAft>
+                          <a:spcPts val="0"/>
+                        </a:spcAft>
+                      </a:pPr>
+                      <a:r>
+                        <a:rPr lang="en-CA" sz="1600">
+                          <a:effectLst/>
+                        </a:rPr>
+                        <a:t>Memory</a:t>
+                      </a:r>
+                      <a:endParaRPr lang="en-CA" sz="1600">
+                        <a:effectLst/>
+                        <a:latin typeface="Times New Roman" panose="02020603050405020304" pitchFamily="18" charset="0"/>
+                        <a:ea typeface="等线" panose="02010600030101010101" pitchFamily="2" charset="-122"/>
+                        <a:cs typeface="Times New Roman" panose="02020603050405020304" pitchFamily="18" charset="0"/>
+                      </a:endParaRPr>
+                    </a:p>
+                  </a:txBody>
+                  <a:tcPr marL="66675" marR="66675" marT="66675" marB="66675"/>
+                </a:tc>
+                <a:tc>
+                  <a:txBody>
+                    <a:bodyPr/>
+                    <a:lstStyle/>
+                    <a:p>
+                      <a:pPr>
+                        <a:lnSpc>
+                          <a:spcPct val="150000"/>
+                        </a:lnSpc>
+                        <a:spcAft>
+                          <a:spcPts val="0"/>
+                        </a:spcAft>
+                      </a:pPr>
+                      <a:r>
+                        <a:rPr lang="en-CA" sz="1600">
+                          <a:effectLst/>
+                        </a:rPr>
+                        <a:t>16GB/2GB RAM</a:t>
+                      </a:r>
+                      <a:endParaRPr lang="en-CA" sz="1600">
+                        <a:effectLst/>
+                        <a:latin typeface="Times New Roman" panose="02020603050405020304" pitchFamily="18" charset="0"/>
+                        <a:ea typeface="等线" panose="02010600030101010101" pitchFamily="2" charset="-122"/>
+                        <a:cs typeface="Times New Roman" panose="02020603050405020304" pitchFamily="18" charset="0"/>
+                      </a:endParaRPr>
+                    </a:p>
+                  </a:txBody>
+                  <a:tcPr marL="66675" marR="66675" marT="66675" marB="66675"/>
+                </a:tc>
+                <a:extLst>
+                  <a:ext uri="{0D108BD9-81ED-4DB2-BD59-A6C34878D82A}">
+                    <a16:rowId xmlns:a16="http://schemas.microsoft.com/office/drawing/2014/main" val="2821813723"/>
+                  </a:ext>
+                </a:extLst>
+              </a:tr>
+              <a:tr h="630267">
+                <a:tc>
+                  <a:txBody>
+                    <a:bodyPr/>
+                    <a:lstStyle/>
+                    <a:p>
+                      <a:pPr>
+                        <a:lnSpc>
+                          <a:spcPct val="150000"/>
+                        </a:lnSpc>
+                        <a:spcAft>
+                          <a:spcPts val="0"/>
+                        </a:spcAft>
+                      </a:pPr>
+                      <a:r>
+                        <a:rPr lang="en-CA" sz="1600">
+                          <a:effectLst/>
+                        </a:rPr>
+                        <a:t>Bluetooth</a:t>
+                      </a:r>
+                      <a:endParaRPr lang="en-CA" sz="1600">
+                        <a:effectLst/>
+                        <a:latin typeface="Times New Roman" panose="02020603050405020304" pitchFamily="18" charset="0"/>
+                        <a:ea typeface="等线" panose="02010600030101010101" pitchFamily="2" charset="-122"/>
+                        <a:cs typeface="Times New Roman" panose="02020603050405020304" pitchFamily="18" charset="0"/>
+                      </a:endParaRPr>
+                    </a:p>
+                  </a:txBody>
+                  <a:tcPr marL="66675" marR="66675" marT="66675" marB="66675"/>
+                </a:tc>
+                <a:tc>
+                  <a:txBody>
+                    <a:bodyPr/>
+                    <a:lstStyle/>
+                    <a:p>
+                      <a:pPr>
+                        <a:lnSpc>
+                          <a:spcPct val="150000"/>
+                        </a:lnSpc>
+                        <a:spcAft>
+                          <a:spcPts val="0"/>
+                        </a:spcAft>
+                      </a:pPr>
+                      <a:r>
+                        <a:rPr lang="en-CA" sz="1600">
+                          <a:effectLst/>
+                        </a:rPr>
+                        <a:t>v4.1, A2DP, apt-X</a:t>
+                      </a:r>
+                      <a:endParaRPr lang="en-CA" sz="1600">
+                        <a:effectLst/>
+                        <a:latin typeface="Times New Roman" panose="02020603050405020304" pitchFamily="18" charset="0"/>
+                        <a:ea typeface="等线" panose="02010600030101010101" pitchFamily="2" charset="-122"/>
+                        <a:cs typeface="Times New Roman" panose="02020603050405020304" pitchFamily="18" charset="0"/>
+                      </a:endParaRPr>
+                    </a:p>
+                  </a:txBody>
+                  <a:tcPr marL="66675" marR="66675" marT="66675" marB="66675"/>
+                </a:tc>
+                <a:extLst>
+                  <a:ext uri="{0D108BD9-81ED-4DB2-BD59-A6C34878D82A}">
+                    <a16:rowId xmlns:a16="http://schemas.microsoft.com/office/drawing/2014/main" val="3637715263"/>
+                  </a:ext>
+                </a:extLst>
+              </a:tr>
+            </a:tbl>
+          </a:graphicData>
+        </a:graphic>
+      </p:graphicFrame>
+      <p:sp>
+        <p:nvSpPr>
+          <p:cNvPr id="7" name="Rectangle 6"/>
+          <p:cNvSpPr/>
+          <p:nvPr/>
+        </p:nvSpPr>
+        <p:spPr>
+          <a:xfrm>
+            <a:off x="7239600" y="6012000"/>
+            <a:ext cx="1936800" cy="252000"/>
+          </a:xfrm>
+          <a:prstGeom prst="rect">
+            <a:avLst/>
+          </a:prstGeom>
+          <a:gradFill flip="none" rotWithShape="1">
+            <a:gsLst>
+              <a:gs pos="0">
+                <a:schemeClr val="accent6">
+                  <a:shade val="30000"/>
+                  <a:satMod val="115000"/>
+                </a:schemeClr>
+              </a:gs>
+              <a:gs pos="50000">
+                <a:schemeClr val="accent6">
+                  <a:shade val="67500"/>
+                  <a:satMod val="115000"/>
+                </a:schemeClr>
+              </a:gs>
+              <a:gs pos="100000">
+                <a:srgbClr val="73BA40"/>
+              </a:gs>
+            </a:gsLst>
+            <a:path path="circle">
+              <a:fillToRect l="100000" t="100000"/>
+            </a:path>
+            <a:tileRect r="-100000" b="-100000"/>
+          </a:gradFill>
+          <a:ln>
+            <a:noFill/>
+          </a:ln>
+        </p:spPr>
+        <p:style>
+          <a:lnRef idx="0">
+            <a:scrgbClr r="0" g="0" b="0"/>
+          </a:lnRef>
+          <a:fillRef idx="0">
+            <a:scrgbClr r="0" g="0" b="0"/>
+          </a:fillRef>
+          <a:effectRef idx="0">
+            <a:scrgbClr r="0" g="0" b="0"/>
+          </a:effectRef>
+          <a:fontRef idx="minor">
+            <a:schemeClr val="lt1"/>
+          </a:fontRef>
+        </p:style>
+        <p:txBody>
+          <a:bodyPr rtlCol="0" anchor="ctr"/>
+          <a:lstStyle/>
+          <a:p>
+            <a:pPr algn="ctr"/>
+            <a:endParaRPr lang="en-CA"/>
           </a:p>
         </p:txBody>
       </p:sp>
     </p:spTree>
     <p:extLst>
       <p:ext uri="{BB962C8B-B14F-4D97-AF65-F5344CB8AC3E}">
-        <p14:creationId xmlns:p14="http://schemas.microsoft.com/office/powerpoint/2010/main" val="3777536925"/>
+        <p14:creationId xmlns:p14="http://schemas.microsoft.com/office/powerpoint/2010/main" val="1666836442"/>
       </p:ext>
     </p:extLst>
   </p:cSld>
@@ -19623,18 +20668,18 @@
           <p:nvPr>
             <p:extLst>
               <p:ext uri="{D42A27DB-BD31-4B8C-83A1-F6EECF244321}">
-                <p14:modId xmlns:p14="http://schemas.microsoft.com/office/powerpoint/2010/main" val="4230346978"/>
+                <p14:modId xmlns:p14="http://schemas.microsoft.com/office/powerpoint/2010/main" val="2831301433"/>
               </p:ext>
             </p:extLst>
           </p:nvPr>
         </p:nvGraphicFramePr>
         <p:xfrm>
-          <a:off x="1721017" y="1865018"/>
-          <a:ext cx="5565438" cy="3320533"/>
+          <a:off x="1894346" y="1828799"/>
+          <a:ext cx="5129213" cy="3229293"/>
         </p:xfrm>
         <a:graphic>
           <a:graphicData uri="http://schemas.openxmlformats.org/drawingml/2006/chart">
-            <c:chart xmlns:c="http://schemas.openxmlformats.org/drawingml/2006/chart" xmlns:r="http://schemas.openxmlformats.org/officeDocument/2006/relationships" r:id="rId2"/>
+            <c:chart xmlns:c="http://schemas.openxmlformats.org/drawingml/2006/chart" xmlns:r="http://schemas.openxmlformats.org/officeDocument/2006/relationships" r:id="rId3"/>
           </a:graphicData>
         </a:graphic>
       </p:graphicFrame>
@@ -19661,7 +20706,7 @@
           <a:lstStyle/>
           <a:p>
             <a:r>
-              <a:rPr lang="en-CA" dirty="0">
+              <a:rPr lang="en-CA">
                 <a:latin typeface="Times New Roman" panose="02020603050405020304" pitchFamily="18" charset="0"/>
                 <a:cs typeface="Times New Roman" panose="02020603050405020304" pitchFamily="18" charset="0"/>
               </a:rPr>
@@ -19893,25 +20938,25 @@
               <a:buNone/>
             </a:pPr>
             <a:r>
-              <a:rPr lang="en-CA" sz="2400" kern="0" dirty="0">
+              <a:rPr lang="en-CA" sz="2400" kern="0">
                 <a:latin typeface="Times New Roman" panose="02020603050405020304" pitchFamily="18" charset="0"/>
                 <a:cs typeface="Times New Roman" panose="02020603050405020304" pitchFamily="18" charset="0"/>
               </a:rPr>
-              <a:t>5.3 Experiment 2: Multiple packets</a:t>
+              <a:t>5.2 Experiment 1: Minimum data with interval  </a:t>
             </a:r>
           </a:p>
         </p:txBody>
       </p:sp>
       <p:sp>
         <p:nvSpPr>
-          <p:cNvPr id="7" name="TextBox 6"/>
+          <p:cNvPr id="6" name="TextBox 5"/>
           <p:cNvSpPr txBox="1"/>
           <p:nvPr/>
         </p:nvSpPr>
         <p:spPr>
           <a:xfrm>
-            <a:off x="2667000" y="5185551"/>
-            <a:ext cx="3911648" cy="338554"/>
+            <a:off x="1983910" y="5193613"/>
+            <a:ext cx="5039649" cy="338554"/>
           </a:xfrm>
           <a:prstGeom prst="rect">
             <a:avLst/>
@@ -19925,30 +20970,90 @@
           <a:lstStyle/>
           <a:p>
             <a:r>
-              <a:rPr lang="en-US" altLang="zh-CN" sz="1600" dirty="0">
+              <a:rPr lang="en-US" altLang="zh-CN" sz="1600">
                 <a:latin typeface="Times New Roman" panose="02020603050405020304" pitchFamily="18" charset="0"/>
                 <a:cs typeface="Times New Roman" panose="02020603050405020304" pitchFamily="18" charset="0"/>
               </a:rPr>
-              <a:t>Figure 7: </a:t>
-            </a:r>
-            <a:r>
-              <a:rPr lang="en-CA" altLang="zh-CN" sz="1600" dirty="0">
+              <a:t>Figure 6: </a:t>
+            </a:r>
+            <a:r>
+              <a:rPr lang="en-CA" sz="1600">
                 <a:latin typeface="Times New Roman" panose="02020603050405020304" pitchFamily="18" charset="0"/>
                 <a:cs typeface="Times New Roman" panose="02020603050405020304" pitchFamily="18" charset="0"/>
               </a:rPr>
-              <a:t>Results of sending multiple packets</a:t>
-            </a:r>
-            <a:endParaRPr lang="en-CA" sz="1600" dirty="0">
-              <a:latin typeface="Times New Roman" panose="02020603050405020304" pitchFamily="18" charset="0"/>
-              <a:cs typeface="Times New Roman" panose="02020603050405020304" pitchFamily="18" charset="0"/>
-            </a:endParaRPr>
+              <a:t>Results of sending headers with different interval</a:t>
+            </a:r>
+          </a:p>
+        </p:txBody>
+      </p:sp>
+      <p:sp>
+        <p:nvSpPr>
+          <p:cNvPr id="7" name="Rectangle 6"/>
+          <p:cNvSpPr/>
+          <p:nvPr/>
+        </p:nvSpPr>
+        <p:spPr>
+          <a:xfrm>
+            <a:off x="7239600" y="6012000"/>
+            <a:ext cx="1936800" cy="252000"/>
+          </a:xfrm>
+          <a:prstGeom prst="rect">
+            <a:avLst/>
+          </a:prstGeom>
+          <a:gradFill flip="none" rotWithShape="1">
+            <a:gsLst>
+              <a:gs pos="0">
+                <a:schemeClr val="accent6">
+                  <a:shade val="30000"/>
+                  <a:satMod val="115000"/>
+                </a:schemeClr>
+              </a:gs>
+              <a:gs pos="50000">
+                <a:schemeClr val="accent6">
+                  <a:shade val="67500"/>
+                  <a:satMod val="115000"/>
+                </a:schemeClr>
+              </a:gs>
+              <a:gs pos="100000">
+                <a:srgbClr val="73BA40"/>
+              </a:gs>
+            </a:gsLst>
+            <a:path path="circle">
+              <a:fillToRect l="100000" t="100000"/>
+            </a:path>
+            <a:tileRect r="-100000" b="-100000"/>
+          </a:gradFill>
+          <a:ln>
+            <a:noFill/>
+          </a:ln>
+        </p:spPr>
+        <p:style>
+          <a:lnRef idx="0">
+            <a:scrgbClr r="0" g="0" b="0"/>
+          </a:lnRef>
+          <a:fillRef idx="0">
+            <a:scrgbClr r="0" g="0" b="0"/>
+          </a:fillRef>
+          <a:effectRef idx="0">
+            <a:scrgbClr r="0" g="0" b="0"/>
+          </a:effectRef>
+          <a:fontRef idx="minor">
+            <a:schemeClr val="lt1"/>
+          </a:fontRef>
+        </p:style>
+        <p:txBody>
+          <a:bodyPr rtlCol="0" anchor="ctr"/>
+          <a:lstStyle/>
+          <a:p>
+            <a:pPr algn="ctr"/>
+            <a:endParaRPr lang="en-CA"/>
           </a:p>
         </p:txBody>
       </p:sp>
     </p:spTree>
     <p:extLst>
       <p:ext uri="{BB962C8B-B14F-4D97-AF65-F5344CB8AC3E}">
-        <p14:creationId xmlns:p14="http://schemas.microsoft.com/office/powerpoint/2010/main" val="2060812568"/>
+        <p14:creationId xmlns:p14="http://schemas.microsoft.com/office/powerpoint/2010/main" val="3777536925"/>
       </p:ext>
     </p:extLst>
   </p:cSld>
@@ -19982,18 +21087,18 @@
           <p:nvPr>
             <p:extLst>
               <p:ext uri="{D42A27DB-BD31-4B8C-83A1-F6EECF244321}">
-                <p14:modId xmlns:p14="http://schemas.microsoft.com/office/powerpoint/2010/main" val="4196715118"/>
+                <p14:modId xmlns:p14="http://schemas.microsoft.com/office/powerpoint/2010/main" val="4230346978"/>
               </p:ext>
             </p:extLst>
           </p:nvPr>
         </p:nvGraphicFramePr>
         <p:xfrm>
-          <a:off x="2057400" y="2141174"/>
-          <a:ext cx="5043026" cy="2933360"/>
+          <a:off x="1721017" y="1865018"/>
+          <a:ext cx="5565438" cy="3320533"/>
         </p:xfrm>
         <a:graphic>
           <a:graphicData uri="http://schemas.openxmlformats.org/drawingml/2006/chart">
-            <c:chart xmlns:c="http://schemas.openxmlformats.org/drawingml/2006/chart" xmlns:r="http://schemas.openxmlformats.org/officeDocument/2006/relationships" r:id="rId2"/>
+            <c:chart xmlns:c="http://schemas.openxmlformats.org/drawingml/2006/chart" xmlns:r="http://schemas.openxmlformats.org/officeDocument/2006/relationships" r:id="rId3"/>
           </a:graphicData>
         </a:graphic>
       </p:graphicFrame>
@@ -20020,7 +21125,7 @@
           <a:lstStyle/>
           <a:p>
             <a:r>
-              <a:rPr lang="en-CA" dirty="0">
+              <a:rPr lang="en-CA">
                 <a:latin typeface="Times New Roman" panose="02020603050405020304" pitchFamily="18" charset="0"/>
                 <a:cs typeface="Times New Roman" panose="02020603050405020304" pitchFamily="18" charset="0"/>
               </a:rPr>
@@ -20252,25 +21357,25 @@
               <a:buNone/>
             </a:pPr>
             <a:r>
-              <a:rPr lang="en-CA" sz="2400" kern="0" dirty="0">
+              <a:rPr lang="en-CA" sz="2400" kern="0">
                 <a:latin typeface="Times New Roman" panose="02020603050405020304" pitchFamily="18" charset="0"/>
                 <a:cs typeface="Times New Roman" panose="02020603050405020304" pitchFamily="18" charset="0"/>
               </a:rPr>
-              <a:t>5.4 Experiment 3: Round trip</a:t>
+              <a:t>5.3 Experiment 2: Multiple packets</a:t>
             </a:r>
           </a:p>
         </p:txBody>
       </p:sp>
       <p:sp>
         <p:nvSpPr>
-          <p:cNvPr id="6" name="TextBox 5"/>
+          <p:cNvPr id="7" name="TextBox 6"/>
           <p:cNvSpPr txBox="1"/>
           <p:nvPr/>
         </p:nvSpPr>
         <p:spPr>
           <a:xfrm>
-            <a:off x="2768738" y="5202243"/>
-            <a:ext cx="3312125" cy="338554"/>
+            <a:off x="2667000" y="5185551"/>
+            <a:ext cx="3911648" cy="338554"/>
           </a:xfrm>
           <a:prstGeom prst="rect">
             <a:avLst/>
@@ -20284,26 +21389,94 @@
           <a:lstStyle/>
           <a:p>
             <a:r>
-              <a:rPr lang="en-US" altLang="zh-CN" sz="1600" dirty="0">
+              <a:rPr lang="en-US" altLang="zh-CN" sz="1600">
                 <a:latin typeface="Times New Roman" panose="02020603050405020304" pitchFamily="18" charset="0"/>
                 <a:cs typeface="Times New Roman" panose="02020603050405020304" pitchFamily="18" charset="0"/>
               </a:rPr>
-              <a:t>Figure 8: </a:t>
-            </a:r>
-            <a:r>
-              <a:rPr lang="en-CA" sz="1600" dirty="0">
+              <a:t>Figure 7: </a:t>
+            </a:r>
+            <a:r>
+              <a:rPr lang="en-CA" altLang="zh-CN" sz="1600">
                 <a:latin typeface="Times New Roman" panose="02020603050405020304" pitchFamily="18" charset="0"/>
                 <a:cs typeface="Times New Roman" panose="02020603050405020304" pitchFamily="18" charset="0"/>
               </a:rPr>
-              <a:t>First set of 4-byte round trip</a:t>
-            </a:r>
+              <a:t>Results of sending multiple packets</a:t>
+            </a:r>
+            <a:endParaRPr lang="en-CA" sz="1600">
+              <a:latin typeface="Times New Roman" panose="02020603050405020304" pitchFamily="18" charset="0"/>
+              <a:cs typeface="Times New Roman" panose="02020603050405020304" pitchFamily="18" charset="0"/>
+            </a:endParaRPr>
+          </a:p>
+        </p:txBody>
+      </p:sp>
+      <p:sp>
+        <p:nvSpPr>
+          <p:cNvPr id="6" name="Rectangle 5"/>
+          <p:cNvSpPr/>
+          <p:nvPr/>
+        </p:nvSpPr>
+        <p:spPr>
+          <a:xfrm>
+            <a:off x="7239600" y="6012000"/>
+            <a:ext cx="1936800" cy="252000"/>
+          </a:xfrm>
+          <a:prstGeom prst="rect">
+            <a:avLst/>
+          </a:prstGeom>
+          <a:gradFill flip="none" rotWithShape="1">
+            <a:gsLst>
+              <a:gs pos="0">
+                <a:schemeClr val="accent6">
+                  <a:shade val="30000"/>
+                  <a:satMod val="115000"/>
+                </a:schemeClr>
+              </a:gs>
+              <a:gs pos="50000">
+                <a:schemeClr val="accent6">
+                  <a:shade val="67500"/>
+                  <a:satMod val="115000"/>
+                </a:schemeClr>
+              </a:gs>
+              <a:gs pos="100000">
+                <a:srgbClr val="73BA40"/>
+              </a:gs>
+            </a:gsLst>
+            <a:path path="circle">
+              <a:fillToRect l="100000" t="100000"/>
+            </a:path>
+            <a:tileRect r="-100000" b="-100000"/>
+          </a:gradFill>
+          <a:ln>
+            <a:noFill/>
+          </a:ln>
+        </p:spPr>
+        <p:style>
+          <a:lnRef idx="0">
+            <a:scrgbClr r="0" g="0" b="0"/>
+          </a:lnRef>
+          <a:fillRef idx="0">
+            <a:scrgbClr r="0" g="0" b="0"/>
+          </a:fillRef>
+          <a:effectRef idx="0">
+            <a:scrgbClr r="0" g="0" b="0"/>
+          </a:effectRef>
+          <a:fontRef idx="minor">
+            <a:schemeClr val="lt1"/>
+          </a:fontRef>
+        </p:style>
+        <p:txBody>
+          <a:bodyPr rtlCol="0" anchor="ctr"/>
+          <a:lstStyle/>
+          <a:p>
+            <a:pPr algn="ctr"/>
+            <a:endParaRPr lang="en-CA"/>
           </a:p>
         </p:txBody>
       </p:sp>
     </p:spTree>
     <p:extLst>
       <p:ext uri="{BB962C8B-B14F-4D97-AF65-F5344CB8AC3E}">
-        <p14:creationId xmlns:p14="http://schemas.microsoft.com/office/powerpoint/2010/main" val="1154818113"/>
+        <p14:creationId xmlns:p14="http://schemas.microsoft.com/office/powerpoint/2010/main" val="2060812568"/>
       </p:ext>
     </p:extLst>
   </p:cSld>
@@ -20330,28 +21503,6 @@
           <a:chExt cx="0" cy="0"/>
         </a:xfrm>
       </p:grpSpPr>
-      <p:graphicFrame>
-        <p:nvGraphicFramePr>
-          <p:cNvPr id="4" name="Chart 3"/>
-          <p:cNvGraphicFramePr/>
-          <p:nvPr>
-            <p:extLst>
-              <p:ext uri="{D42A27DB-BD31-4B8C-83A1-F6EECF244321}">
-                <p14:modId xmlns:p14="http://schemas.microsoft.com/office/powerpoint/2010/main" val="1170605302"/>
-              </p:ext>
-            </p:extLst>
-          </p:nvPr>
-        </p:nvGraphicFramePr>
-        <p:xfrm>
-          <a:off x="1905000" y="1828799"/>
-          <a:ext cx="5509260" cy="3162300"/>
-        </p:xfrm>
-        <a:graphic>
-          <a:graphicData uri="http://schemas.openxmlformats.org/drawingml/2006/chart">
-            <c:chart xmlns:c="http://schemas.openxmlformats.org/drawingml/2006/chart" xmlns:r="http://schemas.openxmlformats.org/officeDocument/2006/relationships" r:id="rId2"/>
-          </a:graphicData>
-        </a:graphic>
-      </p:graphicFrame>
       <p:sp>
         <p:nvSpPr>
           <p:cNvPr id="3" name="Title 1"/>
@@ -20375,7 +21526,7 @@
           <a:lstStyle/>
           <a:p>
             <a:r>
-              <a:rPr lang="en-CA" dirty="0">
+              <a:rPr lang="en-CA">
                 <a:latin typeface="Times New Roman" panose="02020603050405020304" pitchFamily="18" charset="0"/>
                 <a:cs typeface="Times New Roman" panose="02020603050405020304" pitchFamily="18" charset="0"/>
               </a:rPr>
@@ -20607,7 +21758,450 @@
               <a:buNone/>
             </a:pPr>
             <a:r>
-              <a:rPr lang="en-CA" sz="2400" kern="0" dirty="0">
+              <a:rPr lang="en-CA" sz="2400" kern="0">
+                <a:latin typeface="Times New Roman" panose="02020603050405020304" pitchFamily="18" charset="0"/>
+                <a:cs typeface="Times New Roman" panose="02020603050405020304" pitchFamily="18" charset="0"/>
+              </a:rPr>
+              <a:t>5.4 Experiment 3: Round trip</a:t>
+            </a:r>
+          </a:p>
+        </p:txBody>
+      </p:sp>
+      <p:sp>
+        <p:nvSpPr>
+          <p:cNvPr id="6" name="TextBox 5"/>
+          <p:cNvSpPr txBox="1"/>
+          <p:nvPr/>
+        </p:nvSpPr>
+        <p:spPr>
+          <a:xfrm>
+            <a:off x="3314147" y="5202242"/>
+            <a:ext cx="2379177" cy="338554"/>
+          </a:xfrm>
+          <a:prstGeom prst="rect">
+            <a:avLst/>
+          </a:prstGeom>
+          <a:noFill/>
+        </p:spPr>
+        <p:txBody>
+          <a:bodyPr wrap="none" rtlCol="0">
+            <a:spAutoFit/>
+          </a:bodyPr>
+          <a:lstStyle/>
+          <a:p>
+            <a:r>
+              <a:rPr lang="en-US" altLang="zh-CN" sz="1600">
+                <a:latin typeface="Times New Roman" panose="02020603050405020304" pitchFamily="18" charset="0"/>
+                <a:cs typeface="Times New Roman" panose="02020603050405020304" pitchFamily="18" charset="0"/>
+              </a:rPr>
+              <a:t>Figure 8: </a:t>
+            </a:r>
+            <a:r>
+              <a:rPr lang="en-CA" sz="1600">
+                <a:latin typeface="Times New Roman" panose="02020603050405020304" pitchFamily="18" charset="0"/>
+                <a:cs typeface="Times New Roman" panose="02020603050405020304" pitchFamily="18" charset="0"/>
+              </a:rPr>
+              <a:t>4-byte round trip</a:t>
+            </a:r>
+          </a:p>
+        </p:txBody>
+      </p:sp>
+      <p:pic>
+        <p:nvPicPr>
+          <p:cNvPr id="2" name="Picture 1"/>
+          <p:cNvPicPr>
+            <a:picLocks noChangeAspect="1"/>
+          </p:cNvPicPr>
+          <p:nvPr/>
+        </p:nvPicPr>
+        <p:blipFill>
+          <a:blip r:embed="rId3"/>
+          <a:stretch>
+            <a:fillRect/>
+          </a:stretch>
+        </p:blipFill>
+        <p:spPr>
+          <a:xfrm>
+            <a:off x="1600200" y="2110694"/>
+            <a:ext cx="5821364" cy="2961156"/>
+          </a:xfrm>
+          <a:prstGeom prst="rect">
+            <a:avLst/>
+          </a:prstGeom>
+        </p:spPr>
+      </p:pic>
+      <p:sp>
+        <p:nvSpPr>
+          <p:cNvPr id="7" name="Rectangle 6"/>
+          <p:cNvSpPr/>
+          <p:nvPr/>
+        </p:nvSpPr>
+        <p:spPr>
+          <a:xfrm>
+            <a:off x="7239600" y="6012000"/>
+            <a:ext cx="1936800" cy="252000"/>
+          </a:xfrm>
+          <a:prstGeom prst="rect">
+            <a:avLst/>
+          </a:prstGeom>
+          <a:gradFill flip="none" rotWithShape="1">
+            <a:gsLst>
+              <a:gs pos="0">
+                <a:schemeClr val="accent6">
+                  <a:shade val="30000"/>
+                  <a:satMod val="115000"/>
+                </a:schemeClr>
+              </a:gs>
+              <a:gs pos="50000">
+                <a:schemeClr val="accent6">
+                  <a:shade val="67500"/>
+                  <a:satMod val="115000"/>
+                </a:schemeClr>
+              </a:gs>
+              <a:gs pos="100000">
+                <a:srgbClr val="73BA40"/>
+              </a:gs>
+            </a:gsLst>
+            <a:path path="circle">
+              <a:fillToRect l="100000" t="100000"/>
+            </a:path>
+            <a:tileRect r="-100000" b="-100000"/>
+          </a:gradFill>
+          <a:ln>
+            <a:noFill/>
+          </a:ln>
+        </p:spPr>
+        <p:style>
+          <a:lnRef idx="0">
+            <a:scrgbClr r="0" g="0" b="0"/>
+          </a:lnRef>
+          <a:fillRef idx="0">
+            <a:scrgbClr r="0" g="0" b="0"/>
+          </a:fillRef>
+          <a:effectRef idx="0">
+            <a:scrgbClr r="0" g="0" b="0"/>
+          </a:effectRef>
+          <a:fontRef idx="minor">
+            <a:schemeClr val="lt1"/>
+          </a:fontRef>
+        </p:style>
+        <p:txBody>
+          <a:bodyPr rtlCol="0" anchor="ctr"/>
+          <a:lstStyle/>
+          <a:p>
+            <a:pPr algn="ctr"/>
+            <a:endParaRPr lang="en-CA"/>
+          </a:p>
+        </p:txBody>
+      </p:sp>
+    </p:spTree>
+    <p:extLst>
+      <p:ext uri="{BB962C8B-B14F-4D97-AF65-F5344CB8AC3E}">
+        <p14:creationId xmlns:p14="http://schemas.microsoft.com/office/powerpoint/2010/main" val="1154818113"/>
+      </p:ext>
+    </p:extLst>
+  </p:cSld>
+  <p:clrMapOvr>
+    <a:masterClrMapping/>
+  </p:clrMapOvr>
+</p:sld>
+</file>
+
+<file path=ppt/slides/slide18.xml><?xml version="1.0" encoding="utf-8"?>
+<p:sld xmlns:a="http://schemas.openxmlformats.org/drawingml/2006/main" xmlns:r="http://schemas.openxmlformats.org/officeDocument/2006/relationships" xmlns:p="http://schemas.openxmlformats.org/presentationml/2006/main">
+  <p:cSld>
+    <p:spTree>
+      <p:nvGrpSpPr>
+        <p:cNvPr id="1" name=""/>
+        <p:cNvGrpSpPr/>
+        <p:nvPr/>
+      </p:nvGrpSpPr>
+      <p:grpSpPr>
+        <a:xfrm>
+          <a:off x="0" y="0"/>
+          <a:ext cx="0" cy="0"/>
+          <a:chOff x="0" y="0"/>
+          <a:chExt cx="0" cy="0"/>
+        </a:xfrm>
+      </p:grpSpPr>
+      <p:graphicFrame>
+        <p:nvGraphicFramePr>
+          <p:cNvPr id="4" name="Chart 3"/>
+          <p:cNvGraphicFramePr/>
+          <p:nvPr>
+            <p:extLst>
+              <p:ext uri="{D42A27DB-BD31-4B8C-83A1-F6EECF244321}">
+                <p14:modId xmlns:p14="http://schemas.microsoft.com/office/powerpoint/2010/main" val="1170605302"/>
+              </p:ext>
+            </p:extLst>
+          </p:nvPr>
+        </p:nvGraphicFramePr>
+        <p:xfrm>
+          <a:off x="1905000" y="1828799"/>
+          <a:ext cx="5509260" cy="3162300"/>
+        </p:xfrm>
+        <a:graphic>
+          <a:graphicData uri="http://schemas.openxmlformats.org/drawingml/2006/chart">
+            <c:chart xmlns:c="http://schemas.openxmlformats.org/drawingml/2006/chart" xmlns:r="http://schemas.openxmlformats.org/officeDocument/2006/relationships" r:id="rId2"/>
+          </a:graphicData>
+        </a:graphic>
+      </p:graphicFrame>
+      <p:sp>
+        <p:nvSpPr>
+          <p:cNvPr id="3" name="Title 1"/>
+          <p:cNvSpPr>
+            <a:spLocks noGrp="1"/>
+          </p:cNvSpPr>
+          <p:nvPr>
+            <p:ph type="title"/>
+          </p:nvPr>
+        </p:nvSpPr>
+        <p:spPr>
+          <a:xfrm>
+            <a:off x="228599" y="799137"/>
+            <a:ext cx="7886700" cy="724864"/>
+          </a:xfrm>
+        </p:spPr>
+        <p:txBody>
+          <a:bodyPr>
+            <a:normAutofit/>
+          </a:bodyPr>
+          <a:lstStyle/>
+          <a:p>
+            <a:r>
+              <a:rPr lang="en-CA">
+                <a:latin typeface="Times New Roman" panose="02020603050405020304" pitchFamily="18" charset="0"/>
+                <a:cs typeface="Times New Roman" panose="02020603050405020304" pitchFamily="18" charset="0"/>
+              </a:rPr>
+              <a:t>5 Experiment</a:t>
+            </a:r>
+          </a:p>
+        </p:txBody>
+      </p:sp>
+      <p:sp>
+        <p:nvSpPr>
+          <p:cNvPr id="5" name="Content Placeholder 2"/>
+          <p:cNvSpPr txBox="1">
+            <a:spLocks/>
+          </p:cNvSpPr>
+          <p:nvPr/>
+        </p:nvSpPr>
+        <p:spPr bwMode="auto">
+          <a:xfrm>
+            <a:off x="228599" y="1416310"/>
+            <a:ext cx="8550275" cy="412489"/>
+          </a:xfrm>
+          <a:prstGeom prst="rect">
+            <a:avLst/>
+          </a:prstGeom>
+          <a:noFill/>
+          <a:ln>
+            <a:noFill/>
+          </a:ln>
+          <a:extLst>
+            <a:ext uri="{909E8E84-426E-40dd-AFC4-6F175D3DCCD1}">
+              <a14:hiddenFill xmlns="" xmlns:a14="http://schemas.microsoft.com/office/drawing/2010/main">
+                <a:solidFill>
+                  <a:srgbClr val="FFFFFF"/>
+                </a:solidFill>
+              </a14:hiddenFill>
+            </a:ext>
+            <a:ext uri="{91240B29-F687-4f45-9708-019B960494DF}">
+              <a14:hiddenLine xmlns="" xmlns:a14="http://schemas.microsoft.com/office/drawing/2010/main" w="9525">
+                <a:solidFill>
+                  <a:srgbClr val="000000"/>
+                </a:solidFill>
+                <a:miter lim="800000"/>
+                <a:headEnd/>
+                <a:tailEnd/>
+              </a14:hiddenLine>
+            </a:ext>
+            <a:ext uri="{FAA26D3D-D897-4be2-8F04-BA451C77F1D7}">
+              <ma14:placeholderFlag xmlns="" xmlns:ma14="http://schemas.microsoft.com/office/mac/drawingml/2011/main" val="1"/>
+            </a:ext>
+          </a:extLst>
+        </p:spPr>
+        <p:txBody>
+          <a:bodyPr vert="horz" wrap="square" lIns="91440" tIns="45720" rIns="91440" bIns="45720" numCol="1" anchor="t" anchorCtr="0" compatLnSpc="1">
+            <a:prstTxWarp prst="textNoShape">
+              <a:avLst/>
+            </a:prstTxWarp>
+          </a:bodyPr>
+          <a:lstStyle>
+            <a:lvl1pPr marL="269875" indent="-269875" algn="l" rtl="0" eaLnBrk="0" fontAlgn="base" hangingPunct="0">
+              <a:spcBef>
+                <a:spcPct val="20000"/>
+              </a:spcBef>
+              <a:spcAft>
+                <a:spcPct val="0"/>
+              </a:spcAft>
+              <a:buSzPct val="75000"/>
+              <a:buFont typeface="Wingdings" charset="0"/>
+              <a:buChar char="§"/>
+              <a:defRPr sz="3200">
+                <a:solidFill>
+                  <a:srgbClr val="000000"/>
+                </a:solidFill>
+                <a:latin typeface="Calibri"/>
+                <a:ea typeface="ＭＳ Ｐゴシック" pitchFamily="-108" charset="-128"/>
+                <a:cs typeface="Calibri"/>
+              </a:defRPr>
+            </a:lvl1pPr>
+            <a:lvl2pPr marL="914400" indent="-457200" algn="l" rtl="0" eaLnBrk="0" fontAlgn="base" hangingPunct="0">
+              <a:spcBef>
+                <a:spcPct val="20000"/>
+              </a:spcBef>
+              <a:spcAft>
+                <a:spcPct val="0"/>
+              </a:spcAft>
+              <a:buClrTx/>
+              <a:buSzPct val="100000"/>
+              <a:buFont typeface="Arial"/>
+              <a:buChar char="•"/>
+              <a:defRPr sz="2800">
+                <a:solidFill>
+                  <a:srgbClr val="000000"/>
+                </a:solidFill>
+                <a:latin typeface="Calibri"/>
+                <a:ea typeface="ＭＳ Ｐゴシック" pitchFamily="-108" charset="-128"/>
+                <a:cs typeface="Calibri"/>
+              </a:defRPr>
+            </a:lvl2pPr>
+            <a:lvl3pPr marL="1371600" indent="-457200" algn="l" rtl="0" eaLnBrk="0" fontAlgn="base" hangingPunct="0">
+              <a:spcBef>
+                <a:spcPct val="20000"/>
+              </a:spcBef>
+              <a:spcAft>
+                <a:spcPct val="0"/>
+              </a:spcAft>
+              <a:buClrTx/>
+              <a:buSzPct val="100000"/>
+              <a:buFont typeface="Arial"/>
+              <a:buChar char="•"/>
+              <a:defRPr sz="2400">
+                <a:solidFill>
+                  <a:srgbClr val="000000"/>
+                </a:solidFill>
+                <a:latin typeface="Calibri"/>
+                <a:ea typeface="ＭＳ Ｐゴシック" pitchFamily="-108" charset="-128"/>
+                <a:cs typeface="Calibri"/>
+              </a:defRPr>
+            </a:lvl3pPr>
+            <a:lvl4pPr marL="1752600" indent="-381000" algn="l" rtl="0" eaLnBrk="0" fontAlgn="base" hangingPunct="0">
+              <a:spcBef>
+                <a:spcPct val="20000"/>
+              </a:spcBef>
+              <a:spcAft>
+                <a:spcPct val="0"/>
+              </a:spcAft>
+              <a:buClrTx/>
+              <a:buSzPct val="100000"/>
+              <a:buFont typeface="Arial"/>
+              <a:buChar char="•"/>
+              <a:defRPr sz="2000">
+                <a:solidFill>
+                  <a:srgbClr val="000000"/>
+                </a:solidFill>
+                <a:latin typeface="Calibri"/>
+                <a:ea typeface="ＭＳ Ｐゴシック" pitchFamily="-108" charset="-128"/>
+                <a:cs typeface="Calibri"/>
+              </a:defRPr>
+            </a:lvl4pPr>
+            <a:lvl5pPr marL="2209800" indent="-381000" algn="l" rtl="0" eaLnBrk="0" fontAlgn="base" hangingPunct="0">
+              <a:spcBef>
+                <a:spcPct val="20000"/>
+              </a:spcBef>
+              <a:spcAft>
+                <a:spcPct val="0"/>
+              </a:spcAft>
+              <a:buClrTx/>
+              <a:buSzPct val="100000"/>
+              <a:buFont typeface="Arial"/>
+              <a:buChar char="•"/>
+              <a:defRPr sz="1800">
+                <a:solidFill>
+                  <a:srgbClr val="000000"/>
+                </a:solidFill>
+                <a:latin typeface="Calibri"/>
+                <a:ea typeface="ＭＳ Ｐゴシック" pitchFamily="-108" charset="-128"/>
+                <a:cs typeface="Calibri"/>
+              </a:defRPr>
+            </a:lvl5pPr>
+            <a:lvl6pPr marL="2667000" indent="-381000" algn="l" rtl="0" fontAlgn="base">
+              <a:spcBef>
+                <a:spcPct val="20000"/>
+              </a:spcBef>
+              <a:spcAft>
+                <a:spcPct val="0"/>
+              </a:spcAft>
+              <a:buFont typeface="Times" pitchFamily="-108" charset="0"/>
+              <a:buChar char="•"/>
+              <a:defRPr sz="2000">
+                <a:solidFill>
+                  <a:srgbClr val="FFFFFF"/>
+                </a:solidFill>
+                <a:latin typeface="Georgia" pitchFamily="-108" charset="0"/>
+                <a:ea typeface="ＭＳ Ｐゴシック" pitchFamily="-108" charset="-128"/>
+              </a:defRPr>
+            </a:lvl6pPr>
+            <a:lvl7pPr marL="3124200" indent="-381000" algn="l" rtl="0" fontAlgn="base">
+              <a:spcBef>
+                <a:spcPct val="20000"/>
+              </a:spcBef>
+              <a:spcAft>
+                <a:spcPct val="0"/>
+              </a:spcAft>
+              <a:buFont typeface="Times" pitchFamily="-108" charset="0"/>
+              <a:buChar char="•"/>
+              <a:defRPr sz="2000">
+                <a:solidFill>
+                  <a:srgbClr val="FFFFFF"/>
+                </a:solidFill>
+                <a:latin typeface="Georgia" pitchFamily="-108" charset="0"/>
+                <a:ea typeface="ＭＳ Ｐゴシック" pitchFamily="-108" charset="-128"/>
+              </a:defRPr>
+            </a:lvl7pPr>
+            <a:lvl8pPr marL="3581400" indent="-381000" algn="l" rtl="0" fontAlgn="base">
+              <a:spcBef>
+                <a:spcPct val="20000"/>
+              </a:spcBef>
+              <a:spcAft>
+                <a:spcPct val="0"/>
+              </a:spcAft>
+              <a:buFont typeface="Times" pitchFamily="-108" charset="0"/>
+              <a:buChar char="•"/>
+              <a:defRPr sz="2000">
+                <a:solidFill>
+                  <a:srgbClr val="FFFFFF"/>
+                </a:solidFill>
+                <a:latin typeface="Georgia" pitchFamily="-108" charset="0"/>
+                <a:ea typeface="ＭＳ Ｐゴシック" pitchFamily="-108" charset="-128"/>
+              </a:defRPr>
+            </a:lvl8pPr>
+            <a:lvl9pPr marL="4038600" indent="-381000" algn="l" rtl="0" fontAlgn="base">
+              <a:spcBef>
+                <a:spcPct val="20000"/>
+              </a:spcBef>
+              <a:spcAft>
+                <a:spcPct val="0"/>
+              </a:spcAft>
+              <a:buFont typeface="Times" pitchFamily="-108" charset="0"/>
+              <a:buChar char="•"/>
+              <a:defRPr sz="2000">
+                <a:solidFill>
+                  <a:srgbClr val="FFFFFF"/>
+                </a:solidFill>
+                <a:latin typeface="Georgia" pitchFamily="-108" charset="0"/>
+                <a:ea typeface="ＭＳ Ｐゴシック" pitchFamily="-108" charset="-128"/>
+              </a:defRPr>
+            </a:lvl9pPr>
+          </a:lstStyle>
+          <a:p>
+            <a:pPr marL="0" indent="0">
+              <a:buNone/>
+            </a:pPr>
+            <a:r>
+              <a:rPr lang="en-CA" sz="2400" kern="0">
                 <a:latin typeface="Times New Roman" panose="02020603050405020304" pitchFamily="18" charset="0"/>
                 <a:cs typeface="Times New Roman" panose="02020603050405020304" pitchFamily="18" charset="0"/>
               </a:rPr>
@@ -20639,19 +22233,83 @@
           <a:lstStyle/>
           <a:p>
             <a:r>
-              <a:rPr lang="en-US" altLang="zh-CN" sz="1600" dirty="0">
+              <a:rPr lang="en-US" altLang="zh-CN" sz="1600">
                 <a:latin typeface="Times New Roman" panose="02020603050405020304" pitchFamily="18" charset="0"/>
                 <a:cs typeface="Times New Roman" panose="02020603050405020304" pitchFamily="18" charset="0"/>
               </a:rPr>
               <a:t>Figure 9: </a:t>
             </a:r>
             <a:r>
-              <a:rPr lang="en-CA" sz="1600" dirty="0">
+              <a:rPr lang="en-CA" sz="1600">
                 <a:latin typeface="Times New Roman" panose="02020603050405020304" pitchFamily="18" charset="0"/>
                 <a:cs typeface="Times New Roman" panose="02020603050405020304" pitchFamily="18" charset="0"/>
               </a:rPr>
               <a:t>Result of Multi-App Experiment</a:t>
             </a:r>
+          </a:p>
+        </p:txBody>
+      </p:sp>
+      <p:sp>
+        <p:nvSpPr>
+          <p:cNvPr id="7" name="Rectangle 6"/>
+          <p:cNvSpPr/>
+          <p:nvPr/>
+        </p:nvSpPr>
+        <p:spPr>
+          <a:xfrm>
+            <a:off x="7239600" y="6012000"/>
+            <a:ext cx="1936800" cy="252000"/>
+          </a:xfrm>
+          <a:prstGeom prst="rect">
+            <a:avLst/>
+          </a:prstGeom>
+          <a:gradFill flip="none" rotWithShape="1">
+            <a:gsLst>
+              <a:gs pos="0">
+                <a:schemeClr val="accent6">
+                  <a:shade val="30000"/>
+                  <a:satMod val="115000"/>
+                </a:schemeClr>
+              </a:gs>
+              <a:gs pos="50000">
+                <a:schemeClr val="accent6">
+                  <a:shade val="67500"/>
+                  <a:satMod val="115000"/>
+                </a:schemeClr>
+              </a:gs>
+              <a:gs pos="100000">
+                <a:srgbClr val="73BA40"/>
+              </a:gs>
+            </a:gsLst>
+            <a:path path="circle">
+              <a:fillToRect l="100000" t="100000"/>
+            </a:path>
+            <a:tileRect r="-100000" b="-100000"/>
+          </a:gradFill>
+          <a:ln>
+            <a:noFill/>
+          </a:ln>
+        </p:spPr>
+        <p:style>
+          <a:lnRef idx="0">
+            <a:scrgbClr r="0" g="0" b="0"/>
+          </a:lnRef>
+          <a:fillRef idx="0">
+            <a:scrgbClr r="0" g="0" b="0"/>
+          </a:fillRef>
+          <a:effectRef idx="0">
+            <a:scrgbClr r="0" g="0" b="0"/>
+          </a:effectRef>
+          <a:fontRef idx="minor">
+            <a:schemeClr val="lt1"/>
+          </a:fontRef>
+        </p:style>
+        <p:txBody>
+          <a:bodyPr rtlCol="0" anchor="ctr"/>
+          <a:lstStyle/>
+          <a:p>
+            <a:pPr algn="ctr"/>
+            <a:endParaRPr lang="en-CA"/>
           </a:p>
         </p:txBody>
       </p:sp>
@@ -20668,7 +22326,7 @@
 </p:sld>
 </file>
 
-<file path=ppt/slides/slide18.xml><?xml version="1.0" encoding="utf-8"?>
+<file path=ppt/slides/slide19.xml><?xml version="1.0" encoding="utf-8"?>
 <p:sld xmlns:a="http://schemas.openxmlformats.org/drawingml/2006/main" xmlns:r="http://schemas.openxmlformats.org/officeDocument/2006/relationships" xmlns:p="http://schemas.openxmlformats.org/presentationml/2006/main">
   <p:cSld>
     <p:spTree>
@@ -20708,7 +22366,7 @@
           <a:lstStyle/>
           <a:p>
             <a:r>
-              <a:rPr lang="en-CA" dirty="0">
+              <a:rPr lang="en-CA">
                 <a:latin typeface="Times New Roman" panose="02020603050405020304" pitchFamily="18" charset="0"/>
                 <a:cs typeface="Times New Roman" panose="02020603050405020304" pitchFamily="18" charset="0"/>
               </a:rPr>
@@ -20940,7 +22598,7 @@
               <a:buNone/>
             </a:pPr>
             <a:r>
-              <a:rPr lang="en-CA" sz="2400" kern="0" dirty="0">
+              <a:rPr lang="en-CA" sz="2400" kern="0">
                 <a:latin typeface="Times New Roman" panose="02020603050405020304" pitchFamily="18" charset="0"/>
                 <a:cs typeface="Times New Roman" panose="02020603050405020304" pitchFamily="18" charset="0"/>
               </a:rPr>
@@ -20972,21 +22630,21 @@
           <a:lstStyle/>
           <a:p>
             <a:r>
-              <a:rPr lang="en-US" altLang="zh-CN" sz="2000" dirty="0">
+              <a:rPr lang="en-US" altLang="zh-CN" sz="2000">
                 <a:latin typeface="Times New Roman" panose="02020603050405020304" pitchFamily="18" charset="0"/>
                 <a:cs typeface="Times New Roman" panose="02020603050405020304" pitchFamily="18" charset="0"/>
               </a:rPr>
               <a:t>The </a:t>
             </a:r>
             <a:r>
-              <a:rPr lang="en-CA" altLang="zh-CN" sz="2000" dirty="0">
+              <a:rPr lang="en-CA" altLang="zh-CN" sz="2000">
                 <a:latin typeface="Times New Roman" panose="02020603050405020304" pitchFamily="18" charset="0"/>
                 <a:cs typeface="Times New Roman" panose="02020603050405020304" pitchFamily="18" charset="0"/>
               </a:rPr>
               <a:t>d</a:t>
             </a:r>
             <a:r>
-              <a:rPr lang="en-CA" sz="2000" dirty="0">
+              <a:rPr lang="en-CA" sz="2000">
                 <a:latin typeface="Times New Roman" panose="02020603050405020304" pitchFamily="18" charset="0"/>
                 <a:cs typeface="Times New Roman" panose="02020603050405020304" pitchFamily="18" charset="0"/>
               </a:rPr>
@@ -20995,36 +22653,135 @@
           </a:p>
           <a:p>
             <a:r>
-              <a:rPr lang="en-CA" sz="2000" dirty="0">
+              <a:rPr lang="en-CA" sz="2000">
                 <a:latin typeface="Times New Roman" panose="02020603050405020304" pitchFamily="18" charset="0"/>
                 <a:cs typeface="Times New Roman" panose="02020603050405020304" pitchFamily="18" charset="0"/>
               </a:rPr>
-              <a:t>The constant fluctuation comes from save energy mechanisms.</a:t>
-            </a:r>
-          </a:p>
-          <a:p>
-            <a:r>
-              <a:rPr lang="en-CA" sz="2000" dirty="0">
+              <a:t>The </a:t>
+            </a:r>
+            <a:r>
+              <a:rPr lang="en-US" altLang="zh-CN" sz="2000">
                 <a:latin typeface="Times New Roman" panose="02020603050405020304" pitchFamily="18" charset="0"/>
                 <a:cs typeface="Times New Roman" panose="02020603050405020304" pitchFamily="18" charset="0"/>
               </a:rPr>
-              <a:t>The performance of Android’s peripheral mode needs to be improved.</a:t>
-            </a:r>
-          </a:p>
-          <a:p>
-            <a:r>
-              <a:rPr lang="en-CA" sz="2000" dirty="0">
+              <a:t>BLE’s </a:t>
+            </a:r>
+            <a:r>
+              <a:rPr lang="en-CA" sz="2000">
                 <a:latin typeface="Times New Roman" panose="02020603050405020304" pitchFamily="18" charset="0"/>
                 <a:cs typeface="Times New Roman" panose="02020603050405020304" pitchFamily="18" charset="0"/>
               </a:rPr>
+              <a:t>save energy mechanisms </a:t>
+            </a:r>
+            <a:r>
+              <a:rPr lang="en-US" altLang="zh-CN" sz="2000">
+                <a:latin typeface="Times New Roman" panose="02020603050405020304" pitchFamily="18" charset="0"/>
+                <a:cs typeface="Times New Roman" panose="02020603050405020304" pitchFamily="18" charset="0"/>
+              </a:rPr>
+              <a:t>influence the</a:t>
+            </a:r>
+            <a:r>
+              <a:rPr lang="en-CA" altLang="zh-CN" sz="2000">
+                <a:latin typeface="Times New Roman" panose="02020603050405020304" pitchFamily="18" charset="0"/>
+                <a:cs typeface="Times New Roman" panose="02020603050405020304" pitchFamily="18" charset="0"/>
+              </a:rPr>
+              <a:t> performance of sending data</a:t>
+            </a:r>
+            <a:r>
+              <a:rPr lang="en-CA" sz="2000">
+                <a:latin typeface="Times New Roman" panose="02020603050405020304" pitchFamily="18" charset="0"/>
+                <a:cs typeface="Times New Roman" panose="02020603050405020304" pitchFamily="18" charset="0"/>
+              </a:rPr>
+              <a:t>.</a:t>
+            </a:r>
+          </a:p>
+          <a:p>
+            <a:r>
+              <a:rPr lang="en-CA" sz="2000">
+                <a:latin typeface="Times New Roman" panose="02020603050405020304" pitchFamily="18" charset="0"/>
+                <a:cs typeface="Times New Roman" panose="02020603050405020304" pitchFamily="18" charset="0"/>
+              </a:rPr>
+              <a:t>The performance of Android’s BLE implementation needs to be improved.</a:t>
+            </a:r>
+          </a:p>
+          <a:p>
+            <a:r>
+              <a:rPr lang="en-CA" sz="2000">
+                <a:latin typeface="Times New Roman" panose="02020603050405020304" pitchFamily="18" charset="0"/>
+                <a:cs typeface="Times New Roman" panose="02020603050405020304" pitchFamily="18" charset="0"/>
+              </a:rPr>
               <a:t>The competition in the message queue influences the received time of a message.</a:t>
             </a:r>
           </a:p>
           <a:p>
-            <a:endParaRPr lang="en-CA" sz="2000" dirty="0">
+            <a:endParaRPr lang="en-CA" sz="2000">
               <a:latin typeface="Times New Roman" panose="02020603050405020304" pitchFamily="18" charset="0"/>
               <a:cs typeface="Times New Roman" panose="02020603050405020304" pitchFamily="18" charset="0"/>
             </a:endParaRPr>
+          </a:p>
+        </p:txBody>
+      </p:sp>
+      <p:sp>
+        <p:nvSpPr>
+          <p:cNvPr id="5" name="Rectangle 4"/>
+          <p:cNvSpPr/>
+          <p:nvPr/>
+        </p:nvSpPr>
+        <p:spPr>
+          <a:xfrm>
+            <a:off x="7239600" y="6012000"/>
+            <a:ext cx="1936800" cy="252000"/>
+          </a:xfrm>
+          <a:prstGeom prst="rect">
+            <a:avLst/>
+          </a:prstGeom>
+          <a:gradFill flip="none" rotWithShape="1">
+            <a:gsLst>
+              <a:gs pos="0">
+                <a:schemeClr val="accent6">
+                  <a:shade val="30000"/>
+                  <a:satMod val="115000"/>
+                </a:schemeClr>
+              </a:gs>
+              <a:gs pos="50000">
+                <a:schemeClr val="accent6">
+                  <a:shade val="67500"/>
+                  <a:satMod val="115000"/>
+                </a:schemeClr>
+              </a:gs>
+              <a:gs pos="100000">
+                <a:srgbClr val="73BA40"/>
+              </a:gs>
+            </a:gsLst>
+            <a:path path="circle">
+              <a:fillToRect l="100000" t="100000"/>
+            </a:path>
+            <a:tileRect r="-100000" b="-100000"/>
+          </a:gradFill>
+          <a:ln>
+            <a:noFill/>
+          </a:ln>
+        </p:spPr>
+        <p:style>
+          <a:lnRef idx="0">
+            <a:scrgbClr r="0" g="0" b="0"/>
+          </a:lnRef>
+          <a:fillRef idx="0">
+            <a:scrgbClr r="0" g="0" b="0"/>
+          </a:fillRef>
+          <a:effectRef idx="0">
+            <a:scrgbClr r="0" g="0" b="0"/>
+          </a:effectRef>
+          <a:fontRef idx="minor">
+            <a:schemeClr val="lt1"/>
+          </a:fontRef>
+        </p:style>
+        <p:txBody>
+          <a:bodyPr rtlCol="0" anchor="ctr"/>
+          <a:lstStyle/>
+          <a:p>
+            <a:pPr algn="ctr"/>
+            <a:endParaRPr lang="en-CA"/>
           </a:p>
         </p:txBody>
       </p:sp>
@@ -21032,218 +22789,6 @@
     <p:extLst>
       <p:ext uri="{BB962C8B-B14F-4D97-AF65-F5344CB8AC3E}">
         <p14:creationId xmlns:p14="http://schemas.microsoft.com/office/powerpoint/2010/main" val="4278204990"/>
-      </p:ext>
-    </p:extLst>
-  </p:cSld>
-  <p:clrMapOvr>
-    <a:masterClrMapping/>
-  </p:clrMapOvr>
-</p:sld>
-</file>
-
-<file path=ppt/slides/slide19.xml><?xml version="1.0" encoding="utf-8"?>
-<p:sld xmlns:a="http://schemas.openxmlformats.org/drawingml/2006/main" xmlns:r="http://schemas.openxmlformats.org/officeDocument/2006/relationships" xmlns:p="http://schemas.openxmlformats.org/presentationml/2006/main">
-  <p:cSld>
-    <p:spTree>
-      <p:nvGrpSpPr>
-        <p:cNvPr id="1" name=""/>
-        <p:cNvGrpSpPr/>
-        <p:nvPr/>
-      </p:nvGrpSpPr>
-      <p:grpSpPr>
-        <a:xfrm>
-          <a:off x="0" y="0"/>
-          <a:ext cx="0" cy="0"/>
-          <a:chOff x="0" y="0"/>
-          <a:chExt cx="0" cy="0"/>
-        </a:xfrm>
-      </p:grpSpPr>
-      <p:sp>
-        <p:nvSpPr>
-          <p:cNvPr id="4" name="Title 1"/>
-          <p:cNvSpPr>
-            <a:spLocks noGrp="1"/>
-          </p:cNvSpPr>
-          <p:nvPr>
-            <p:ph type="title"/>
-          </p:nvPr>
-        </p:nvSpPr>
-        <p:spPr>
-          <a:xfrm>
-            <a:off x="228599" y="799137"/>
-            <a:ext cx="7886700" cy="724864"/>
-          </a:xfrm>
-        </p:spPr>
-        <p:txBody>
-          <a:bodyPr>
-            <a:normAutofit/>
-          </a:bodyPr>
-          <a:lstStyle/>
-          <a:p>
-            <a:r>
-              <a:rPr lang="en-CA" dirty="0">
-                <a:latin typeface="Times New Roman" panose="02020603050405020304" pitchFamily="18" charset="0"/>
-                <a:cs typeface="Times New Roman" panose="02020603050405020304" pitchFamily="18" charset="0"/>
-              </a:rPr>
-              <a:t>6 </a:t>
-            </a:r>
-            <a:r>
-              <a:rPr lang="en-CA" sz="3600" dirty="0">
-                <a:latin typeface="Times New Roman" panose="02020603050405020304" pitchFamily="18" charset="0"/>
-                <a:cs typeface="Times New Roman" panose="02020603050405020304" pitchFamily="18" charset="0"/>
-              </a:rPr>
-              <a:t>Conclusion</a:t>
-            </a:r>
-            <a:endParaRPr lang="en-CA" dirty="0">
-              <a:latin typeface="Times New Roman" panose="02020603050405020304" pitchFamily="18" charset="0"/>
-              <a:cs typeface="Times New Roman" panose="02020603050405020304" pitchFamily="18" charset="0"/>
-            </a:endParaRPr>
-          </a:p>
-        </p:txBody>
-      </p:sp>
-      <p:sp>
-        <p:nvSpPr>
-          <p:cNvPr id="5" name="Content Placeholder 2"/>
-          <p:cNvSpPr>
-            <a:spLocks noGrp="1"/>
-          </p:cNvSpPr>
-          <p:nvPr>
-            <p:ph idx="1"/>
-          </p:nvPr>
-        </p:nvSpPr>
-        <p:spPr>
-          <a:xfrm>
-            <a:off x="228599" y="1676400"/>
-            <a:ext cx="7886700" cy="2743201"/>
-          </a:xfrm>
-        </p:spPr>
-        <p:txBody>
-          <a:bodyPr>
-            <a:normAutofit/>
-          </a:bodyPr>
-          <a:lstStyle/>
-          <a:p>
-            <a:pPr marL="0" indent="0">
-              <a:buNone/>
-            </a:pPr>
-            <a:r>
-              <a:rPr lang="en-US" sz="2000" dirty="0">
-                <a:latin typeface="Times New Roman" panose="02020603050405020304" pitchFamily="18" charset="0"/>
-                <a:cs typeface="Times New Roman" panose="02020603050405020304" pitchFamily="18" charset="0"/>
-              </a:rPr>
-              <a:t>The proposed architecture provides a software solution to enable CoAP communication in WPAN.  </a:t>
-            </a:r>
-            <a:endParaRPr lang="en-CA" sz="2000" dirty="0">
-              <a:latin typeface="Times New Roman" panose="02020603050405020304" pitchFamily="18" charset="0"/>
-              <a:cs typeface="Times New Roman" panose="02020603050405020304" pitchFamily="18" charset="0"/>
-            </a:endParaRPr>
-          </a:p>
-          <a:p>
-            <a:pPr marL="0" indent="0">
-              <a:buNone/>
-            </a:pPr>
-            <a:endParaRPr lang="en-CA" sz="2000" dirty="0">
-              <a:latin typeface="Times New Roman" panose="02020603050405020304" pitchFamily="18" charset="0"/>
-              <a:cs typeface="Times New Roman" panose="02020603050405020304" pitchFamily="18" charset="0"/>
-            </a:endParaRPr>
-          </a:p>
-          <a:p>
-            <a:pPr marL="0" indent="0">
-              <a:buNone/>
-            </a:pPr>
-            <a:r>
-              <a:rPr lang="en-US" altLang="zh-CN" sz="2000" dirty="0">
-                <a:latin typeface="Times New Roman" panose="02020603050405020304" pitchFamily="18" charset="0"/>
-                <a:cs typeface="Times New Roman" panose="02020603050405020304" pitchFamily="18" charset="0"/>
-              </a:rPr>
-              <a:t>Although t</a:t>
-            </a:r>
-            <a:r>
-              <a:rPr lang="en-CA" sz="2000" dirty="0">
-                <a:latin typeface="Times New Roman" panose="02020603050405020304" pitchFamily="18" charset="0"/>
-                <a:cs typeface="Times New Roman" panose="02020603050405020304" pitchFamily="18" charset="0"/>
-              </a:rPr>
-              <a:t>he research result has been published by IEEE</a:t>
-            </a:r>
-            <a:r>
-              <a:rPr lang="en-CA" sz="2000" baseline="30000" dirty="0">
-                <a:solidFill>
-                  <a:srgbClr val="000000"/>
-                </a:solidFill>
-                <a:latin typeface="Times New Roman" panose="02020603050405020304" pitchFamily="18" charset="0"/>
-                <a:ea typeface="等线" panose="02010600030101010101" pitchFamily="2" charset="-122"/>
-                <a:cs typeface="Times New Roman" panose="02020603050405020304" pitchFamily="18" charset="0"/>
-              </a:rPr>
-              <a:t>[8] [9]</a:t>
-            </a:r>
-            <a:r>
-              <a:rPr lang="en-CA" sz="2000" dirty="0">
-                <a:latin typeface="Times New Roman" panose="02020603050405020304" pitchFamily="18" charset="0"/>
-                <a:cs typeface="Times New Roman" panose="02020603050405020304" pitchFamily="18" charset="0"/>
-              </a:rPr>
-              <a:t>, further works need to be done for better performance.</a:t>
-            </a:r>
-          </a:p>
-        </p:txBody>
-      </p:sp>
-      <p:sp>
-        <p:nvSpPr>
-          <p:cNvPr id="6" name="Footer Placeholder 1"/>
-          <p:cNvSpPr>
-            <a:spLocks noGrp="1"/>
-          </p:cNvSpPr>
-          <p:nvPr>
-            <p:ph type="ftr" sz="quarter" idx="11"/>
-          </p:nvPr>
-        </p:nvSpPr>
-        <p:spPr>
-          <a:xfrm>
-            <a:off x="2051928" y="6324600"/>
-            <a:ext cx="5276850" cy="365125"/>
-          </a:xfrm>
-        </p:spPr>
-        <p:txBody>
-          <a:bodyPr/>
-          <a:lstStyle/>
-          <a:p>
-            <a:pPr algn="l"/>
-            <a:r>
-              <a:rPr lang="en-US" dirty="0"/>
-              <a:t>[8] </a:t>
-            </a:r>
-            <a:r>
-              <a:rPr lang="en-CA" dirty="0"/>
-              <a:t>Chen, N., Li, X., &amp; Deters, R., 2015</a:t>
-            </a:r>
-            <a:endParaRPr lang="en-CA" dirty="0">
-              <a:latin typeface="Times New Roman" panose="02020603050405020304" pitchFamily="18" charset="0"/>
-              <a:cs typeface="Times New Roman" panose="02020603050405020304" pitchFamily="18" charset="0"/>
-            </a:endParaRPr>
-          </a:p>
-          <a:p>
-            <a:pPr algn="l"/>
-            <a:r>
-              <a:rPr lang="en-CA" dirty="0">
-                <a:latin typeface="Times New Roman" panose="02020603050405020304" pitchFamily="18" charset="0"/>
-                <a:cs typeface="Times New Roman" panose="02020603050405020304" pitchFamily="18" charset="0"/>
-              </a:rPr>
-              <a:t>[9]</a:t>
-            </a:r>
-            <a:r>
-              <a:rPr lang="en-CA" dirty="0"/>
-              <a:t> Shi, H., Chen, N., &amp; Deters, R., 2015</a:t>
-            </a:r>
-            <a:endParaRPr lang="en-CA" dirty="0">
-              <a:latin typeface="Times New Roman" panose="02020603050405020304" pitchFamily="18" charset="0"/>
-              <a:cs typeface="Times New Roman" panose="02020603050405020304" pitchFamily="18" charset="0"/>
-            </a:endParaRPr>
-          </a:p>
-        </p:txBody>
-      </p:sp>
-    </p:spTree>
-    <p:extLst>
-      <p:ext uri="{BB962C8B-B14F-4D97-AF65-F5344CB8AC3E}">
-        <p14:creationId xmlns:p14="http://schemas.microsoft.com/office/powerpoint/2010/main" val="4381981"/>
       </p:ext>
     </p:extLst>
   </p:cSld>
@@ -21282,7 +22827,7 @@
         </p:nvSpPr>
         <p:spPr>
           <a:xfrm>
-            <a:off x="628649" y="1676400"/>
+            <a:off x="428623" y="1524001"/>
             <a:ext cx="7886700" cy="4351338"/>
           </a:xfrm>
         </p:spPr>
@@ -21293,7 +22838,7 @@
           <a:lstStyle/>
           <a:p>
             <a:r>
-              <a:rPr lang="en-CA" sz="2400" dirty="0">
+              <a:rPr lang="en-CA" sz="2400">
                 <a:latin typeface="Times New Roman" panose="02020603050405020304" pitchFamily="18" charset="0"/>
                 <a:cs typeface="Times New Roman" panose="02020603050405020304" pitchFamily="18" charset="0"/>
               </a:rPr>
@@ -21302,7 +22847,7 @@
           </a:p>
           <a:p>
             <a:r>
-              <a:rPr lang="en-CA" sz="2400" dirty="0">
+              <a:rPr lang="en-CA" sz="2400">
                 <a:latin typeface="Times New Roman" panose="02020603050405020304" pitchFamily="18" charset="0"/>
                 <a:cs typeface="Times New Roman" panose="02020603050405020304" pitchFamily="18" charset="0"/>
               </a:rPr>
@@ -21311,7 +22856,7 @@
           </a:p>
           <a:p>
             <a:r>
-              <a:rPr lang="en-CA" sz="2400" dirty="0">
+              <a:rPr lang="en-CA" sz="2400">
                 <a:latin typeface="Times New Roman" panose="02020603050405020304" pitchFamily="18" charset="0"/>
                 <a:cs typeface="Times New Roman" panose="02020603050405020304" pitchFamily="18" charset="0"/>
               </a:rPr>
@@ -21320,7 +22865,7 @@
           </a:p>
           <a:p>
             <a:r>
-              <a:rPr lang="en-CA" sz="2400" dirty="0">
+              <a:rPr lang="en-CA" sz="2400">
                 <a:latin typeface="Times New Roman" panose="02020603050405020304" pitchFamily="18" charset="0"/>
                 <a:cs typeface="Times New Roman" panose="02020603050405020304" pitchFamily="18" charset="0"/>
               </a:rPr>
@@ -21329,7 +22874,7 @@
           </a:p>
           <a:p>
             <a:r>
-              <a:rPr lang="en-CA" sz="2400" dirty="0">
+              <a:rPr lang="en-CA" sz="2400">
                 <a:latin typeface="Times New Roman" panose="02020603050405020304" pitchFamily="18" charset="0"/>
                 <a:cs typeface="Times New Roman" panose="02020603050405020304" pitchFamily="18" charset="0"/>
               </a:rPr>
@@ -21338,7 +22883,7 @@
           </a:p>
           <a:p>
             <a:r>
-              <a:rPr lang="en-CA" sz="2400" dirty="0">
+              <a:rPr lang="en-CA" sz="2400">
                 <a:latin typeface="Times New Roman" panose="02020603050405020304" pitchFamily="18" charset="0"/>
                 <a:cs typeface="Times New Roman" panose="02020603050405020304" pitchFamily="18" charset="0"/>
               </a:rPr>
@@ -21347,7 +22892,7 @@
           </a:p>
           <a:p>
             <a:r>
-              <a:rPr lang="en-CA" sz="2400" dirty="0">
+              <a:rPr lang="en-CA" sz="2400">
                 <a:latin typeface="Times New Roman" panose="02020603050405020304" pitchFamily="18" charset="0"/>
                 <a:cs typeface="Times New Roman" panose="02020603050405020304" pitchFamily="18" charset="0"/>
               </a:rPr>
@@ -21377,16 +22922,80 @@
           <a:lstStyle/>
           <a:p>
             <a:r>
-              <a:rPr lang="en-US" altLang="zh-CN" dirty="0">
+              <a:rPr lang="en-US" altLang="zh-CN">
                 <a:latin typeface="Times New Roman" panose="02020603050405020304" pitchFamily="18" charset="0"/>
                 <a:cs typeface="Times New Roman" panose="02020603050405020304" pitchFamily="18" charset="0"/>
               </a:rPr>
               <a:t>Content</a:t>
             </a:r>
-            <a:endParaRPr lang="en-CA" dirty="0">
+            <a:endParaRPr lang="en-CA">
               <a:latin typeface="Times New Roman" panose="02020603050405020304" pitchFamily="18" charset="0"/>
               <a:cs typeface="Times New Roman" panose="02020603050405020304" pitchFamily="18" charset="0"/>
             </a:endParaRPr>
+          </a:p>
+        </p:txBody>
+      </p:sp>
+      <p:sp>
+        <p:nvSpPr>
+          <p:cNvPr id="4" name="Rectangle 3"/>
+          <p:cNvSpPr/>
+          <p:nvPr/>
+        </p:nvSpPr>
+        <p:spPr>
+          <a:xfrm>
+            <a:off x="7239600" y="6012000"/>
+            <a:ext cx="1936800" cy="252000"/>
+          </a:xfrm>
+          <a:prstGeom prst="rect">
+            <a:avLst/>
+          </a:prstGeom>
+          <a:gradFill flip="none" rotWithShape="1">
+            <a:gsLst>
+              <a:gs pos="0">
+                <a:schemeClr val="accent6">
+                  <a:shade val="30000"/>
+                  <a:satMod val="115000"/>
+                </a:schemeClr>
+              </a:gs>
+              <a:gs pos="50000">
+                <a:schemeClr val="accent6">
+                  <a:shade val="67500"/>
+                  <a:satMod val="115000"/>
+                </a:schemeClr>
+              </a:gs>
+              <a:gs pos="100000">
+                <a:srgbClr val="73BA40"/>
+              </a:gs>
+            </a:gsLst>
+            <a:path path="circle">
+              <a:fillToRect l="100000" t="100000"/>
+            </a:path>
+            <a:tileRect r="-100000" b="-100000"/>
+          </a:gradFill>
+          <a:ln>
+            <a:noFill/>
+          </a:ln>
+        </p:spPr>
+        <p:style>
+          <a:lnRef idx="0">
+            <a:scrgbClr r="0" g="0" b="0"/>
+          </a:lnRef>
+          <a:fillRef idx="0">
+            <a:scrgbClr r="0" g="0" b="0"/>
+          </a:fillRef>
+          <a:effectRef idx="0">
+            <a:scrgbClr r="0" g="0" b="0"/>
+          </a:effectRef>
+          <a:fontRef idx="minor">
+            <a:schemeClr val="lt1"/>
+          </a:fontRef>
+        </p:style>
+        <p:txBody>
+          <a:bodyPr rtlCol="0" anchor="ctr"/>
+          <a:lstStyle/>
+          <a:p>
+            <a:pPr algn="ctr"/>
+            <a:endParaRPr lang="en-CA"/>
           </a:p>
         </p:txBody>
       </p:sp>
@@ -21438,27 +23047,20 @@
           <a:lstStyle/>
           <a:p>
             <a:r>
-              <a:rPr lang="en-CA" dirty="0">
+              <a:rPr lang="en-CA">
                 <a:latin typeface="Times New Roman" panose="02020603050405020304" pitchFamily="18" charset="0"/>
                 <a:cs typeface="Times New Roman" panose="02020603050405020304" pitchFamily="18" charset="0"/>
               </a:rPr>
-              <a:t>7 </a:t>
-            </a:r>
-            <a:r>
-              <a:rPr lang="en-US" altLang="zh-CN" dirty="0">
+              <a:t>6 </a:t>
+            </a:r>
+            <a:r>
+              <a:rPr lang="en-CA" sz="3600">
                 <a:latin typeface="Times New Roman" panose="02020603050405020304" pitchFamily="18" charset="0"/>
                 <a:cs typeface="Times New Roman" panose="02020603050405020304" pitchFamily="18" charset="0"/>
               </a:rPr>
-              <a:t>Future </a:t>
-            </a:r>
-            <a:r>
-              <a:rPr lang="en-CA" altLang="zh-CN" dirty="0">
-                <a:latin typeface="Times New Roman" panose="02020603050405020304" pitchFamily="18" charset="0"/>
-                <a:cs typeface="Times New Roman" panose="02020603050405020304" pitchFamily="18" charset="0"/>
-              </a:rPr>
-              <a:t>works</a:t>
-            </a:r>
-            <a:endParaRPr lang="en-CA" dirty="0">
+              <a:t>Conclusion</a:t>
+            </a:r>
+            <a:endParaRPr lang="en-CA">
               <a:latin typeface="Times New Roman" panose="02020603050405020304" pitchFamily="18" charset="0"/>
               <a:cs typeface="Times New Roman" panose="02020603050405020304" pitchFamily="18" charset="0"/>
             </a:endParaRPr>
@@ -21477,7 +23079,7 @@
         </p:nvSpPr>
         <p:spPr>
           <a:xfrm>
-            <a:off x="246926" y="1828799"/>
+            <a:off x="228599" y="1676400"/>
             <a:ext cx="7886700" cy="2743201"/>
           </a:xfrm>
         </p:spPr>
@@ -21487,56 +23089,184 @@
           </a:bodyPr>
           <a:lstStyle/>
           <a:p>
-            <a:r>
-              <a:rPr lang="en-US" altLang="zh-CN" sz="2000" dirty="0">
+            <a:pPr marL="0" indent="0">
+              <a:buNone/>
+            </a:pPr>
+            <a:r>
+              <a:rPr lang="en-US" sz="2000">
                 <a:latin typeface="Times New Roman" panose="02020603050405020304" pitchFamily="18" charset="0"/>
                 <a:cs typeface="Times New Roman" panose="02020603050405020304" pitchFamily="18" charset="0"/>
               </a:rPr>
-              <a:t>Data Rate</a:t>
-            </a:r>
-          </a:p>
-          <a:p>
-            <a:r>
-              <a:rPr lang="en-CA" sz="2000" dirty="0">
+              <a:t>The proposed architecture provides a software solution to enable CoAP communication in WPAN.  </a:t>
+            </a:r>
+            <a:endParaRPr lang="en-CA" sz="2000">
+              <a:latin typeface="Times New Roman" panose="02020603050405020304" pitchFamily="18" charset="0"/>
+              <a:cs typeface="Times New Roman" panose="02020603050405020304" pitchFamily="18" charset="0"/>
+            </a:endParaRPr>
+          </a:p>
+          <a:p>
+            <a:pPr marL="0" indent="0">
+              <a:buNone/>
+            </a:pPr>
+            <a:endParaRPr lang="en-CA" sz="2000">
+              <a:latin typeface="Times New Roman" panose="02020603050405020304" pitchFamily="18" charset="0"/>
+              <a:cs typeface="Times New Roman" panose="02020603050405020304" pitchFamily="18" charset="0"/>
+            </a:endParaRPr>
+          </a:p>
+          <a:p>
+            <a:pPr marL="0" indent="0">
+              <a:buNone/>
+            </a:pPr>
+            <a:r>
+              <a:rPr lang="en-CA" sz="2000">
                 <a:latin typeface="Times New Roman" panose="02020603050405020304" pitchFamily="18" charset="0"/>
                 <a:cs typeface="Times New Roman" panose="02020603050405020304" pitchFamily="18" charset="0"/>
               </a:rPr>
-              <a:t>Availability</a:t>
-            </a:r>
-          </a:p>
-          <a:p>
-            <a:r>
-              <a:rPr lang="en-CA" sz="2000" dirty="0">
+              <a:t>The research results have been published by IEEE</a:t>
+            </a:r>
+            <a:r>
+              <a:rPr lang="en-CA" sz="2000" baseline="30000">
+                <a:solidFill>
+                  <a:srgbClr val="000000"/>
+                </a:solidFill>
+                <a:latin typeface="Times New Roman" panose="02020603050405020304" pitchFamily="18" charset="0"/>
+                <a:ea typeface="等线" panose="02010600030101010101" pitchFamily="2" charset="-122"/>
+                <a:cs typeface="Times New Roman" panose="02020603050405020304" pitchFamily="18" charset="0"/>
+              </a:rPr>
+              <a:t>[8] [9]</a:t>
+            </a:r>
+            <a:r>
+              <a:rPr lang="en-CA" sz="2000">
                 <a:latin typeface="Times New Roman" panose="02020603050405020304" pitchFamily="18" charset="0"/>
                 <a:cs typeface="Times New Roman" panose="02020603050405020304" pitchFamily="18" charset="0"/>
               </a:rPr>
-              <a:t>Cross-Platform</a:t>
-            </a:r>
-          </a:p>
-          <a:p>
-            <a:r>
-              <a:rPr lang="en-CA" sz="2000" dirty="0">
+              <a:t>.</a:t>
+            </a:r>
+          </a:p>
+        </p:txBody>
+      </p:sp>
+      <p:sp>
+        <p:nvSpPr>
+          <p:cNvPr id="6" name="Footer Placeholder 1"/>
+          <p:cNvSpPr>
+            <a:spLocks noGrp="1"/>
+          </p:cNvSpPr>
+          <p:nvPr>
+            <p:ph type="ftr" sz="quarter" idx="11"/>
+          </p:nvPr>
+        </p:nvSpPr>
+        <p:spPr>
+          <a:xfrm>
+            <a:off x="2051928" y="6324600"/>
+            <a:ext cx="5276850" cy="365125"/>
+          </a:xfrm>
+        </p:spPr>
+        <p:txBody>
+          <a:bodyPr/>
+          <a:lstStyle/>
+          <a:p>
+            <a:pPr algn="l"/>
+            <a:r>
+              <a:rPr lang="en-US"/>
+              <a:t>[8] </a:t>
+            </a:r>
+            <a:r>
+              <a:rPr lang="en-CA"/>
+              <a:t>Chen, N., Li, X., &amp; Deters, R., 2015</a:t>
+            </a:r>
+            <a:endParaRPr lang="en-CA">
+              <a:latin typeface="Times New Roman" panose="02020603050405020304" pitchFamily="18" charset="0"/>
+              <a:cs typeface="Times New Roman" panose="02020603050405020304" pitchFamily="18" charset="0"/>
+            </a:endParaRPr>
+          </a:p>
+          <a:p>
+            <a:pPr algn="l"/>
+            <a:r>
+              <a:rPr lang="en-CA">
                 <a:latin typeface="Times New Roman" panose="02020603050405020304" pitchFamily="18" charset="0"/>
                 <a:cs typeface="Times New Roman" panose="02020603050405020304" pitchFamily="18" charset="0"/>
               </a:rPr>
-              <a:t>Underlying Technology</a:t>
-            </a:r>
-          </a:p>
-          <a:p>
-            <a:r>
-              <a:rPr lang="en-CA" sz="2000" dirty="0">
-                <a:latin typeface="Times New Roman" panose="02020603050405020304" pitchFamily="18" charset="0"/>
-                <a:cs typeface="Times New Roman" panose="02020603050405020304" pitchFamily="18" charset="0"/>
-              </a:rPr>
-              <a:t>Security</a:t>
-            </a:r>
+              <a:t>[9]</a:t>
+            </a:r>
+            <a:r>
+              <a:rPr lang="en-CA"/>
+              <a:t> Shi, H., Chen, N., &amp; Deters, R., 2015</a:t>
+            </a:r>
+            <a:endParaRPr lang="en-CA">
+              <a:latin typeface="Times New Roman" panose="02020603050405020304" pitchFamily="18" charset="0"/>
+              <a:cs typeface="Times New Roman" panose="02020603050405020304" pitchFamily="18" charset="0"/>
+            </a:endParaRPr>
+          </a:p>
+        </p:txBody>
+      </p:sp>
+      <p:sp>
+        <p:nvSpPr>
+          <p:cNvPr id="7" name="Rectangle 6"/>
+          <p:cNvSpPr/>
+          <p:nvPr/>
+        </p:nvSpPr>
+        <p:spPr>
+          <a:xfrm>
+            <a:off x="7239600" y="6012000"/>
+            <a:ext cx="1936800" cy="252000"/>
+          </a:xfrm>
+          <a:prstGeom prst="rect">
+            <a:avLst/>
+          </a:prstGeom>
+          <a:gradFill flip="none" rotWithShape="1">
+            <a:gsLst>
+              <a:gs pos="0">
+                <a:schemeClr val="accent6">
+                  <a:shade val="30000"/>
+                  <a:satMod val="115000"/>
+                </a:schemeClr>
+              </a:gs>
+              <a:gs pos="50000">
+                <a:schemeClr val="accent6">
+                  <a:shade val="67500"/>
+                  <a:satMod val="115000"/>
+                </a:schemeClr>
+              </a:gs>
+              <a:gs pos="100000">
+                <a:srgbClr val="73BA40"/>
+              </a:gs>
+            </a:gsLst>
+            <a:path path="circle">
+              <a:fillToRect l="100000" t="100000"/>
+            </a:path>
+            <a:tileRect r="-100000" b="-100000"/>
+          </a:gradFill>
+          <a:ln>
+            <a:noFill/>
+          </a:ln>
+        </p:spPr>
+        <p:style>
+          <a:lnRef idx="0">
+            <a:scrgbClr r="0" g="0" b="0"/>
+          </a:lnRef>
+          <a:fillRef idx="0">
+            <a:scrgbClr r="0" g="0" b="0"/>
+          </a:fillRef>
+          <a:effectRef idx="0">
+            <a:scrgbClr r="0" g="0" b="0"/>
+          </a:effectRef>
+          <a:fontRef idx="minor">
+            <a:schemeClr val="lt1"/>
+          </a:fontRef>
+        </p:style>
+        <p:txBody>
+          <a:bodyPr rtlCol="0" anchor="ctr"/>
+          <a:lstStyle/>
+          <a:p>
+            <a:pPr algn="ctr"/>
+            <a:endParaRPr lang="en-CA"/>
           </a:p>
         </p:txBody>
       </p:sp>
     </p:spTree>
     <p:extLst>
       <p:ext uri="{BB962C8B-B14F-4D97-AF65-F5344CB8AC3E}">
-        <p14:creationId xmlns:p14="http://schemas.microsoft.com/office/powerpoint/2010/main" val="347142825"/>
+        <p14:creationId xmlns:p14="http://schemas.microsoft.com/office/powerpoint/2010/main" val="4381981"/>
       </p:ext>
     </p:extLst>
   </p:cSld>
@@ -21586,18 +23316,36 @@
           <a:lstStyle/>
           <a:p>
             <a:r>
-              <a:rPr lang="en-CA" dirty="0">
+              <a:rPr lang="en-CA">
                 <a:latin typeface="Times New Roman" panose="02020603050405020304" pitchFamily="18" charset="0"/>
                 <a:cs typeface="Times New Roman" panose="02020603050405020304" pitchFamily="18" charset="0"/>
               </a:rPr>
-              <a:t>References</a:t>
-            </a:r>
+              <a:t>7 </a:t>
+            </a:r>
+            <a:r>
+              <a:rPr lang="en-US" altLang="zh-CN">
+                <a:latin typeface="Times New Roman" panose="02020603050405020304" pitchFamily="18" charset="0"/>
+                <a:cs typeface="Times New Roman" panose="02020603050405020304" pitchFamily="18" charset="0"/>
+              </a:rPr>
+              <a:t>Future </a:t>
+            </a:r>
+            <a:r>
+              <a:rPr lang="en-CA" altLang="zh-CN">
+                <a:latin typeface="Times New Roman" panose="02020603050405020304" pitchFamily="18" charset="0"/>
+                <a:cs typeface="Times New Roman" panose="02020603050405020304" pitchFamily="18" charset="0"/>
+              </a:rPr>
+              <a:t>works</a:t>
+            </a:r>
+            <a:endParaRPr lang="en-CA">
+              <a:latin typeface="Times New Roman" panose="02020603050405020304" pitchFamily="18" charset="0"/>
+              <a:cs typeface="Times New Roman" panose="02020603050405020304" pitchFamily="18" charset="0"/>
+            </a:endParaRPr>
           </a:p>
         </p:txBody>
       </p:sp>
       <p:sp>
         <p:nvSpPr>
-          <p:cNvPr id="3" name="Content Placeholder 2"/>
+          <p:cNvPr id="5" name="Content Placeholder 2"/>
           <p:cNvSpPr>
             <a:spLocks noGrp="1"/>
           </p:cNvSpPr>
@@ -21607,193 +23355,130 @@
         </p:nvSpPr>
         <p:spPr>
           <a:xfrm>
-            <a:off x="248919" y="1524001"/>
-            <a:ext cx="8668474" cy="3886201"/>
+            <a:off x="246926" y="1828799"/>
+            <a:ext cx="7886700" cy="2743201"/>
           </a:xfrm>
         </p:spPr>
         <p:txBody>
           <a:bodyPr>
-            <a:noAutofit/>
+            <a:normAutofit/>
           </a:bodyPr>
           <a:lstStyle/>
           <a:p>
-            <a:pPr marL="0" indent="0">
-              <a:buNone/>
-            </a:pPr>
-            <a:r>
-              <a:rPr lang="en-CA" sz="1600" dirty="0">
+            <a:r>
+              <a:rPr lang="en-US" altLang="zh-CN" sz="2000">
                 <a:latin typeface="Times New Roman" panose="02020603050405020304" pitchFamily="18" charset="0"/>
                 <a:cs typeface="Times New Roman" panose="02020603050405020304" pitchFamily="18" charset="0"/>
               </a:rPr>
-              <a:t>[1] Howard, P. N. (2015, June 9). Sketching out the Internet of Things </a:t>
-            </a:r>
-            <a:r>
-              <a:rPr lang="en-CA" sz="1600" dirty="0" err="1">
+              <a:t>Data Rate</a:t>
+            </a:r>
+          </a:p>
+          <a:p>
+            <a:r>
+              <a:rPr lang="en-CA" sz="2000">
                 <a:latin typeface="Times New Roman" panose="02020603050405020304" pitchFamily="18" charset="0"/>
                 <a:cs typeface="Times New Roman" panose="02020603050405020304" pitchFamily="18" charset="0"/>
               </a:rPr>
-              <a:t>trendline</a:t>
-            </a:r>
-            <a:r>
-              <a:rPr lang="en-CA" sz="1600" dirty="0">
+              <a:t>Availability</a:t>
+            </a:r>
+          </a:p>
+          <a:p>
+            <a:r>
+              <a:rPr lang="en-CA" sz="2000">
                 <a:latin typeface="Times New Roman" panose="02020603050405020304" pitchFamily="18" charset="0"/>
                 <a:cs typeface="Times New Roman" panose="02020603050405020304" pitchFamily="18" charset="0"/>
               </a:rPr>
-              <a:t>. Retrieved 6 7, 2016, from http://www.brookings.edu/blogs/techtank/posts/2015/06/9-future-of-iot-part-2</a:t>
-            </a:r>
-          </a:p>
-          <a:p>
-            <a:pPr marL="0" indent="0">
-              <a:buNone/>
-            </a:pPr>
-            <a:r>
-              <a:rPr lang="en-CA" sz="1600" dirty="0">
+              <a:t>Cross-Platform</a:t>
+            </a:r>
+          </a:p>
+          <a:p>
+            <a:r>
+              <a:rPr lang="en-CA" sz="2000">
                 <a:latin typeface="Times New Roman" panose="02020603050405020304" pitchFamily="18" charset="0"/>
                 <a:cs typeface="Times New Roman" panose="02020603050405020304" pitchFamily="18" charset="0"/>
               </a:rPr>
-              <a:t>[2] Sutaria, R., &amp; </a:t>
-            </a:r>
-            <a:r>
-              <a:rPr lang="en-CA" sz="1600" dirty="0" err="1">
+              <a:t>Underlying Technology</a:t>
+            </a:r>
+          </a:p>
+          <a:p>
+            <a:r>
+              <a:rPr lang="en-CA" sz="2000">
                 <a:latin typeface="Times New Roman" panose="02020603050405020304" pitchFamily="18" charset="0"/>
                 <a:cs typeface="Times New Roman" panose="02020603050405020304" pitchFamily="18" charset="0"/>
               </a:rPr>
-              <a:t>Govindachari</a:t>
-            </a:r>
-            <a:r>
-              <a:rPr lang="en-CA" sz="1600" dirty="0">
-                <a:latin typeface="Times New Roman" panose="02020603050405020304" pitchFamily="18" charset="0"/>
-                <a:cs typeface="Times New Roman" panose="02020603050405020304" pitchFamily="18" charset="0"/>
-              </a:rPr>
-              <a:t>, R. (2013, May 1). Understanding The Internet Of Things. Retrieved June 13, 2016, from electronicdesign.com: http://electronicdesign.com/iot/understanding-internet-things</a:t>
-            </a:r>
-          </a:p>
-          <a:p>
-            <a:pPr marL="0" indent="0">
-              <a:buNone/>
-            </a:pPr>
-            <a:r>
-              <a:rPr lang="en-CA" sz="1600" dirty="0">
-                <a:latin typeface="Times New Roman" panose="02020603050405020304" pitchFamily="18" charset="0"/>
-                <a:cs typeface="Times New Roman" panose="02020603050405020304" pitchFamily="18" charset="0"/>
-              </a:rPr>
-              <a:t>[3] SIG. (2014, December). BLUETOOTH ® CORE SPECIFICATION 4.2 FREQUENTLY ASKED QUESTIONS. Retrieved April 18, 2016, from bluetooth.org: https://www.bluetooth.org/ja-jp/Documents/Bluetooth4-2FAQ.pdf</a:t>
-            </a:r>
-          </a:p>
-          <a:p>
-            <a:pPr marL="0" indent="0">
-              <a:buNone/>
-            </a:pPr>
-            <a:r>
-              <a:rPr lang="en-CA" sz="1600" dirty="0">
-                <a:latin typeface="Times New Roman" panose="02020603050405020304" pitchFamily="18" charset="0"/>
-                <a:cs typeface="Times New Roman" panose="02020603050405020304" pitchFamily="18" charset="0"/>
-              </a:rPr>
-              <a:t>[4] </a:t>
-            </a:r>
-            <a:r>
-              <a:rPr lang="en-CA" sz="1600" dirty="0" err="1">
-                <a:latin typeface="Times New Roman" panose="02020603050405020304" pitchFamily="18" charset="0"/>
-                <a:cs typeface="Times New Roman" panose="02020603050405020304" pitchFamily="18" charset="0"/>
-              </a:rPr>
-              <a:t>Isomaki</a:t>
-            </a:r>
-            <a:r>
-              <a:rPr lang="en-CA" sz="1600" dirty="0">
-                <a:latin typeface="Times New Roman" panose="02020603050405020304" pitchFamily="18" charset="0"/>
-                <a:cs typeface="Times New Roman" panose="02020603050405020304" pitchFamily="18" charset="0"/>
-              </a:rPr>
-              <a:t>, M., </a:t>
-            </a:r>
-            <a:r>
-              <a:rPr lang="en-CA" sz="1600" dirty="0" err="1">
-                <a:latin typeface="Times New Roman" panose="02020603050405020304" pitchFamily="18" charset="0"/>
-                <a:cs typeface="Times New Roman" panose="02020603050405020304" pitchFamily="18" charset="0"/>
-              </a:rPr>
-              <a:t>Nieminen</a:t>
-            </a:r>
-            <a:r>
-              <a:rPr lang="en-CA" sz="1600" dirty="0">
-                <a:latin typeface="Times New Roman" panose="02020603050405020304" pitchFamily="18" charset="0"/>
-                <a:cs typeface="Times New Roman" panose="02020603050405020304" pitchFamily="18" charset="0"/>
-              </a:rPr>
-              <a:t>, J., Gomez, C., Shelby, Z., </a:t>
-            </a:r>
-            <a:r>
-              <a:rPr lang="en-CA" sz="1600" dirty="0" err="1">
-                <a:latin typeface="Times New Roman" panose="02020603050405020304" pitchFamily="18" charset="0"/>
-                <a:cs typeface="Times New Roman" panose="02020603050405020304" pitchFamily="18" charset="0"/>
-              </a:rPr>
-              <a:t>Savolainen</a:t>
-            </a:r>
-            <a:r>
-              <a:rPr lang="en-CA" sz="1600" dirty="0">
-                <a:latin typeface="Times New Roman" panose="02020603050405020304" pitchFamily="18" charset="0"/>
-                <a:cs typeface="Times New Roman" panose="02020603050405020304" pitchFamily="18" charset="0"/>
-              </a:rPr>
-              <a:t>, T., &amp; </a:t>
-            </a:r>
-            <a:r>
-              <a:rPr lang="en-CA" sz="1600" dirty="0" err="1">
-                <a:latin typeface="Times New Roman" panose="02020603050405020304" pitchFamily="18" charset="0"/>
-                <a:cs typeface="Times New Roman" panose="02020603050405020304" pitchFamily="18" charset="0"/>
-              </a:rPr>
-              <a:t>Patil</a:t>
-            </a:r>
-            <a:r>
-              <a:rPr lang="en-CA" sz="1600" dirty="0">
-                <a:latin typeface="Times New Roman" panose="02020603050405020304" pitchFamily="18" charset="0"/>
-                <a:cs typeface="Times New Roman" panose="02020603050405020304" pitchFamily="18" charset="0"/>
-              </a:rPr>
-              <a:t>, B. (2015, October). IPv6 over BLUETOOTH(R) Low Energy. Retrieved June 7, 2016, from ietf.org: https://tools.ietf.org/html/rfc7668</a:t>
-            </a:r>
-          </a:p>
-          <a:p>
-            <a:pPr marL="0" indent="0">
-              <a:buNone/>
-            </a:pPr>
-            <a:r>
-              <a:rPr lang="en-CA" sz="1600" dirty="0">
-                <a:latin typeface="Times New Roman" panose="02020603050405020304" pitchFamily="18" charset="0"/>
-                <a:cs typeface="Times New Roman" panose="02020603050405020304" pitchFamily="18" charset="0"/>
-              </a:rPr>
-              <a:t>[5] Bergmann, O., </a:t>
-            </a:r>
-            <a:r>
-              <a:rPr lang="en-CA" sz="1600" dirty="0" err="1">
-                <a:latin typeface="Times New Roman" panose="02020603050405020304" pitchFamily="18" charset="0"/>
-                <a:cs typeface="Times New Roman" panose="02020603050405020304" pitchFamily="18" charset="0"/>
-              </a:rPr>
-              <a:t>Hillmann</a:t>
-            </a:r>
-            <a:r>
-              <a:rPr lang="en-CA" sz="1600" dirty="0">
-                <a:latin typeface="Times New Roman" panose="02020603050405020304" pitchFamily="18" charset="0"/>
-                <a:cs typeface="Times New Roman" panose="02020603050405020304" pitchFamily="18" charset="0"/>
-              </a:rPr>
-              <a:t>, K. T., &amp; </a:t>
-            </a:r>
-            <a:r>
-              <a:rPr lang="en-CA" sz="1600" dirty="0" err="1">
-                <a:latin typeface="Times New Roman" panose="02020603050405020304" pitchFamily="18" charset="0"/>
-                <a:cs typeface="Times New Roman" panose="02020603050405020304" pitchFamily="18" charset="0"/>
-              </a:rPr>
-              <a:t>Gerdes</a:t>
-            </a:r>
-            <a:r>
-              <a:rPr lang="en-CA" sz="1600" dirty="0">
-                <a:latin typeface="Times New Roman" panose="02020603050405020304" pitchFamily="18" charset="0"/>
-                <a:cs typeface="Times New Roman" panose="02020603050405020304" pitchFamily="18" charset="0"/>
-              </a:rPr>
-              <a:t>, S. . (2012). A CoAP-gateway for smart homes. Computing, Networking and Communications (ICNC), 2012 International Conference on (pp. 446-450). Maui, HI: IEEE.</a:t>
-            </a:r>
+              <a:t>Security</a:t>
+            </a:r>
+          </a:p>
+        </p:txBody>
+      </p:sp>
+      <p:sp>
+        <p:nvSpPr>
+          <p:cNvPr id="6" name="Rectangle 5"/>
+          <p:cNvSpPr/>
+          <p:nvPr/>
+        </p:nvSpPr>
+        <p:spPr>
+          <a:xfrm>
+            <a:off x="7239600" y="6012000"/>
+            <a:ext cx="1936800" cy="252000"/>
+          </a:xfrm>
+          <a:prstGeom prst="rect">
+            <a:avLst/>
+          </a:prstGeom>
+          <a:gradFill flip="none" rotWithShape="1">
+            <a:gsLst>
+              <a:gs pos="0">
+                <a:schemeClr val="accent6">
+                  <a:shade val="30000"/>
+                  <a:satMod val="115000"/>
+                </a:schemeClr>
+              </a:gs>
+              <a:gs pos="50000">
+                <a:schemeClr val="accent6">
+                  <a:shade val="67500"/>
+                  <a:satMod val="115000"/>
+                </a:schemeClr>
+              </a:gs>
+              <a:gs pos="100000">
+                <a:srgbClr val="73BA40"/>
+              </a:gs>
+            </a:gsLst>
+            <a:path path="circle">
+              <a:fillToRect l="100000" t="100000"/>
+            </a:path>
+            <a:tileRect r="-100000" b="-100000"/>
+          </a:gradFill>
+          <a:ln>
+            <a:noFill/>
+          </a:ln>
+        </p:spPr>
+        <p:style>
+          <a:lnRef idx="0">
+            <a:scrgbClr r="0" g="0" b="0"/>
+          </a:lnRef>
+          <a:fillRef idx="0">
+            <a:scrgbClr r="0" g="0" b="0"/>
+          </a:fillRef>
+          <a:effectRef idx="0">
+            <a:scrgbClr r="0" g="0" b="0"/>
+          </a:effectRef>
+          <a:fontRef idx="minor">
+            <a:schemeClr val="lt1"/>
+          </a:fontRef>
+        </p:style>
+        <p:txBody>
+          <a:bodyPr rtlCol="0" anchor="ctr"/>
+          <a:lstStyle/>
+          <a:p>
+            <a:pPr algn="ctr"/>
+            <a:endParaRPr lang="en-CA"/>
           </a:p>
         </p:txBody>
       </p:sp>
     </p:spTree>
     <p:extLst>
       <p:ext uri="{BB962C8B-B14F-4D97-AF65-F5344CB8AC3E}">
-        <p14:creationId xmlns:p14="http://schemas.microsoft.com/office/powerpoint/2010/main" val="2920790768"/>
+        <p14:creationId xmlns:p14="http://schemas.microsoft.com/office/powerpoint/2010/main" val="347142825"/>
       </p:ext>
     </p:extLst>
   </p:cSld>
@@ -21843,7 +23528,328 @@
           <a:lstStyle/>
           <a:p>
             <a:r>
-              <a:rPr lang="en-CA" dirty="0">
+              <a:rPr lang="en-CA">
+                <a:latin typeface="Times New Roman" panose="02020603050405020304" pitchFamily="18" charset="0"/>
+                <a:cs typeface="Times New Roman" panose="02020603050405020304" pitchFamily="18" charset="0"/>
+              </a:rPr>
+              <a:t>References</a:t>
+            </a:r>
+          </a:p>
+        </p:txBody>
+      </p:sp>
+      <p:sp>
+        <p:nvSpPr>
+          <p:cNvPr id="3" name="Content Placeholder 2"/>
+          <p:cNvSpPr>
+            <a:spLocks noGrp="1"/>
+          </p:cNvSpPr>
+          <p:nvPr>
+            <p:ph idx="1"/>
+          </p:nvPr>
+        </p:nvSpPr>
+        <p:spPr>
+          <a:xfrm>
+            <a:off x="248919" y="1524001"/>
+            <a:ext cx="8668474" cy="3886201"/>
+          </a:xfrm>
+        </p:spPr>
+        <p:txBody>
+          <a:bodyPr>
+            <a:noAutofit/>
+          </a:bodyPr>
+          <a:lstStyle/>
+          <a:p>
+            <a:pPr marL="0" indent="0">
+              <a:buNone/>
+            </a:pPr>
+            <a:r>
+              <a:rPr lang="en-CA" sz="1600">
+                <a:latin typeface="Times New Roman" panose="02020603050405020304" pitchFamily="18" charset="0"/>
+                <a:cs typeface="Times New Roman" panose="02020603050405020304" pitchFamily="18" charset="0"/>
+              </a:rPr>
+              <a:t>[1] Howard, P. N. (2015, June 9). Sketching out the Internet of Things </a:t>
+            </a:r>
+            <a:r>
+              <a:rPr lang="en-CA" sz="1600" err="1">
+                <a:latin typeface="Times New Roman" panose="02020603050405020304" pitchFamily="18" charset="0"/>
+                <a:cs typeface="Times New Roman" panose="02020603050405020304" pitchFamily="18" charset="0"/>
+              </a:rPr>
+              <a:t>trendline</a:t>
+            </a:r>
+            <a:r>
+              <a:rPr lang="en-CA" sz="1600">
+                <a:latin typeface="Times New Roman" panose="02020603050405020304" pitchFamily="18" charset="0"/>
+                <a:cs typeface="Times New Roman" panose="02020603050405020304" pitchFamily="18" charset="0"/>
+              </a:rPr>
+              <a:t>. Retrieved 6 7, 2016, from http://www.brookings.edu/blogs/techtank/posts/2015/06/9-future-of-iot-part-2</a:t>
+            </a:r>
+          </a:p>
+          <a:p>
+            <a:pPr marL="0" indent="0">
+              <a:buNone/>
+            </a:pPr>
+            <a:r>
+              <a:rPr lang="en-CA" sz="1600">
+                <a:latin typeface="Times New Roman" panose="02020603050405020304" pitchFamily="18" charset="0"/>
+                <a:cs typeface="Times New Roman" panose="02020603050405020304" pitchFamily="18" charset="0"/>
+              </a:rPr>
+              <a:t>[2] Sutaria, R., &amp; </a:t>
+            </a:r>
+            <a:r>
+              <a:rPr lang="en-CA" sz="1600" err="1">
+                <a:latin typeface="Times New Roman" panose="02020603050405020304" pitchFamily="18" charset="0"/>
+                <a:cs typeface="Times New Roman" panose="02020603050405020304" pitchFamily="18" charset="0"/>
+              </a:rPr>
+              <a:t>Govindachari</a:t>
+            </a:r>
+            <a:r>
+              <a:rPr lang="en-CA" sz="1600">
+                <a:latin typeface="Times New Roman" panose="02020603050405020304" pitchFamily="18" charset="0"/>
+                <a:cs typeface="Times New Roman" panose="02020603050405020304" pitchFamily="18" charset="0"/>
+              </a:rPr>
+              <a:t>, R. (2013, May 1). Understanding The Internet Of Things. Retrieved June 13, 2016, from electronicdesign.com: http://electronicdesign.com/iot/understanding-internet-things</a:t>
+            </a:r>
+          </a:p>
+          <a:p>
+            <a:pPr marL="0" indent="0">
+              <a:buNone/>
+            </a:pPr>
+            <a:r>
+              <a:rPr lang="en-CA" sz="1600">
+                <a:latin typeface="Times New Roman" panose="02020603050405020304" pitchFamily="18" charset="0"/>
+                <a:cs typeface="Times New Roman" panose="02020603050405020304" pitchFamily="18" charset="0"/>
+              </a:rPr>
+              <a:t>[3] SIG. (2014, December). BLUETOOTH ® CORE SPECIFICATION 4.2 FREQUENTLY ASKED QUESTIONS. Retrieved April 18, 2016, from bluetooth.org: https://www.bluetooth.org/ja-jp/Documents/Bluetooth4-2FAQ.pdf</a:t>
+            </a:r>
+          </a:p>
+          <a:p>
+            <a:pPr marL="0" indent="0">
+              <a:buNone/>
+            </a:pPr>
+            <a:r>
+              <a:rPr lang="en-CA" sz="1600">
+                <a:latin typeface="Times New Roman" panose="02020603050405020304" pitchFamily="18" charset="0"/>
+                <a:cs typeface="Times New Roman" panose="02020603050405020304" pitchFamily="18" charset="0"/>
+              </a:rPr>
+              <a:t>[4] </a:t>
+            </a:r>
+            <a:r>
+              <a:rPr lang="en-CA" sz="1600" err="1">
+                <a:latin typeface="Times New Roman" panose="02020603050405020304" pitchFamily="18" charset="0"/>
+                <a:cs typeface="Times New Roman" panose="02020603050405020304" pitchFamily="18" charset="0"/>
+              </a:rPr>
+              <a:t>Isomaki</a:t>
+            </a:r>
+            <a:r>
+              <a:rPr lang="en-CA" sz="1600">
+                <a:latin typeface="Times New Roman" panose="02020603050405020304" pitchFamily="18" charset="0"/>
+                <a:cs typeface="Times New Roman" panose="02020603050405020304" pitchFamily="18" charset="0"/>
+              </a:rPr>
+              <a:t>, M., </a:t>
+            </a:r>
+            <a:r>
+              <a:rPr lang="en-CA" sz="1600" err="1">
+                <a:latin typeface="Times New Roman" panose="02020603050405020304" pitchFamily="18" charset="0"/>
+                <a:cs typeface="Times New Roman" panose="02020603050405020304" pitchFamily="18" charset="0"/>
+              </a:rPr>
+              <a:t>Nieminen</a:t>
+            </a:r>
+            <a:r>
+              <a:rPr lang="en-CA" sz="1600">
+                <a:latin typeface="Times New Roman" panose="02020603050405020304" pitchFamily="18" charset="0"/>
+                <a:cs typeface="Times New Roman" panose="02020603050405020304" pitchFamily="18" charset="0"/>
+              </a:rPr>
+              <a:t>, J., Gomez, C., Shelby, Z., </a:t>
+            </a:r>
+            <a:r>
+              <a:rPr lang="en-CA" sz="1600" err="1">
+                <a:latin typeface="Times New Roman" panose="02020603050405020304" pitchFamily="18" charset="0"/>
+                <a:cs typeface="Times New Roman" panose="02020603050405020304" pitchFamily="18" charset="0"/>
+              </a:rPr>
+              <a:t>Savolainen</a:t>
+            </a:r>
+            <a:r>
+              <a:rPr lang="en-CA" sz="1600">
+                <a:latin typeface="Times New Roman" panose="02020603050405020304" pitchFamily="18" charset="0"/>
+                <a:cs typeface="Times New Roman" panose="02020603050405020304" pitchFamily="18" charset="0"/>
+              </a:rPr>
+              <a:t>, T., &amp; </a:t>
+            </a:r>
+            <a:r>
+              <a:rPr lang="en-CA" sz="1600" err="1">
+                <a:latin typeface="Times New Roman" panose="02020603050405020304" pitchFamily="18" charset="0"/>
+                <a:cs typeface="Times New Roman" panose="02020603050405020304" pitchFamily="18" charset="0"/>
+              </a:rPr>
+              <a:t>Patil</a:t>
+            </a:r>
+            <a:r>
+              <a:rPr lang="en-CA" sz="1600">
+                <a:latin typeface="Times New Roman" panose="02020603050405020304" pitchFamily="18" charset="0"/>
+                <a:cs typeface="Times New Roman" panose="02020603050405020304" pitchFamily="18" charset="0"/>
+              </a:rPr>
+              <a:t>, B. (2015, October). IPv6 over BLUETOOTH(R) Low Energy. Retrieved June 7, 2016, from ietf.org: https://tools.ietf.org/html/rfc7668</a:t>
+            </a:r>
+          </a:p>
+          <a:p>
+            <a:pPr marL="0" indent="0">
+              <a:buNone/>
+            </a:pPr>
+            <a:r>
+              <a:rPr lang="en-CA" sz="1600">
+                <a:latin typeface="Times New Roman" panose="02020603050405020304" pitchFamily="18" charset="0"/>
+                <a:cs typeface="Times New Roman" panose="02020603050405020304" pitchFamily="18" charset="0"/>
+              </a:rPr>
+              <a:t>[5] Bergmann, O., </a:t>
+            </a:r>
+            <a:r>
+              <a:rPr lang="en-CA" sz="1600" err="1">
+                <a:latin typeface="Times New Roman" panose="02020603050405020304" pitchFamily="18" charset="0"/>
+                <a:cs typeface="Times New Roman" panose="02020603050405020304" pitchFamily="18" charset="0"/>
+              </a:rPr>
+              <a:t>Hillmann</a:t>
+            </a:r>
+            <a:r>
+              <a:rPr lang="en-CA" sz="1600">
+                <a:latin typeface="Times New Roman" panose="02020603050405020304" pitchFamily="18" charset="0"/>
+                <a:cs typeface="Times New Roman" panose="02020603050405020304" pitchFamily="18" charset="0"/>
+              </a:rPr>
+              <a:t>, K. T., &amp; </a:t>
+            </a:r>
+            <a:r>
+              <a:rPr lang="en-CA" sz="1600" err="1">
+                <a:latin typeface="Times New Roman" panose="02020603050405020304" pitchFamily="18" charset="0"/>
+                <a:cs typeface="Times New Roman" panose="02020603050405020304" pitchFamily="18" charset="0"/>
+              </a:rPr>
+              <a:t>Gerdes</a:t>
+            </a:r>
+            <a:r>
+              <a:rPr lang="en-CA" sz="1600">
+                <a:latin typeface="Times New Roman" panose="02020603050405020304" pitchFamily="18" charset="0"/>
+                <a:cs typeface="Times New Roman" panose="02020603050405020304" pitchFamily="18" charset="0"/>
+              </a:rPr>
+              <a:t>, S. . (2012). A CoAP-gateway for smart homes. Computing, Networking and Communications (ICNC), 2012 International Conference on (pp. 446-450). Maui, HI: IEEE.</a:t>
+            </a:r>
+          </a:p>
+        </p:txBody>
+      </p:sp>
+      <p:sp>
+        <p:nvSpPr>
+          <p:cNvPr id="5" name="Rectangle 4"/>
+          <p:cNvSpPr/>
+          <p:nvPr/>
+        </p:nvSpPr>
+        <p:spPr>
+          <a:xfrm>
+            <a:off x="7239600" y="6012000"/>
+            <a:ext cx="1936800" cy="252000"/>
+          </a:xfrm>
+          <a:prstGeom prst="rect">
+            <a:avLst/>
+          </a:prstGeom>
+          <a:gradFill flip="none" rotWithShape="1">
+            <a:gsLst>
+              <a:gs pos="0">
+                <a:schemeClr val="accent6">
+                  <a:shade val="30000"/>
+                  <a:satMod val="115000"/>
+                </a:schemeClr>
+              </a:gs>
+              <a:gs pos="50000">
+                <a:schemeClr val="accent6">
+                  <a:shade val="67500"/>
+                  <a:satMod val="115000"/>
+                </a:schemeClr>
+              </a:gs>
+              <a:gs pos="100000">
+                <a:srgbClr val="73BA40"/>
+              </a:gs>
+            </a:gsLst>
+            <a:path path="circle">
+              <a:fillToRect l="100000" t="100000"/>
+            </a:path>
+            <a:tileRect r="-100000" b="-100000"/>
+          </a:gradFill>
+          <a:ln>
+            <a:noFill/>
+          </a:ln>
+        </p:spPr>
+        <p:style>
+          <a:lnRef idx="0">
+            <a:scrgbClr r="0" g="0" b="0"/>
+          </a:lnRef>
+          <a:fillRef idx="0">
+            <a:scrgbClr r="0" g="0" b="0"/>
+          </a:fillRef>
+          <a:effectRef idx="0">
+            <a:scrgbClr r="0" g="0" b="0"/>
+          </a:effectRef>
+          <a:fontRef idx="minor">
+            <a:schemeClr val="lt1"/>
+          </a:fontRef>
+        </p:style>
+        <p:txBody>
+          <a:bodyPr rtlCol="0" anchor="ctr"/>
+          <a:lstStyle/>
+          <a:p>
+            <a:pPr algn="ctr"/>
+            <a:endParaRPr lang="en-CA"/>
+          </a:p>
+        </p:txBody>
+      </p:sp>
+    </p:spTree>
+    <p:extLst>
+      <p:ext uri="{BB962C8B-B14F-4D97-AF65-F5344CB8AC3E}">
+        <p14:creationId xmlns:p14="http://schemas.microsoft.com/office/powerpoint/2010/main" val="2920790768"/>
+      </p:ext>
+    </p:extLst>
+  </p:cSld>
+  <p:clrMapOvr>
+    <a:masterClrMapping/>
+  </p:clrMapOvr>
+</p:sld>
+</file>
+
+<file path=ppt/slides/slide23.xml><?xml version="1.0" encoding="utf-8"?>
+<p:sld xmlns:a="http://schemas.openxmlformats.org/drawingml/2006/main" xmlns:r="http://schemas.openxmlformats.org/officeDocument/2006/relationships" xmlns:p="http://schemas.openxmlformats.org/presentationml/2006/main">
+  <p:cSld>
+    <p:spTree>
+      <p:nvGrpSpPr>
+        <p:cNvPr id="1" name=""/>
+        <p:cNvGrpSpPr/>
+        <p:nvPr/>
+      </p:nvGrpSpPr>
+      <p:grpSpPr>
+        <a:xfrm>
+          <a:off x="0" y="0"/>
+          <a:ext cx="0" cy="0"/>
+          <a:chOff x="0" y="0"/>
+          <a:chExt cx="0" cy="0"/>
+        </a:xfrm>
+      </p:grpSpPr>
+      <p:sp>
+        <p:nvSpPr>
+          <p:cNvPr id="4" name="Title 1"/>
+          <p:cNvSpPr>
+            <a:spLocks noGrp="1"/>
+          </p:cNvSpPr>
+          <p:nvPr>
+            <p:ph type="title"/>
+          </p:nvPr>
+        </p:nvSpPr>
+        <p:spPr>
+          <a:xfrm>
+            <a:off x="228599" y="799137"/>
+            <a:ext cx="7886700" cy="724864"/>
+          </a:xfrm>
+        </p:spPr>
+        <p:txBody>
+          <a:bodyPr>
+            <a:normAutofit/>
+          </a:bodyPr>
+          <a:lstStyle/>
+          <a:p>
+            <a:r>
+              <a:rPr lang="en-CA">
                 <a:latin typeface="Times New Roman" panose="02020603050405020304" pitchFamily="18" charset="0"/>
                 <a:cs typeface="Times New Roman" panose="02020603050405020304" pitchFamily="18" charset="0"/>
               </a:rPr>
@@ -22021,6 +24027,70 @@
           </a:p>
         </p:txBody>
       </p:sp>
+      <p:sp>
+        <p:nvSpPr>
+          <p:cNvPr id="6" name="Rectangle 5"/>
+          <p:cNvSpPr/>
+          <p:nvPr/>
+        </p:nvSpPr>
+        <p:spPr>
+          <a:xfrm>
+            <a:off x="7239600" y="6012000"/>
+            <a:ext cx="1936800" cy="252000"/>
+          </a:xfrm>
+          <a:prstGeom prst="rect">
+            <a:avLst/>
+          </a:prstGeom>
+          <a:gradFill flip="none" rotWithShape="1">
+            <a:gsLst>
+              <a:gs pos="0">
+                <a:schemeClr val="accent6">
+                  <a:shade val="30000"/>
+                  <a:satMod val="115000"/>
+                </a:schemeClr>
+              </a:gs>
+              <a:gs pos="50000">
+                <a:schemeClr val="accent6">
+                  <a:shade val="67500"/>
+                  <a:satMod val="115000"/>
+                </a:schemeClr>
+              </a:gs>
+              <a:gs pos="100000">
+                <a:srgbClr val="73BA40"/>
+              </a:gs>
+            </a:gsLst>
+            <a:path path="circle">
+              <a:fillToRect l="100000" t="100000"/>
+            </a:path>
+            <a:tileRect r="-100000" b="-100000"/>
+          </a:gradFill>
+          <a:ln>
+            <a:noFill/>
+          </a:ln>
+        </p:spPr>
+        <p:style>
+          <a:lnRef idx="0">
+            <a:scrgbClr r="0" g="0" b="0"/>
+          </a:lnRef>
+          <a:fillRef idx="0">
+            <a:scrgbClr r="0" g="0" b="0"/>
+          </a:fillRef>
+          <a:effectRef idx="0">
+            <a:scrgbClr r="0" g="0" b="0"/>
+          </a:effectRef>
+          <a:fontRef idx="minor">
+            <a:schemeClr val="lt1"/>
+          </a:fontRef>
+        </p:style>
+        <p:txBody>
+          <a:bodyPr rtlCol="0" anchor="ctr"/>
+          <a:lstStyle/>
+          <a:p>
+            <a:pPr algn="ctr"/>
+            <a:endParaRPr lang="en-CA"/>
+          </a:p>
+        </p:txBody>
+      </p:sp>
     </p:spTree>
     <p:extLst>
       <p:ext uri="{BB962C8B-B14F-4D97-AF65-F5344CB8AC3E}">
@@ -22034,7 +24104,7 @@
 </p:sld>
 </file>
 
-<file path=ppt/slides/slide23.xml><?xml version="1.0" encoding="utf-8"?>
+<file path=ppt/slides/slide24.xml><?xml version="1.0" encoding="utf-8"?>
 <p:sld xmlns:a="http://schemas.openxmlformats.org/drawingml/2006/main" xmlns:r="http://schemas.openxmlformats.org/officeDocument/2006/relationships" xmlns:p="http://schemas.openxmlformats.org/presentationml/2006/main">
   <p:cSld>
     <p:spTree>
@@ -22075,12 +24145,76 @@
           <a:p>
             <a:pPr algn="ctr"/>
             <a:r>
-              <a:rPr lang="en-CA" sz="4400" dirty="0">
+              <a:rPr lang="en-CA" sz="4400">
                 <a:latin typeface="Times New Roman" panose="02020603050405020304" pitchFamily="18" charset="0"/>
                 <a:cs typeface="Times New Roman" panose="02020603050405020304" pitchFamily="18" charset="0"/>
               </a:rPr>
               <a:t>Thank you</a:t>
             </a:r>
+          </a:p>
+        </p:txBody>
+      </p:sp>
+      <p:sp>
+        <p:nvSpPr>
+          <p:cNvPr id="3" name="Rectangle 2"/>
+          <p:cNvSpPr/>
+          <p:nvPr/>
+        </p:nvSpPr>
+        <p:spPr>
+          <a:xfrm>
+            <a:off x="7239600" y="6012000"/>
+            <a:ext cx="1936800" cy="252000"/>
+          </a:xfrm>
+          <a:prstGeom prst="rect">
+            <a:avLst/>
+          </a:prstGeom>
+          <a:gradFill flip="none" rotWithShape="1">
+            <a:gsLst>
+              <a:gs pos="0">
+                <a:schemeClr val="accent6">
+                  <a:shade val="30000"/>
+                  <a:satMod val="115000"/>
+                </a:schemeClr>
+              </a:gs>
+              <a:gs pos="50000">
+                <a:schemeClr val="accent6">
+                  <a:shade val="67500"/>
+                  <a:satMod val="115000"/>
+                </a:schemeClr>
+              </a:gs>
+              <a:gs pos="100000">
+                <a:srgbClr val="73BA40"/>
+              </a:gs>
+            </a:gsLst>
+            <a:path path="circle">
+              <a:fillToRect l="100000" t="100000"/>
+            </a:path>
+            <a:tileRect r="-100000" b="-100000"/>
+          </a:gradFill>
+          <a:ln>
+            <a:noFill/>
+          </a:ln>
+        </p:spPr>
+        <p:style>
+          <a:lnRef idx="0">
+            <a:scrgbClr r="0" g="0" b="0"/>
+          </a:lnRef>
+          <a:fillRef idx="0">
+            <a:scrgbClr r="0" g="0" b="0"/>
+          </a:fillRef>
+          <a:effectRef idx="0">
+            <a:scrgbClr r="0" g="0" b="0"/>
+          </a:effectRef>
+          <a:fontRef idx="minor">
+            <a:schemeClr val="lt1"/>
+          </a:fontRef>
+        </p:style>
+        <p:txBody>
+          <a:bodyPr rtlCol="0" anchor="ctr"/>
+          <a:lstStyle/>
+          <a:p>
+            <a:pPr algn="ctr"/>
+            <a:endParaRPr lang="en-CA"/>
           </a:p>
         </p:txBody>
       </p:sp>
@@ -22135,7 +24269,7 @@
           <a:lstStyle/>
           <a:p>
             <a:r>
-              <a:rPr lang="en-CA" dirty="0">
+              <a:rPr lang="en-CA">
                 <a:latin typeface="Times New Roman" panose="02020603050405020304" pitchFamily="18" charset="0"/>
                 <a:cs typeface="Times New Roman" panose="02020603050405020304" pitchFamily="18" charset="0"/>
               </a:rPr>
@@ -22368,7 +24502,7 @@
               <a:buNone/>
             </a:pPr>
             <a:r>
-              <a:rPr lang="en-CA" sz="2400" kern="0" dirty="0">
+              <a:rPr lang="en-CA" sz="2400" kern="0">
                 <a:latin typeface="Times New Roman" panose="02020603050405020304" pitchFamily="18" charset="0"/>
                 <a:cs typeface="Times New Roman" panose="02020603050405020304" pitchFamily="18" charset="0"/>
               </a:rPr>
@@ -22458,7 +24592,7 @@
               </a:spcAft>
             </a:pPr>
             <a:r>
-              <a:rPr lang="en-CA" sz="1600" dirty="0">
+              <a:rPr lang="en-CA" sz="1600">
                 <a:solidFill>
                   <a:srgbClr val="000000"/>
                 </a:solidFill>
@@ -22469,7 +24603,7 @@
               <a:t>Figure 1: Trend of devices vs people</a:t>
             </a:r>
             <a:r>
-              <a:rPr lang="en-CA" sz="1600" baseline="30000" dirty="0">
+              <a:rPr lang="en-CA" sz="1600" baseline="30000">
                 <a:solidFill>
                   <a:srgbClr val="000000"/>
                 </a:solidFill>
@@ -22479,7 +24613,7 @@
               </a:rPr>
               <a:t>[1]</a:t>
             </a:r>
-            <a:endParaRPr lang="en-CA" sz="1600" baseline="30000" dirty="0">
+            <a:endParaRPr lang="en-CA" sz="1600" baseline="30000">
               <a:solidFill>
                 <a:srgbClr val="44546A"/>
               </a:solidFill>
@@ -22512,14 +24646,78 @@
           <a:p>
             <a:pPr algn="l"/>
             <a:r>
-              <a:rPr lang="en-US" dirty="0"/>
+              <a:rPr lang="en-US"/>
               <a:t>[1] </a:t>
             </a:r>
             <a:r>
-              <a:rPr lang="en-CA" dirty="0"/>
+              <a:rPr lang="en-CA"/>
               <a:t>Howard, 2015</a:t>
             </a:r>
-            <a:endParaRPr lang="en-US" dirty="0"/>
+            <a:endParaRPr lang="en-US"/>
+          </a:p>
+        </p:txBody>
+      </p:sp>
+      <p:sp>
+        <p:nvSpPr>
+          <p:cNvPr id="7" name="Rectangle 6"/>
+          <p:cNvSpPr/>
+          <p:nvPr/>
+        </p:nvSpPr>
+        <p:spPr>
+          <a:xfrm>
+            <a:off x="7239600" y="6012000"/>
+            <a:ext cx="1936800" cy="252000"/>
+          </a:xfrm>
+          <a:prstGeom prst="rect">
+            <a:avLst/>
+          </a:prstGeom>
+          <a:gradFill flip="none" rotWithShape="1">
+            <a:gsLst>
+              <a:gs pos="0">
+                <a:schemeClr val="accent6">
+                  <a:shade val="30000"/>
+                  <a:satMod val="115000"/>
+                </a:schemeClr>
+              </a:gs>
+              <a:gs pos="50000">
+                <a:schemeClr val="accent6">
+                  <a:shade val="67500"/>
+                  <a:satMod val="115000"/>
+                </a:schemeClr>
+              </a:gs>
+              <a:gs pos="100000">
+                <a:srgbClr val="73BA40"/>
+              </a:gs>
+            </a:gsLst>
+            <a:path path="circle">
+              <a:fillToRect l="100000" t="100000"/>
+            </a:path>
+            <a:tileRect r="-100000" b="-100000"/>
+          </a:gradFill>
+          <a:ln>
+            <a:noFill/>
+          </a:ln>
+        </p:spPr>
+        <p:style>
+          <a:lnRef idx="0">
+            <a:scrgbClr r="0" g="0" b="0"/>
+          </a:lnRef>
+          <a:fillRef idx="0">
+            <a:scrgbClr r="0" g="0" b="0"/>
+          </a:fillRef>
+          <a:effectRef idx="0">
+            <a:scrgbClr r="0" g="0" b="0"/>
+          </a:effectRef>
+          <a:fontRef idx="minor">
+            <a:schemeClr val="lt1"/>
+          </a:fontRef>
+        </p:style>
+        <p:txBody>
+          <a:bodyPr rtlCol="0" anchor="ctr"/>
+          <a:lstStyle/>
+          <a:p>
+            <a:pPr algn="ctr"/>
+            <a:endParaRPr lang="en-CA"/>
           </a:p>
         </p:txBody>
       </p:sp>
@@ -22576,7 +24774,7 @@
           <a:lstStyle/>
           <a:p>
             <a:r>
-              <a:rPr lang="en-CA" sz="2000" dirty="0">
+              <a:rPr lang="en-CA" sz="2000">
                 <a:latin typeface="Times New Roman" panose="02020603050405020304" pitchFamily="18" charset="0"/>
                 <a:cs typeface="Times New Roman" panose="02020603050405020304" pitchFamily="18" charset="0"/>
               </a:rPr>
@@ -22808,7 +25006,7 @@
               <a:buNone/>
             </a:pPr>
             <a:r>
-              <a:rPr lang="en-CA" sz="2400" kern="0" dirty="0">
+              <a:rPr lang="en-CA" sz="2400" kern="0">
                 <a:latin typeface="Times New Roman" panose="02020603050405020304" pitchFamily="18" charset="0"/>
                 <a:cs typeface="Times New Roman" panose="02020603050405020304" pitchFamily="18" charset="0"/>
               </a:rPr>
@@ -22844,7 +25042,7 @@
               </a:spcAft>
             </a:pPr>
             <a:r>
-              <a:rPr lang="en-CA" sz="1600" dirty="0">
+              <a:rPr lang="en-CA" sz="1600">
                 <a:solidFill>
                   <a:srgbClr val="000000"/>
                 </a:solidFill>
@@ -22855,7 +25053,7 @@
               <a:t>Figure 2: CoAP vs HTTP</a:t>
             </a:r>
             <a:r>
-              <a:rPr lang="en-CA" sz="1600" baseline="30000" dirty="0">
+              <a:rPr lang="en-CA" sz="1600" baseline="30000">
                 <a:solidFill>
                   <a:srgbClr val="000000"/>
                 </a:solidFill>
@@ -22865,7 +25063,7 @@
               </a:rPr>
               <a:t>[2]</a:t>
             </a:r>
-            <a:endParaRPr lang="en-CA" sz="1600" baseline="30000" dirty="0">
+            <a:endParaRPr lang="en-CA" sz="1600" baseline="30000">
               <a:solidFill>
                 <a:srgbClr val="44546A"/>
               </a:solidFill>
@@ -22899,7 +25097,7 @@
           <a:lstStyle/>
           <a:p>
             <a:r>
-              <a:rPr lang="en-CA" dirty="0">
+              <a:rPr lang="en-CA">
                 <a:latin typeface="Times New Roman" panose="02020603050405020304" pitchFamily="18" charset="0"/>
                 <a:cs typeface="Times New Roman" panose="02020603050405020304" pitchFamily="18" charset="0"/>
               </a:rPr>
@@ -22954,17 +25152,81 @@
           <a:p>
             <a:pPr algn="l"/>
             <a:r>
-              <a:rPr lang="en-US" dirty="0"/>
+              <a:rPr lang="en-US"/>
               <a:t>[2] Sutaria, R., &amp; </a:t>
             </a:r>
             <a:r>
-              <a:rPr lang="en-US" dirty="0" err="1"/>
+              <a:rPr lang="en-US" err="1"/>
               <a:t>Govindachari</a:t>
             </a:r>
             <a:r>
-              <a:rPr lang="en-US" dirty="0"/>
+              <a:rPr lang="en-US"/>
               <a:t>, R., 2013 </a:t>
             </a:r>
+          </a:p>
+        </p:txBody>
+      </p:sp>
+      <p:sp>
+        <p:nvSpPr>
+          <p:cNvPr id="8" name="Rectangle 7"/>
+          <p:cNvSpPr/>
+          <p:nvPr/>
+        </p:nvSpPr>
+        <p:spPr>
+          <a:xfrm>
+            <a:off x="7239600" y="6012000"/>
+            <a:ext cx="1936800" cy="252000"/>
+          </a:xfrm>
+          <a:prstGeom prst="rect">
+            <a:avLst/>
+          </a:prstGeom>
+          <a:gradFill flip="none" rotWithShape="1">
+            <a:gsLst>
+              <a:gs pos="0">
+                <a:schemeClr val="accent6">
+                  <a:shade val="30000"/>
+                  <a:satMod val="115000"/>
+                </a:schemeClr>
+              </a:gs>
+              <a:gs pos="50000">
+                <a:schemeClr val="accent6">
+                  <a:shade val="67500"/>
+                  <a:satMod val="115000"/>
+                </a:schemeClr>
+              </a:gs>
+              <a:gs pos="100000">
+                <a:srgbClr val="73BA40"/>
+              </a:gs>
+            </a:gsLst>
+            <a:path path="circle">
+              <a:fillToRect l="100000" t="100000"/>
+            </a:path>
+            <a:tileRect r="-100000" b="-100000"/>
+          </a:gradFill>
+          <a:ln>
+            <a:noFill/>
+          </a:ln>
+        </p:spPr>
+        <p:style>
+          <a:lnRef idx="0">
+            <a:scrgbClr r="0" g="0" b="0"/>
+          </a:lnRef>
+          <a:fillRef idx="0">
+            <a:scrgbClr r="0" g="0" b="0"/>
+          </a:fillRef>
+          <a:effectRef idx="0">
+            <a:scrgbClr r="0" g="0" b="0"/>
+          </a:effectRef>
+          <a:fontRef idx="minor">
+            <a:schemeClr val="lt1"/>
+          </a:fontRef>
+        </p:style>
+        <p:txBody>
+          <a:bodyPr rtlCol="0" anchor="ctr"/>
+          <a:lstStyle/>
+          <a:p>
+            <a:pPr algn="ctr"/>
+            <a:endParaRPr lang="en-CA"/>
           </a:p>
         </p:txBody>
       </p:sp>
@@ -23021,7 +25283,7 @@
           <a:lstStyle/>
           <a:p>
             <a:r>
-              <a:rPr lang="en-CA" dirty="0">
+              <a:rPr lang="en-CA">
                 <a:latin typeface="Times New Roman" panose="02020603050405020304" pitchFamily="18" charset="0"/>
                 <a:cs typeface="Times New Roman" panose="02020603050405020304" pitchFamily="18" charset="0"/>
               </a:rPr>
@@ -23253,7 +25515,7 @@
               <a:buNone/>
             </a:pPr>
             <a:r>
-              <a:rPr lang="en-CA" sz="2400" kern="0" dirty="0">
+              <a:rPr lang="en-CA" sz="2400" kern="0">
                 <a:latin typeface="Times New Roman" panose="02020603050405020304" pitchFamily="18" charset="0"/>
                 <a:cs typeface="Times New Roman" panose="02020603050405020304" pitchFamily="18" charset="0"/>
               </a:rPr>
@@ -23285,21 +25547,21 @@
           <a:lstStyle/>
           <a:p>
             <a:r>
-              <a:rPr lang="en-CA" sz="2000" dirty="0">
+              <a:rPr lang="en-CA" sz="2000">
                 <a:latin typeface="Times New Roman" panose="02020603050405020304" pitchFamily="18" charset="0"/>
                 <a:cs typeface="Times New Roman" panose="02020603050405020304" pitchFamily="18" charset="0"/>
               </a:rPr>
               <a:t>In December 2014, Pv6 over Low power Wireless Personal Area Networks (6LoWPAN) is supported by BLE 4.2</a:t>
             </a:r>
             <a:r>
-              <a:rPr lang="en-CA" sz="2000" baseline="30000" dirty="0">
+              <a:rPr lang="en-CA" sz="2000" baseline="30000">
                 <a:latin typeface="Times New Roman" panose="02020603050405020304" pitchFamily="18" charset="0"/>
                 <a:cs typeface="Times New Roman" panose="02020603050405020304" pitchFamily="18" charset="0"/>
               </a:rPr>
               <a:t>[3]</a:t>
             </a:r>
             <a:r>
-              <a:rPr lang="en-CA" sz="2000" dirty="0">
+              <a:rPr lang="en-CA" sz="2000">
                 <a:latin typeface="Times New Roman" panose="02020603050405020304" pitchFamily="18" charset="0"/>
                 <a:cs typeface="Times New Roman" panose="02020603050405020304" pitchFamily="18" charset="0"/>
               </a:rPr>
@@ -23353,21 +25615,21 @@
           <a:p>
             <a:pPr algn="ctr"/>
             <a:r>
-              <a:rPr lang="en-CA" sz="1600" dirty="0">
+              <a:rPr lang="en-CA" sz="1600">
                 <a:latin typeface="Times New Roman" panose="02020603050405020304" pitchFamily="18" charset="0"/>
                 <a:cs typeface="Times New Roman" panose="02020603050405020304" pitchFamily="18" charset="0"/>
               </a:rPr>
               <a:t>Figure 3: IPv6 in BLE Stack</a:t>
             </a:r>
             <a:r>
-              <a:rPr lang="en-CA" sz="1600" baseline="30000" dirty="0">
+              <a:rPr lang="en-CA" sz="1600" baseline="30000">
                 <a:latin typeface="Times New Roman" panose="02020603050405020304" pitchFamily="18" charset="0"/>
                 <a:ea typeface="等线" panose="02010600030101010101" pitchFamily="2" charset="-122"/>
                 <a:cs typeface="Times New Roman" panose="02020603050405020304" pitchFamily="18" charset="0"/>
               </a:rPr>
               <a:t>[4]</a:t>
             </a:r>
-            <a:endParaRPr lang="en-CA" sz="1600" baseline="30000" dirty="0">
+            <a:endParaRPr lang="en-CA" sz="1600" baseline="30000">
               <a:latin typeface="Times New Roman" panose="02020603050405020304" pitchFamily="18" charset="0"/>
               <a:cs typeface="Times New Roman" panose="02020603050405020304" pitchFamily="18" charset="0"/>
             </a:endParaRPr>
@@ -23396,11 +25658,11 @@
           <a:p>
             <a:pPr algn="l"/>
             <a:r>
-              <a:rPr lang="en-US" dirty="0"/>
+              <a:rPr lang="en-US"/>
               <a:t>[3] </a:t>
             </a:r>
             <a:r>
-              <a:rPr lang="en-CA" dirty="0">
+              <a:rPr lang="en-CA">
                 <a:latin typeface="Times New Roman" panose="02020603050405020304" pitchFamily="18" charset="0"/>
                 <a:cs typeface="Times New Roman" panose="02020603050405020304" pitchFamily="18" charset="0"/>
               </a:rPr>
@@ -23410,14 +25672,14 @@
           <a:p>
             <a:pPr algn="l"/>
             <a:r>
-              <a:rPr lang="en-CA" dirty="0">
+              <a:rPr lang="en-CA">
                 <a:latin typeface="Times New Roman" panose="02020603050405020304" pitchFamily="18" charset="0"/>
                 <a:cs typeface="Times New Roman" panose="02020603050405020304" pitchFamily="18" charset="0"/>
               </a:rPr>
               <a:t>[4] </a:t>
             </a:r>
             <a:r>
-              <a:rPr lang="en-CA" dirty="0" err="1">
+              <a:rPr lang="en-CA" err="1">
                 <a:latin typeface="Times New Roman" panose="02020603050405020304" pitchFamily="18" charset="0"/>
                 <a:ea typeface="等线" panose="02010600030101010101" pitchFamily="2" charset="-122"/>
                 <a:cs typeface="Times New Roman" panose="02020603050405020304" pitchFamily="18" charset="0"/>
@@ -23425,7 +25687,7 @@
               <a:t>Isomaki</a:t>
             </a:r>
             <a:r>
-              <a:rPr lang="en-CA" dirty="0">
+              <a:rPr lang="en-CA">
                 <a:latin typeface="Times New Roman" panose="02020603050405020304" pitchFamily="18" charset="0"/>
                 <a:ea typeface="等线" panose="02010600030101010101" pitchFamily="2" charset="-122"/>
                 <a:cs typeface="Times New Roman" panose="02020603050405020304" pitchFamily="18" charset="0"/>
@@ -23433,7 +25695,7 @@
               <a:t>, M., </a:t>
             </a:r>
             <a:r>
-              <a:rPr lang="en-CA" dirty="0" err="1">
+              <a:rPr lang="en-CA" err="1">
                 <a:latin typeface="Times New Roman" panose="02020603050405020304" pitchFamily="18" charset="0"/>
                 <a:ea typeface="等线" panose="02010600030101010101" pitchFamily="2" charset="-122"/>
                 <a:cs typeface="Times New Roman" panose="02020603050405020304" pitchFamily="18" charset="0"/>
@@ -23441,7 +25703,7 @@
               <a:t>Nieminen</a:t>
             </a:r>
             <a:r>
-              <a:rPr lang="en-CA" dirty="0">
+              <a:rPr lang="en-CA">
                 <a:latin typeface="Times New Roman" panose="02020603050405020304" pitchFamily="18" charset="0"/>
                 <a:ea typeface="等线" panose="02010600030101010101" pitchFamily="2" charset="-122"/>
                 <a:cs typeface="Times New Roman" panose="02020603050405020304" pitchFamily="18" charset="0"/>
@@ -23449,7 +25711,7 @@
               <a:t>, J., Gomez, C., Shelby, Z., </a:t>
             </a:r>
             <a:r>
-              <a:rPr lang="en-CA" dirty="0" err="1">
+              <a:rPr lang="en-CA" err="1">
                 <a:latin typeface="Times New Roman" panose="02020603050405020304" pitchFamily="18" charset="0"/>
                 <a:ea typeface="等线" panose="02010600030101010101" pitchFamily="2" charset="-122"/>
                 <a:cs typeface="Times New Roman" panose="02020603050405020304" pitchFamily="18" charset="0"/>
@@ -23457,7 +25719,7 @@
               <a:t>Savolainen</a:t>
             </a:r>
             <a:r>
-              <a:rPr lang="en-CA" dirty="0">
+              <a:rPr lang="en-CA">
                 <a:latin typeface="Times New Roman" panose="02020603050405020304" pitchFamily="18" charset="0"/>
                 <a:ea typeface="等线" panose="02010600030101010101" pitchFamily="2" charset="-122"/>
                 <a:cs typeface="Times New Roman" panose="02020603050405020304" pitchFamily="18" charset="0"/>
@@ -23465,7 +25727,7 @@
               <a:t>, T., &amp; </a:t>
             </a:r>
             <a:r>
-              <a:rPr lang="en-CA" dirty="0" err="1">
+              <a:rPr lang="en-CA" err="1">
                 <a:latin typeface="Times New Roman" panose="02020603050405020304" pitchFamily="18" charset="0"/>
                 <a:ea typeface="等线" panose="02010600030101010101" pitchFamily="2" charset="-122"/>
                 <a:cs typeface="Times New Roman" panose="02020603050405020304" pitchFamily="18" charset="0"/>
@@ -23473,14 +25735,78 @@
               <a:t>Patil</a:t>
             </a:r>
             <a:r>
-              <a:rPr lang="en-CA" dirty="0">
+              <a:rPr lang="en-CA">
                 <a:latin typeface="Times New Roman" panose="02020603050405020304" pitchFamily="18" charset="0"/>
                 <a:ea typeface="等线" panose="02010600030101010101" pitchFamily="2" charset="-122"/>
                 <a:cs typeface="Times New Roman" panose="02020603050405020304" pitchFamily="18" charset="0"/>
               </a:rPr>
               <a:t>, B., 2015</a:t>
             </a:r>
-            <a:endParaRPr lang="en-US" dirty="0"/>
+            <a:endParaRPr lang="en-US"/>
+          </a:p>
+        </p:txBody>
+      </p:sp>
+      <p:sp>
+        <p:nvSpPr>
+          <p:cNvPr id="9" name="Rectangle 8"/>
+          <p:cNvSpPr/>
+          <p:nvPr/>
+        </p:nvSpPr>
+        <p:spPr>
+          <a:xfrm>
+            <a:off x="7239600" y="6012000"/>
+            <a:ext cx="1936800" cy="252000"/>
+          </a:xfrm>
+          <a:prstGeom prst="rect">
+            <a:avLst/>
+          </a:prstGeom>
+          <a:gradFill flip="none" rotWithShape="1">
+            <a:gsLst>
+              <a:gs pos="0">
+                <a:schemeClr val="accent6">
+                  <a:shade val="30000"/>
+                  <a:satMod val="115000"/>
+                </a:schemeClr>
+              </a:gs>
+              <a:gs pos="50000">
+                <a:schemeClr val="accent6">
+                  <a:shade val="67500"/>
+                  <a:satMod val="115000"/>
+                </a:schemeClr>
+              </a:gs>
+              <a:gs pos="100000">
+                <a:srgbClr val="73BA40"/>
+              </a:gs>
+            </a:gsLst>
+            <a:path path="circle">
+              <a:fillToRect l="100000" t="100000"/>
+            </a:path>
+            <a:tileRect r="-100000" b="-100000"/>
+          </a:gradFill>
+          <a:ln>
+            <a:noFill/>
+          </a:ln>
+        </p:spPr>
+        <p:style>
+          <a:lnRef idx="0">
+            <a:scrgbClr r="0" g="0" b="0"/>
+          </a:lnRef>
+          <a:fillRef idx="0">
+            <a:scrgbClr r="0" g="0" b="0"/>
+          </a:fillRef>
+          <a:effectRef idx="0">
+            <a:scrgbClr r="0" g="0" b="0"/>
+          </a:effectRef>
+          <a:fontRef idx="minor">
+            <a:schemeClr val="lt1"/>
+          </a:fontRef>
+        </p:style>
+        <p:txBody>
+          <a:bodyPr rtlCol="0" anchor="ctr"/>
+          <a:lstStyle/>
+          <a:p>
+            <a:pPr algn="ctr"/>
+            <a:endParaRPr lang="en-CA"/>
           </a:p>
         </p:txBody>
       </p:sp>
@@ -23537,7 +25863,7 @@
           <a:lstStyle/>
           <a:p>
             <a:r>
-              <a:rPr lang="en-CA" dirty="0">
+              <a:rPr lang="en-CA">
                 <a:latin typeface="Times New Roman" panose="02020603050405020304" pitchFamily="18" charset="0"/>
                 <a:cs typeface="Times New Roman" panose="02020603050405020304" pitchFamily="18" charset="0"/>
               </a:rPr>
@@ -23769,7 +26095,7 @@
               <a:buNone/>
             </a:pPr>
             <a:r>
-              <a:rPr lang="en-CA" sz="2400" kern="0" dirty="0">
+              <a:rPr lang="en-CA" sz="2400" kern="0">
                 <a:latin typeface="Times New Roman" panose="02020603050405020304" pitchFamily="18" charset="0"/>
                 <a:cs typeface="Times New Roman" panose="02020603050405020304" pitchFamily="18" charset="0"/>
               </a:rPr>
@@ -23805,21 +26131,21 @@
               <a:buChar char="•"/>
             </a:pPr>
             <a:r>
-              <a:rPr lang="en-CA" sz="2000" dirty="0">
+              <a:rPr lang="en-CA" sz="2000">
                 <a:latin typeface="Times New Roman" panose="02020603050405020304" pitchFamily="18" charset="0"/>
                 <a:cs typeface="Times New Roman" panose="02020603050405020304" pitchFamily="18" charset="0"/>
               </a:rPr>
               <a:t>CoAP gateway for FS20 based home automation</a:t>
             </a:r>
             <a:r>
-              <a:rPr lang="en-CA" sz="2000" baseline="30000" dirty="0">
+              <a:rPr lang="en-CA" sz="2000" baseline="30000">
                 <a:latin typeface="Times New Roman" panose="02020603050405020304" pitchFamily="18" charset="0"/>
                 <a:cs typeface="Times New Roman" panose="02020603050405020304" pitchFamily="18" charset="0"/>
               </a:rPr>
               <a:t>[5]</a:t>
             </a:r>
             <a:r>
-              <a:rPr lang="en-CA" sz="2000" dirty="0">
+              <a:rPr lang="en-CA" sz="2000">
                 <a:latin typeface="Times New Roman" panose="02020603050405020304" pitchFamily="18" charset="0"/>
                 <a:cs typeface="Times New Roman" panose="02020603050405020304" pitchFamily="18" charset="0"/>
               </a:rPr>
@@ -23832,21 +26158,21 @@
               <a:buChar char="•"/>
             </a:pPr>
             <a:r>
-              <a:rPr lang="en-CA" sz="2000" dirty="0">
+              <a:rPr lang="en-CA" sz="2000">
                 <a:latin typeface="Times New Roman" panose="02020603050405020304" pitchFamily="18" charset="0"/>
                 <a:cs typeface="Times New Roman" panose="02020603050405020304" pitchFamily="18" charset="0"/>
               </a:rPr>
               <a:t>CoAP gateway for DNP3.0 based distribution automation system</a:t>
             </a:r>
             <a:r>
-              <a:rPr lang="en-CA" sz="2000" baseline="30000" dirty="0">
+              <a:rPr lang="en-CA" sz="2000" baseline="30000">
                 <a:latin typeface="Times New Roman" panose="02020603050405020304" pitchFamily="18" charset="0"/>
                 <a:cs typeface="Times New Roman" panose="02020603050405020304" pitchFamily="18" charset="0"/>
               </a:rPr>
               <a:t>[6]</a:t>
             </a:r>
             <a:r>
-              <a:rPr lang="en-CA" sz="2000" dirty="0">
+              <a:rPr lang="en-CA" sz="2000">
                 <a:latin typeface="Times New Roman" panose="02020603050405020304" pitchFamily="18" charset="0"/>
                 <a:cs typeface="Times New Roman" panose="02020603050405020304" pitchFamily="18" charset="0"/>
               </a:rPr>
@@ -23859,21 +26185,21 @@
               <a:buChar char="•"/>
             </a:pPr>
             <a:r>
-              <a:rPr lang="en-CA" sz="2000" dirty="0">
+              <a:rPr lang="en-CA" sz="2000">
                 <a:latin typeface="Times New Roman" panose="02020603050405020304" pitchFamily="18" charset="0"/>
                 <a:cs typeface="Times New Roman" panose="02020603050405020304" pitchFamily="18" charset="0"/>
               </a:rPr>
               <a:t>CoAP gateway for UPnP and ZigBee bridging</a:t>
             </a:r>
             <a:r>
-              <a:rPr lang="en-CA" sz="2000" baseline="30000" dirty="0">
+              <a:rPr lang="en-CA" sz="2000" baseline="30000">
                 <a:latin typeface="Times New Roman" panose="02020603050405020304" pitchFamily="18" charset="0"/>
                 <a:cs typeface="Times New Roman" panose="02020603050405020304" pitchFamily="18" charset="0"/>
               </a:rPr>
               <a:t>[7]</a:t>
             </a:r>
             <a:r>
-              <a:rPr lang="en-CA" sz="2000" dirty="0">
+              <a:rPr lang="en-CA" sz="2000">
                 <a:latin typeface="Times New Roman" panose="02020603050405020304" pitchFamily="18" charset="0"/>
                 <a:cs typeface="Times New Roman" panose="02020603050405020304" pitchFamily="18" charset="0"/>
               </a:rPr>
@@ -23904,17 +26230,17 @@
           <a:p>
             <a:pPr algn="l"/>
             <a:r>
-              <a:rPr lang="en-US" dirty="0"/>
+              <a:rPr lang="en-US"/>
               <a:t>[5] </a:t>
             </a:r>
             <a:r>
-              <a:rPr lang="de-DE" dirty="0">
+              <a:rPr lang="de-DE">
                 <a:latin typeface="Times New Roman" panose="02020603050405020304" pitchFamily="18" charset="0"/>
                 <a:cs typeface="Times New Roman" panose="02020603050405020304" pitchFamily="18" charset="0"/>
               </a:rPr>
               <a:t>Bergmann, O., Hillmann, K. T., &amp; Gerdes, S. , 2012</a:t>
             </a:r>
-            <a:endParaRPr lang="en-CA" dirty="0">
+            <a:endParaRPr lang="en-CA">
               <a:latin typeface="Times New Roman" panose="02020603050405020304" pitchFamily="18" charset="0"/>
               <a:cs typeface="Times New Roman" panose="02020603050405020304" pitchFamily="18" charset="0"/>
             </a:endParaRPr>
@@ -23922,21 +26248,21 @@
           <a:p>
             <a:pPr algn="l"/>
             <a:r>
-              <a:rPr lang="en-CA" dirty="0">
+              <a:rPr lang="en-CA">
                 <a:latin typeface="Times New Roman" panose="02020603050405020304" pitchFamily="18" charset="0"/>
                 <a:cs typeface="Times New Roman" panose="02020603050405020304" pitchFamily="18" charset="0"/>
               </a:rPr>
               <a:t>[6] Shin, I. J., </a:t>
             </a:r>
             <a:r>
-              <a:rPr lang="en-CA" dirty="0" err="1">
+              <a:rPr lang="en-CA" err="1">
                 <a:latin typeface="Times New Roman" panose="02020603050405020304" pitchFamily="18" charset="0"/>
                 <a:cs typeface="Times New Roman" panose="02020603050405020304" pitchFamily="18" charset="0"/>
               </a:rPr>
               <a:t>Eom</a:t>
             </a:r>
             <a:r>
-              <a:rPr lang="en-CA" dirty="0">
+              <a:rPr lang="en-CA">
                 <a:latin typeface="Times New Roman" panose="02020603050405020304" pitchFamily="18" charset="0"/>
                 <a:cs typeface="Times New Roman" panose="02020603050405020304" pitchFamily="18" charset="0"/>
               </a:rPr>
@@ -23946,69 +26272,133 @@
           <a:p>
             <a:pPr algn="l"/>
             <a:r>
-              <a:rPr lang="en-CA" dirty="0">
+              <a:rPr lang="en-CA">
                 <a:latin typeface="Times New Roman" panose="02020603050405020304" pitchFamily="18" charset="0"/>
                 <a:cs typeface="Times New Roman" panose="02020603050405020304" pitchFamily="18" charset="0"/>
               </a:rPr>
               <a:t>[7] </a:t>
             </a:r>
             <a:r>
-              <a:rPr lang="en-CA" dirty="0" err="1">
+              <a:rPr lang="en-CA" err="1">
                 <a:latin typeface="Times New Roman" panose="02020603050405020304" pitchFamily="18" charset="0"/>
                 <a:cs typeface="Times New Roman" panose="02020603050405020304" pitchFamily="18" charset="0"/>
               </a:rPr>
               <a:t>Mitsugi</a:t>
             </a:r>
             <a:r>
-              <a:rPr lang="en-CA" dirty="0">
+              <a:rPr lang="en-CA">
                 <a:latin typeface="Times New Roman" panose="02020603050405020304" pitchFamily="18" charset="0"/>
                 <a:cs typeface="Times New Roman" panose="02020603050405020304" pitchFamily="18" charset="0"/>
               </a:rPr>
               <a:t>, J., </a:t>
             </a:r>
             <a:r>
-              <a:rPr lang="en-CA" dirty="0" err="1">
+              <a:rPr lang="en-CA" err="1">
                 <a:latin typeface="Times New Roman" panose="02020603050405020304" pitchFamily="18" charset="0"/>
                 <a:cs typeface="Times New Roman" panose="02020603050405020304" pitchFamily="18" charset="0"/>
               </a:rPr>
               <a:t>Yonemura</a:t>
             </a:r>
             <a:r>
-              <a:rPr lang="en-CA" dirty="0">
+              <a:rPr lang="en-CA">
                 <a:latin typeface="Times New Roman" panose="02020603050405020304" pitchFamily="18" charset="0"/>
                 <a:cs typeface="Times New Roman" panose="02020603050405020304" pitchFamily="18" charset="0"/>
               </a:rPr>
               <a:t>, S., </a:t>
             </a:r>
             <a:r>
-              <a:rPr lang="en-CA" dirty="0" err="1">
+              <a:rPr lang="en-CA" err="1">
                 <a:latin typeface="Times New Roman" panose="02020603050405020304" pitchFamily="18" charset="0"/>
                 <a:cs typeface="Times New Roman" panose="02020603050405020304" pitchFamily="18" charset="0"/>
               </a:rPr>
               <a:t>Hada</a:t>
             </a:r>
             <a:r>
-              <a:rPr lang="en-CA" dirty="0">
+              <a:rPr lang="en-CA">
                 <a:latin typeface="Times New Roman" panose="02020603050405020304" pitchFamily="18" charset="0"/>
                 <a:cs typeface="Times New Roman" panose="02020603050405020304" pitchFamily="18" charset="0"/>
               </a:rPr>
               <a:t>, H., &amp; </a:t>
             </a:r>
             <a:r>
-              <a:rPr lang="en-CA" dirty="0" err="1">
+              <a:rPr lang="en-CA" err="1">
                 <a:latin typeface="Times New Roman" panose="02020603050405020304" pitchFamily="18" charset="0"/>
                 <a:cs typeface="Times New Roman" panose="02020603050405020304" pitchFamily="18" charset="0"/>
               </a:rPr>
               <a:t>Inaba</a:t>
             </a:r>
             <a:r>
-              <a:rPr lang="en-CA" dirty="0">
+              <a:rPr lang="en-CA">
                 <a:latin typeface="Times New Roman" panose="02020603050405020304" pitchFamily="18" charset="0"/>
                 <a:cs typeface="Times New Roman" panose="02020603050405020304" pitchFamily="18" charset="0"/>
               </a:rPr>
               <a:t>, T., 2011</a:t>
             </a:r>
-            <a:endParaRPr lang="en-US" dirty="0"/>
+            <a:endParaRPr lang="en-US"/>
+          </a:p>
+        </p:txBody>
+      </p:sp>
+      <p:sp>
+        <p:nvSpPr>
+          <p:cNvPr id="9" name="Rectangle 8"/>
+          <p:cNvSpPr/>
+          <p:nvPr/>
+        </p:nvSpPr>
+        <p:spPr>
+          <a:xfrm>
+            <a:off x="7239600" y="6012000"/>
+            <a:ext cx="1936800" cy="252000"/>
+          </a:xfrm>
+          <a:prstGeom prst="rect">
+            <a:avLst/>
+          </a:prstGeom>
+          <a:gradFill flip="none" rotWithShape="1">
+            <a:gsLst>
+              <a:gs pos="0">
+                <a:schemeClr val="accent6">
+                  <a:shade val="30000"/>
+                  <a:satMod val="115000"/>
+                </a:schemeClr>
+              </a:gs>
+              <a:gs pos="50000">
+                <a:schemeClr val="accent6">
+                  <a:shade val="67500"/>
+                  <a:satMod val="115000"/>
+                </a:schemeClr>
+              </a:gs>
+              <a:gs pos="100000">
+                <a:srgbClr val="73BA40"/>
+              </a:gs>
+            </a:gsLst>
+            <a:path path="circle">
+              <a:fillToRect l="100000" t="100000"/>
+            </a:path>
+            <a:tileRect r="-100000" b="-100000"/>
+          </a:gradFill>
+          <a:ln>
+            <a:noFill/>
+          </a:ln>
+        </p:spPr>
+        <p:style>
+          <a:lnRef idx="0">
+            <a:scrgbClr r="0" g="0" b="0"/>
+          </a:lnRef>
+          <a:fillRef idx="0">
+            <a:scrgbClr r="0" g="0" b="0"/>
+          </a:fillRef>
+          <a:effectRef idx="0">
+            <a:scrgbClr r="0" g="0" b="0"/>
+          </a:effectRef>
+          <a:fontRef idx="minor">
+            <a:schemeClr val="lt1"/>
+          </a:fontRef>
+        </p:style>
+        <p:txBody>
+          <a:bodyPr rtlCol="0" anchor="ctr"/>
+          <a:lstStyle/>
+          <a:p>
+            <a:pPr algn="ctr"/>
+            <a:endParaRPr lang="en-CA"/>
           </a:p>
         </p:txBody>
       </p:sp>
@@ -24065,7 +26455,7 @@
           <a:lstStyle/>
           <a:p>
             <a:r>
-              <a:rPr lang="en-CA" dirty="0">
+              <a:rPr lang="en-CA">
                 <a:latin typeface="Times New Roman" panose="02020603050405020304" pitchFamily="18" charset="0"/>
                 <a:cs typeface="Times New Roman" panose="02020603050405020304" pitchFamily="18" charset="0"/>
               </a:rPr>
@@ -24097,37 +26487,37 @@
           <a:lstStyle/>
           <a:p>
             <a:r>
-              <a:rPr lang="en-CA" sz="2000" dirty="0">
+              <a:rPr lang="en-CA" sz="2000">
                 <a:latin typeface="Times New Roman" panose="02020603050405020304" pitchFamily="18" charset="0"/>
                 <a:cs typeface="Times New Roman" panose="02020603050405020304" pitchFamily="18" charset="0"/>
               </a:rPr>
-              <a:t>Motivation: Why devices can not directly send CoAP messages to each other without adding extra hardware layer or adopting protocol translation?</a:t>
-            </a:r>
-          </a:p>
-          <a:p>
-            <a:endParaRPr lang="en-CA" sz="2000" dirty="0">
+              <a:t>Motivation: Why devices in WPAN can not directly send CoAP messages to each other without adding extra hardware layer or adopting protocol translation?</a:t>
+            </a:r>
+          </a:p>
+          <a:p>
+            <a:endParaRPr lang="en-CA" sz="2000">
               <a:latin typeface="Times New Roman" panose="02020603050405020304" pitchFamily="18" charset="0"/>
               <a:cs typeface="Times New Roman" panose="02020603050405020304" pitchFamily="18" charset="0"/>
             </a:endParaRPr>
           </a:p>
           <a:p>
             <a:r>
-              <a:rPr lang="en-CA" sz="2000" dirty="0">
+              <a:rPr lang="en-CA" sz="2000">
                 <a:latin typeface="Times New Roman" panose="02020603050405020304" pitchFamily="18" charset="0"/>
                 <a:cs typeface="Times New Roman" panose="02020603050405020304" pitchFamily="18" charset="0"/>
               </a:rPr>
-              <a:t>An architecture to make CoAP work on existing communication protocols for WPAN such as BLE and NFC. </a:t>
-            </a:r>
-          </a:p>
-          <a:p>
-            <a:endParaRPr lang="en-CA" sz="2000" dirty="0">
+              <a:t>I purpose to make a software architecture to make CoAP works on existing communication protocols for WPAN such as BLE and NFC. </a:t>
+            </a:r>
+          </a:p>
+          <a:p>
+            <a:endParaRPr lang="en-CA" sz="2000">
               <a:latin typeface="Times New Roman" panose="02020603050405020304" pitchFamily="18" charset="0"/>
               <a:cs typeface="Times New Roman" panose="02020603050405020304" pitchFamily="18" charset="0"/>
             </a:endParaRPr>
           </a:p>
           <a:p>
             <a:r>
-              <a:rPr lang="en-CA" sz="2000" dirty="0">
+              <a:rPr lang="en-CA" sz="2000">
                 <a:latin typeface="Times New Roman" panose="02020603050405020304" pitchFamily="18" charset="0"/>
                 <a:cs typeface="Times New Roman" panose="02020603050405020304" pitchFamily="18" charset="0"/>
               </a:rPr>
@@ -24360,12 +26750,76 @@
               <a:buNone/>
             </a:pPr>
             <a:r>
-              <a:rPr lang="en-CA" sz="2400" kern="0" dirty="0">
+              <a:rPr lang="en-CA" sz="2400" kern="0">
                 <a:latin typeface="Times New Roman" panose="02020603050405020304" pitchFamily="18" charset="0"/>
                 <a:cs typeface="Times New Roman" panose="02020603050405020304" pitchFamily="18" charset="0"/>
               </a:rPr>
               <a:t>3.1 Proposed solution</a:t>
             </a:r>
+          </a:p>
+        </p:txBody>
+      </p:sp>
+      <p:sp>
+        <p:nvSpPr>
+          <p:cNvPr id="5" name="Rectangle 4"/>
+          <p:cNvSpPr/>
+          <p:nvPr/>
+        </p:nvSpPr>
+        <p:spPr>
+          <a:xfrm>
+            <a:off x="7239600" y="6012000"/>
+            <a:ext cx="1936800" cy="252000"/>
+          </a:xfrm>
+          <a:prstGeom prst="rect">
+            <a:avLst/>
+          </a:prstGeom>
+          <a:gradFill flip="none" rotWithShape="1">
+            <a:gsLst>
+              <a:gs pos="0">
+                <a:schemeClr val="accent6">
+                  <a:shade val="30000"/>
+                  <a:satMod val="115000"/>
+                </a:schemeClr>
+              </a:gs>
+              <a:gs pos="50000">
+                <a:schemeClr val="accent6">
+                  <a:shade val="67500"/>
+                  <a:satMod val="115000"/>
+                </a:schemeClr>
+              </a:gs>
+              <a:gs pos="100000">
+                <a:srgbClr val="73BA40"/>
+              </a:gs>
+            </a:gsLst>
+            <a:path path="circle">
+              <a:fillToRect l="100000" t="100000"/>
+            </a:path>
+            <a:tileRect r="-100000" b="-100000"/>
+          </a:gradFill>
+          <a:ln>
+            <a:noFill/>
+          </a:ln>
+        </p:spPr>
+        <p:style>
+          <a:lnRef idx="0">
+            <a:scrgbClr r="0" g="0" b="0"/>
+          </a:lnRef>
+          <a:fillRef idx="0">
+            <a:scrgbClr r="0" g="0" b="0"/>
+          </a:fillRef>
+          <a:effectRef idx="0">
+            <a:scrgbClr r="0" g="0" b="0"/>
+          </a:effectRef>
+          <a:fontRef idx="minor">
+            <a:schemeClr val="lt1"/>
+          </a:fontRef>
+        </p:style>
+        <p:txBody>
+          <a:bodyPr rtlCol="0" anchor="ctr"/>
+          <a:lstStyle/>
+          <a:p>
+            <a:pPr algn="ctr"/>
+            <a:endParaRPr lang="en-CA"/>
           </a:p>
         </p:txBody>
       </p:sp>
@@ -24422,7 +26876,7 @@
           <a:lstStyle/>
           <a:p>
             <a:r>
-              <a:rPr lang="en-CA" dirty="0">
+              <a:rPr lang="en-CA">
                 <a:latin typeface="Times New Roman" panose="02020603050405020304" pitchFamily="18" charset="0"/>
                 <a:cs typeface="Times New Roman" panose="02020603050405020304" pitchFamily="18" charset="0"/>
               </a:rPr>
@@ -24655,7 +27109,7 @@
               <a:buNone/>
             </a:pPr>
             <a:r>
-              <a:rPr lang="en-CA" sz="2400" kern="0" dirty="0">
+              <a:rPr lang="en-CA" sz="2400" kern="0">
                 <a:latin typeface="Times New Roman" panose="02020603050405020304" pitchFamily="18" charset="0"/>
                 <a:cs typeface="Times New Roman" panose="02020603050405020304" pitchFamily="18" charset="0"/>
               </a:rPr>
@@ -24691,7 +27145,7 @@
               <a:buChar char="•"/>
             </a:pPr>
             <a:r>
-              <a:rPr lang="en-CA" sz="2000" dirty="0">
+              <a:rPr lang="en-CA" sz="2000">
                 <a:latin typeface="Times New Roman" panose="02020603050405020304" pitchFamily="18" charset="0"/>
                 <a:cs typeface="Times New Roman" panose="02020603050405020304" pitchFamily="18" charset="0"/>
               </a:rPr>
@@ -24704,7 +27158,7 @@
               <a:buChar char="•"/>
             </a:pPr>
             <a:r>
-              <a:rPr lang="en-CA" sz="2000" dirty="0">
+              <a:rPr lang="en-CA" sz="2000">
                 <a:latin typeface="Times New Roman" panose="02020603050405020304" pitchFamily="18" charset="0"/>
                 <a:cs typeface="Times New Roman" panose="02020603050405020304" pitchFamily="18" charset="0"/>
               </a:rPr>
@@ -24717,7 +27171,7 @@
               <a:buChar char="•"/>
             </a:pPr>
             <a:r>
-              <a:rPr lang="en-CA" sz="2000" dirty="0">
+              <a:rPr lang="en-CA" sz="2000">
                 <a:latin typeface="Times New Roman" panose="02020603050405020304" pitchFamily="18" charset="0"/>
                 <a:cs typeface="Times New Roman" panose="02020603050405020304" pitchFamily="18" charset="0"/>
               </a:rPr>
@@ -24730,12 +27184,76 @@
               <a:buChar char="•"/>
             </a:pPr>
             <a:r>
-              <a:rPr lang="en-CA" sz="2000" dirty="0">
+              <a:rPr lang="en-CA" sz="2000">
                 <a:latin typeface="Times New Roman" panose="02020603050405020304" pitchFamily="18" charset="0"/>
                 <a:cs typeface="Times New Roman" panose="02020603050405020304" pitchFamily="18" charset="0"/>
               </a:rPr>
               <a:t>How to provide a common interface to support different technologies?</a:t>
             </a:r>
+          </a:p>
+        </p:txBody>
+      </p:sp>
+      <p:sp>
+        <p:nvSpPr>
+          <p:cNvPr id="5" name="Rectangle 4"/>
+          <p:cNvSpPr/>
+          <p:nvPr/>
+        </p:nvSpPr>
+        <p:spPr>
+          <a:xfrm>
+            <a:off x="7239600" y="6012000"/>
+            <a:ext cx="1936800" cy="252000"/>
+          </a:xfrm>
+          <a:prstGeom prst="rect">
+            <a:avLst/>
+          </a:prstGeom>
+          <a:gradFill flip="none" rotWithShape="1">
+            <a:gsLst>
+              <a:gs pos="0">
+                <a:schemeClr val="accent6">
+                  <a:shade val="30000"/>
+                  <a:satMod val="115000"/>
+                </a:schemeClr>
+              </a:gs>
+              <a:gs pos="50000">
+                <a:schemeClr val="accent6">
+                  <a:shade val="67500"/>
+                  <a:satMod val="115000"/>
+                </a:schemeClr>
+              </a:gs>
+              <a:gs pos="100000">
+                <a:srgbClr val="73BA40"/>
+              </a:gs>
+            </a:gsLst>
+            <a:path path="circle">
+              <a:fillToRect l="100000" t="100000"/>
+            </a:path>
+            <a:tileRect r="-100000" b="-100000"/>
+          </a:gradFill>
+          <a:ln>
+            <a:noFill/>
+          </a:ln>
+        </p:spPr>
+        <p:style>
+          <a:lnRef idx="0">
+            <a:scrgbClr r="0" g="0" b="0"/>
+          </a:lnRef>
+          <a:fillRef idx="0">
+            <a:scrgbClr r="0" g="0" b="0"/>
+          </a:fillRef>
+          <a:effectRef idx="0">
+            <a:scrgbClr r="0" g="0" b="0"/>
+          </a:effectRef>
+          <a:fontRef idx="minor">
+            <a:schemeClr val="lt1"/>
+          </a:fontRef>
+        </p:style>
+        <p:txBody>
+          <a:bodyPr rtlCol="0" anchor="ctr"/>
+          <a:lstStyle/>
+          <a:p>
+            <a:pPr algn="ctr"/>
+            <a:endParaRPr lang="en-CA"/>
           </a:p>
         </p:txBody>
       </p:sp>
@@ -24792,7 +27310,7 @@
           <a:lstStyle/>
           <a:p>
             <a:r>
-              <a:rPr lang="en-CA" dirty="0">
+              <a:rPr lang="en-CA">
                 <a:latin typeface="Times New Roman" panose="02020603050405020304" pitchFamily="18" charset="0"/>
                 <a:cs typeface="Times New Roman" panose="02020603050405020304" pitchFamily="18" charset="0"/>
               </a:rPr>
@@ -25025,7 +27543,7 @@
               <a:buNone/>
             </a:pPr>
             <a:r>
-              <a:rPr lang="en-CA" sz="2400" kern="0" dirty="0">
+              <a:rPr lang="en-CA" sz="2400" kern="0">
                 <a:latin typeface="Times New Roman" panose="02020603050405020304" pitchFamily="18" charset="0"/>
                 <a:cs typeface="Times New Roman" panose="02020603050405020304" pitchFamily="18" charset="0"/>
               </a:rPr>
@@ -25061,7 +27579,7 @@
               <a:buChar char="•"/>
             </a:pPr>
             <a:r>
-              <a:rPr lang="en-CA" sz="2000" dirty="0">
+              <a:rPr lang="en-CA" sz="2000">
                 <a:latin typeface="Times New Roman" panose="02020603050405020304" pitchFamily="18" charset="0"/>
                 <a:cs typeface="Times New Roman" panose="02020603050405020304" pitchFamily="18" charset="0"/>
               </a:rPr>
@@ -25074,12 +27592,76 @@
               <a:buChar char="•"/>
             </a:pPr>
             <a:r>
-              <a:rPr lang="en-CA" sz="2000" dirty="0">
+              <a:rPr lang="en-CA" sz="2000">
                 <a:latin typeface="Times New Roman" panose="02020603050405020304" pitchFamily="18" charset="0"/>
                 <a:cs typeface="Times New Roman" panose="02020603050405020304" pitchFamily="18" charset="0"/>
               </a:rPr>
               <a:t>Network layer.</a:t>
             </a:r>
+          </a:p>
+        </p:txBody>
+      </p:sp>
+      <p:sp>
+        <p:nvSpPr>
+          <p:cNvPr id="6" name="Rectangle 5"/>
+          <p:cNvSpPr/>
+          <p:nvPr/>
+        </p:nvSpPr>
+        <p:spPr>
+          <a:xfrm>
+            <a:off x="7239600" y="6012000"/>
+            <a:ext cx="1936800" cy="252000"/>
+          </a:xfrm>
+          <a:prstGeom prst="rect">
+            <a:avLst/>
+          </a:prstGeom>
+          <a:gradFill flip="none" rotWithShape="1">
+            <a:gsLst>
+              <a:gs pos="0">
+                <a:schemeClr val="accent6">
+                  <a:shade val="30000"/>
+                  <a:satMod val="115000"/>
+                </a:schemeClr>
+              </a:gs>
+              <a:gs pos="50000">
+                <a:schemeClr val="accent6">
+                  <a:shade val="67500"/>
+                  <a:satMod val="115000"/>
+                </a:schemeClr>
+              </a:gs>
+              <a:gs pos="100000">
+                <a:srgbClr val="73BA40"/>
+              </a:gs>
+            </a:gsLst>
+            <a:path path="circle">
+              <a:fillToRect l="100000" t="100000"/>
+            </a:path>
+            <a:tileRect r="-100000" b="-100000"/>
+          </a:gradFill>
+          <a:ln>
+            <a:noFill/>
+          </a:ln>
+        </p:spPr>
+        <p:style>
+          <a:lnRef idx="0">
+            <a:scrgbClr r="0" g="0" b="0"/>
+          </a:lnRef>
+          <a:fillRef idx="0">
+            <a:scrgbClr r="0" g="0" b="0"/>
+          </a:fillRef>
+          <a:effectRef idx="0">
+            <a:scrgbClr r="0" g="0" b="0"/>
+          </a:effectRef>
+          <a:fontRef idx="minor">
+            <a:schemeClr val="lt1"/>
+          </a:fontRef>
+        </p:style>
+        <p:txBody>
+          <a:bodyPr rtlCol="0" anchor="ctr"/>
+          <a:lstStyle/>
+          <a:p>
+            <a:pPr algn="ctr"/>
+            <a:endParaRPr lang="en-CA"/>
           </a:p>
         </p:txBody>
       </p:sp>
